--- a/Class_Materials/Week_2/Day_1_Security_and_Architecture_WIP/ISBPM - Intro to Security.pptx
+++ b/Class_Materials/Week_2/Day_1_Security_and_Architecture_WIP/ISBPM - Intro to Security.pptx
@@ -5,20 +5,34 @@
     <p:sldMasterId id="2147483810" r:id="rId1"/>
   </p:sldMasterIdLst>
   <p:notesMasterIdLst>
-    <p:notesMasterId r:id="rId13"/>
+    <p:notesMasterId r:id="rId27"/>
   </p:notesMasterIdLst>
   <p:sldIdLst>
     <p:sldId id="256" r:id="rId2"/>
     <p:sldId id="257" r:id="rId3"/>
     <p:sldId id="278" r:id="rId4"/>
     <p:sldId id="299" r:id="rId5"/>
-    <p:sldId id="340" r:id="rId6"/>
-    <p:sldId id="339" r:id="rId7"/>
-    <p:sldId id="338" r:id="rId8"/>
-    <p:sldId id="337" r:id="rId9"/>
-    <p:sldId id="260" r:id="rId10"/>
-    <p:sldId id="275" r:id="rId11"/>
-    <p:sldId id="276" r:id="rId12"/>
+    <p:sldId id="339" r:id="rId6"/>
+    <p:sldId id="342" r:id="rId7"/>
+    <p:sldId id="341" r:id="rId8"/>
+    <p:sldId id="338" r:id="rId9"/>
+    <p:sldId id="343" r:id="rId10"/>
+    <p:sldId id="344" r:id="rId11"/>
+    <p:sldId id="345" r:id="rId12"/>
+    <p:sldId id="346" r:id="rId13"/>
+    <p:sldId id="347" r:id="rId14"/>
+    <p:sldId id="340" r:id="rId15"/>
+    <p:sldId id="351" r:id="rId16"/>
+    <p:sldId id="349" r:id="rId17"/>
+    <p:sldId id="348" r:id="rId18"/>
+    <p:sldId id="352" r:id="rId19"/>
+    <p:sldId id="353" r:id="rId20"/>
+    <p:sldId id="350" r:id="rId21"/>
+    <p:sldId id="354" r:id="rId22"/>
+    <p:sldId id="337" r:id="rId23"/>
+    <p:sldId id="260" r:id="rId24"/>
+    <p:sldId id="275" r:id="rId25"/>
+    <p:sldId id="276" r:id="rId26"/>
   </p:sldIdLst>
   <p:sldSz cx="12192000" cy="6858000"/>
   <p:notesSz cx="6858000" cy="9144000"/>
@@ -125,6 +139,14 @@
 </p:presentation>
 </file>
 
+<file path=ppt/revisionInfo.xml><?xml version="1.0" encoding="utf-8"?>
+<p1510:revInfo xmlns:a="http://schemas.openxmlformats.org/drawingml/2006/main" xmlns:r="http://schemas.openxmlformats.org/officeDocument/2006/relationships" xmlns:p1510="http://schemas.microsoft.com/office/powerpoint/2015/10/main">
+  <p1510:revLst>
+    <p1510:client id="{A4A57C11-9A7E-4A41-804B-997DD43207FE}" v="65" dt="2023-05-23T15:23:41.556"/>
+  </p1510:revLst>
+</p1510:revInfo>
+</file>
+
 <file path=ppt/changesInfos/changesInfo1.xml><?xml version="1.0" encoding="utf-8"?>
 <pc:chgInfo xmlns:a="http://schemas.openxmlformats.org/drawingml/2006/main" xmlns:r="http://schemas.openxmlformats.org/officeDocument/2006/relationships" xmlns:ac="http://schemas.microsoft.com/office/drawing/2013/main/command" xmlns:pc="http://schemas.microsoft.com/office/powerpoint/2013/main/command">
   <pc:docChgLst>
@@ -1701,8 +1723,8 @@
   </pc:docChgLst>
   <pc:docChgLst>
     <pc:chgData name="Emily Crose" userId="5a1598ef78992c55" providerId="LiveId" clId="{A4A57C11-9A7E-4A41-804B-997DD43207FE}"/>
-    <pc:docChg chg="undo custSel addSld delSld modSld">
-      <pc:chgData name="Emily Crose" userId="5a1598ef78992c55" providerId="LiveId" clId="{A4A57C11-9A7E-4A41-804B-997DD43207FE}" dt="2023-05-19T12:43:32.696" v="78" actId="26606"/>
+    <pc:docChg chg="undo custSel addSld delSld modSld sldOrd">
+      <pc:chgData name="Emily Crose" userId="5a1598ef78992c55" providerId="LiveId" clId="{A4A57C11-9A7E-4A41-804B-997DD43207FE}" dt="2023-05-23T15:27:37.445" v="958" actId="26606"/>
       <pc:docMkLst>
         <pc:docMk/>
       </pc:docMkLst>
@@ -1756,13 +1778,13 @@
         </pc:sldMkLst>
       </pc:sldChg>
       <pc:sldChg chg="modSp mod">
-        <pc:chgData name="Emily Crose" userId="5a1598ef78992c55" providerId="LiveId" clId="{A4A57C11-9A7E-4A41-804B-997DD43207FE}" dt="2023-05-17T18:20:17.519" v="6" actId="20577"/>
+        <pc:chgData name="Emily Crose" userId="5a1598ef78992c55" providerId="LiveId" clId="{A4A57C11-9A7E-4A41-804B-997DD43207FE}" dt="2023-05-23T13:45:49.720" v="470" actId="20577"/>
         <pc:sldMkLst>
           <pc:docMk/>
           <pc:sldMk cId="1671539891" sldId="299"/>
         </pc:sldMkLst>
         <pc:spChg chg="mod">
-          <ac:chgData name="Emily Crose" userId="5a1598ef78992c55" providerId="LiveId" clId="{A4A57C11-9A7E-4A41-804B-997DD43207FE}" dt="2023-05-17T18:20:17.519" v="6" actId="20577"/>
+          <ac:chgData name="Emily Crose" userId="5a1598ef78992c55" providerId="LiveId" clId="{A4A57C11-9A7E-4A41-804B-997DD43207FE}" dt="2023-05-23T13:45:49.720" v="470" actId="20577"/>
           <ac:spMkLst>
             <pc:docMk/>
             <pc:sldMk cId="1671539891" sldId="299"/>
@@ -2015,20 +2037,67 @@
           <pc:sldMk cId="2806011870" sldId="336"/>
         </pc:sldMkLst>
       </pc:sldChg>
-      <pc:sldChg chg="modSp new mod">
-        <pc:chgData name="Emily Crose" userId="5a1598ef78992c55" providerId="LiveId" clId="{A4A57C11-9A7E-4A41-804B-997DD43207FE}" dt="2023-05-19T12:34:42.810" v="32" actId="20577"/>
+      <pc:sldChg chg="modSp mod">
+        <pc:chgData name="Emily Crose" userId="5a1598ef78992c55" providerId="LiveId" clId="{A4A57C11-9A7E-4A41-804B-997DD43207FE}" dt="2023-05-23T13:49:33.738" v="728" actId="20577"/>
+        <pc:sldMkLst>
+          <pc:docMk/>
+          <pc:sldMk cId="3520716317" sldId="337"/>
+        </pc:sldMkLst>
+        <pc:spChg chg="mod">
+          <ac:chgData name="Emily Crose" userId="5a1598ef78992c55" providerId="LiveId" clId="{A4A57C11-9A7E-4A41-804B-997DD43207FE}" dt="2023-05-23T13:49:33.738" v="728" actId="20577"/>
+          <ac:spMkLst>
+            <pc:docMk/>
+            <pc:sldMk cId="3520716317" sldId="337"/>
+            <ac:spMk id="2" creationId="{825D8899-BFE3-8479-9CB2-D510611FE137}"/>
+          </ac:spMkLst>
+        </pc:spChg>
+      </pc:sldChg>
+      <pc:sldChg chg="addSp delSp modSp new mod setBg modClrScheme setClrOvrMap chgLayout modNotesTx">
+        <pc:chgData name="Emily Crose" userId="5a1598ef78992c55" providerId="LiveId" clId="{A4A57C11-9A7E-4A41-804B-997DD43207FE}" dt="2023-05-23T13:46:27.979" v="643" actId="20577"/>
         <pc:sldMkLst>
           <pc:docMk/>
           <pc:sldMk cId="1621511944" sldId="338"/>
         </pc:sldMkLst>
-        <pc:spChg chg="mod">
-          <ac:chgData name="Emily Crose" userId="5a1598ef78992c55" providerId="LiveId" clId="{A4A57C11-9A7E-4A41-804B-997DD43207FE}" dt="2023-05-19T12:34:42.810" v="32" actId="20577"/>
+        <pc:spChg chg="mod ord">
+          <ac:chgData name="Emily Crose" userId="5a1598ef78992c55" providerId="LiveId" clId="{A4A57C11-9A7E-4A41-804B-997DD43207FE}" dt="2023-05-23T13:42:22.333" v="143" actId="20577"/>
           <ac:spMkLst>
             <pc:docMk/>
             <pc:sldMk cId="1621511944" sldId="338"/>
             <ac:spMk id="2" creationId="{AD06704D-8F75-ABF6-5FFB-A6A624C9BEDF}"/>
           </ac:spMkLst>
         </pc:spChg>
+        <pc:spChg chg="del">
+          <ac:chgData name="Emily Crose" userId="5a1598ef78992c55" providerId="LiveId" clId="{A4A57C11-9A7E-4A41-804B-997DD43207FE}" dt="2023-05-23T13:39:26.374" v="79" actId="478"/>
+          <ac:spMkLst>
+            <pc:docMk/>
+            <pc:sldMk cId="1621511944" sldId="338"/>
+            <ac:spMk id="3" creationId="{68D22013-4ED7-5744-02F6-BC9DB440A42C}"/>
+          </ac:spMkLst>
+        </pc:spChg>
+        <pc:spChg chg="add del">
+          <ac:chgData name="Emily Crose" userId="5a1598ef78992c55" providerId="LiveId" clId="{A4A57C11-9A7E-4A41-804B-997DD43207FE}" dt="2023-05-23T13:39:50.716" v="85" actId="26606"/>
+          <ac:spMkLst>
+            <pc:docMk/>
+            <pc:sldMk cId="1621511944" sldId="338"/>
+            <ac:spMk id="10" creationId="{8E482A67-6CD8-49D7-9F85-52ECF99152D0}"/>
+          </ac:spMkLst>
+        </pc:spChg>
+        <pc:spChg chg="add del">
+          <ac:chgData name="Emily Crose" userId="5a1598ef78992c55" providerId="LiveId" clId="{A4A57C11-9A7E-4A41-804B-997DD43207FE}" dt="2023-05-23T13:39:50.716" v="85" actId="26606"/>
+          <ac:spMkLst>
+            <pc:docMk/>
+            <pc:sldMk cId="1621511944" sldId="338"/>
+            <ac:spMk id="12" creationId="{418F941B-B7E9-44F2-9A2C-5D35ACF9A678}"/>
+          </ac:spMkLst>
+        </pc:spChg>
+        <pc:picChg chg="add mod">
+          <ac:chgData name="Emily Crose" userId="5a1598ef78992c55" providerId="LiveId" clId="{A4A57C11-9A7E-4A41-804B-997DD43207FE}" dt="2023-05-23T13:39:50.757" v="86" actId="26606"/>
+          <ac:picMkLst>
+            <pc:docMk/>
+            <pc:sldMk cId="1621511944" sldId="338"/>
+            <ac:picMk id="5" creationId="{76625A65-A796-B482-1C4E-8F471E35F2A2}"/>
+          </ac:picMkLst>
+        </pc:picChg>
       </pc:sldChg>
       <pc:sldChg chg="del">
         <pc:chgData name="Emily Crose" userId="5a1598ef78992c55" providerId="LiveId" clId="{A4A57C11-9A7E-4A41-804B-997DD43207FE}" dt="2023-05-17T18:30:14.116" v="7" actId="2696"/>
@@ -2099,8 +2168,8 @@
           </ac:picMkLst>
         </pc:picChg>
       </pc:sldChg>
-      <pc:sldChg chg="addSp delSp modSp new mod setBg modClrScheme setClrOvrMap chgLayout">
-        <pc:chgData name="Emily Crose" userId="5a1598ef78992c55" providerId="LiveId" clId="{A4A57C11-9A7E-4A41-804B-997DD43207FE}" dt="2023-05-19T12:43:32.696" v="78" actId="26606"/>
+      <pc:sldChg chg="addSp delSp modSp new mod ord setBg modClrScheme setClrOvrMap chgLayout">
+        <pc:chgData name="Emily Crose" userId="5a1598ef78992c55" providerId="LiveId" clId="{A4A57C11-9A7E-4A41-804B-997DD43207FE}" dt="2023-05-23T13:49:54.049" v="730"/>
         <pc:sldMkLst>
           <pc:docMk/>
           <pc:sldMk cId="2039985044" sldId="340"/>
@@ -2159,6 +2228,624 @@
           <pc:docMk/>
           <pc:sldMk cId="3529374907" sldId="341"/>
         </pc:sldMkLst>
+      </pc:sldChg>
+      <pc:sldChg chg="addSp delSp modSp new mod setBg modClrScheme addAnim chgLayout">
+        <pc:chgData name="Emily Crose" userId="5a1598ef78992c55" providerId="LiveId" clId="{A4A57C11-9A7E-4A41-804B-997DD43207FE}" dt="2023-05-23T13:41:44.334" v="120"/>
+        <pc:sldMkLst>
+          <pc:docMk/>
+          <pc:sldMk cId="4196407505" sldId="341"/>
+        </pc:sldMkLst>
+        <pc:spChg chg="del mod ord">
+          <ac:chgData name="Emily Crose" userId="5a1598ef78992c55" providerId="LiveId" clId="{A4A57C11-9A7E-4A41-804B-997DD43207FE}" dt="2023-05-23T13:41:30.290" v="88" actId="700"/>
+          <ac:spMkLst>
+            <pc:docMk/>
+            <pc:sldMk cId="4196407505" sldId="341"/>
+            <ac:spMk id="2" creationId="{C1AC50A8-7227-04A0-6344-E57171D38A57}"/>
+          </ac:spMkLst>
+        </pc:spChg>
+        <pc:spChg chg="add mod ord">
+          <ac:chgData name="Emily Crose" userId="5a1598ef78992c55" providerId="LiveId" clId="{A4A57C11-9A7E-4A41-804B-997DD43207FE}" dt="2023-05-23T13:41:44.333" v="118" actId="26606"/>
+          <ac:spMkLst>
+            <pc:docMk/>
+            <pc:sldMk cId="4196407505" sldId="341"/>
+            <ac:spMk id="3" creationId="{CFCEC179-4E23-6FF4-634D-63477BEC1FA6}"/>
+          </ac:spMkLst>
+        </pc:spChg>
+        <pc:spChg chg="add del mod ord">
+          <ac:chgData name="Emily Crose" userId="5a1598ef78992c55" providerId="LiveId" clId="{A4A57C11-9A7E-4A41-804B-997DD43207FE}" dt="2023-05-23T13:41:41.148" v="117" actId="700"/>
+          <ac:spMkLst>
+            <pc:docMk/>
+            <pc:sldMk cId="4196407505" sldId="341"/>
+            <ac:spMk id="4" creationId="{6698A637-7A41-29A0-1D0C-699C6360BA4A}"/>
+          </ac:spMkLst>
+        </pc:spChg>
+        <pc:picChg chg="add">
+          <ac:chgData name="Emily Crose" userId="5a1598ef78992c55" providerId="LiveId" clId="{A4A57C11-9A7E-4A41-804B-997DD43207FE}" dt="2023-05-23T13:41:44.333" v="118" actId="26606"/>
+          <ac:picMkLst>
+            <pc:docMk/>
+            <pc:sldMk cId="4196407505" sldId="341"/>
+            <ac:picMk id="7" creationId="{B40C12C9-51FA-66C8-3AF6-09B9D23DA89C}"/>
+          </ac:picMkLst>
+        </pc:picChg>
+      </pc:sldChg>
+      <pc:sldChg chg="addSp modSp new mod setBg">
+        <pc:chgData name="Emily Crose" userId="5a1598ef78992c55" providerId="LiveId" clId="{A4A57C11-9A7E-4A41-804B-997DD43207FE}" dt="2023-05-23T13:47:06.717" v="658" actId="20577"/>
+        <pc:sldMkLst>
+          <pc:docMk/>
+          <pc:sldMk cId="2371962728" sldId="342"/>
+        </pc:sldMkLst>
+        <pc:spChg chg="mod">
+          <ac:chgData name="Emily Crose" userId="5a1598ef78992c55" providerId="LiveId" clId="{A4A57C11-9A7E-4A41-804B-997DD43207FE}" dt="2023-05-23T13:47:06.717" v="658" actId="20577"/>
+          <ac:spMkLst>
+            <pc:docMk/>
+            <pc:sldMk cId="2371962728" sldId="342"/>
+            <ac:spMk id="2" creationId="{F22B400F-18D8-282E-A803-7D792B8556EF}"/>
+          </ac:spMkLst>
+        </pc:spChg>
+        <pc:picChg chg="add">
+          <ac:chgData name="Emily Crose" userId="5a1598ef78992c55" providerId="LiveId" clId="{A4A57C11-9A7E-4A41-804B-997DD43207FE}" dt="2023-05-23T13:42:13.776" v="137" actId="26606"/>
+          <ac:picMkLst>
+            <pc:docMk/>
+            <pc:sldMk cId="2371962728" sldId="342"/>
+            <ac:picMk id="4" creationId="{173AC626-3770-0B15-733B-1BC48FD1AF06}"/>
+          </ac:picMkLst>
+        </pc:picChg>
+      </pc:sldChg>
+      <pc:sldChg chg="addSp modSp new mod setBg">
+        <pc:chgData name="Emily Crose" userId="5a1598ef78992c55" providerId="LiveId" clId="{A4A57C11-9A7E-4A41-804B-997DD43207FE}" dt="2023-05-23T13:42:46.547" v="182" actId="27614"/>
+        <pc:sldMkLst>
+          <pc:docMk/>
+          <pc:sldMk cId="1913000843" sldId="343"/>
+        </pc:sldMkLst>
+        <pc:spChg chg="mod">
+          <ac:chgData name="Emily Crose" userId="5a1598ef78992c55" providerId="LiveId" clId="{A4A57C11-9A7E-4A41-804B-997DD43207FE}" dt="2023-05-23T13:42:43.129" v="181" actId="26606"/>
+          <ac:spMkLst>
+            <pc:docMk/>
+            <pc:sldMk cId="1913000843" sldId="343"/>
+            <ac:spMk id="2" creationId="{86021596-DB26-700F-9D7B-6A66AD7E1720}"/>
+          </ac:spMkLst>
+        </pc:spChg>
+        <pc:picChg chg="add mod">
+          <ac:chgData name="Emily Crose" userId="5a1598ef78992c55" providerId="LiveId" clId="{A4A57C11-9A7E-4A41-804B-997DD43207FE}" dt="2023-05-23T13:42:46.547" v="182" actId="27614"/>
+          <ac:picMkLst>
+            <pc:docMk/>
+            <pc:sldMk cId="1913000843" sldId="343"/>
+            <ac:picMk id="4" creationId="{82908600-DC60-AAAF-D25D-5D3C8C4324B8}"/>
+          </ac:picMkLst>
+        </pc:picChg>
+        <pc:picChg chg="add">
+          <ac:chgData name="Emily Crose" userId="5a1598ef78992c55" providerId="LiveId" clId="{A4A57C11-9A7E-4A41-804B-997DD43207FE}" dt="2023-05-23T13:42:43.129" v="181" actId="26606"/>
+          <ac:picMkLst>
+            <pc:docMk/>
+            <pc:sldMk cId="1913000843" sldId="343"/>
+            <ac:picMk id="8" creationId="{DBF7BBCC-A085-493E-83D9-01D4F8E88929}"/>
+          </ac:picMkLst>
+        </pc:picChg>
+      </pc:sldChg>
+      <pc:sldChg chg="addSp modSp new mod setBg setClrOvrMap">
+        <pc:chgData name="Emily Crose" userId="5a1598ef78992c55" providerId="LiveId" clId="{A4A57C11-9A7E-4A41-804B-997DD43207FE}" dt="2023-05-23T13:43:09.650" v="190" actId="26606"/>
+        <pc:sldMkLst>
+          <pc:docMk/>
+          <pc:sldMk cId="4142039092" sldId="344"/>
+        </pc:sldMkLst>
+        <pc:spChg chg="mod">
+          <ac:chgData name="Emily Crose" userId="5a1598ef78992c55" providerId="LiveId" clId="{A4A57C11-9A7E-4A41-804B-997DD43207FE}" dt="2023-05-23T13:43:09.650" v="190" actId="26606"/>
+          <ac:spMkLst>
+            <pc:docMk/>
+            <pc:sldMk cId="4142039092" sldId="344"/>
+            <ac:spMk id="2" creationId="{E50C9EC4-6B78-194A-AC32-8C532C85AF6A}"/>
+          </ac:spMkLst>
+        </pc:spChg>
+        <pc:spChg chg="add">
+          <ac:chgData name="Emily Crose" userId="5a1598ef78992c55" providerId="LiveId" clId="{A4A57C11-9A7E-4A41-804B-997DD43207FE}" dt="2023-05-23T13:43:09.650" v="190" actId="26606"/>
+          <ac:spMkLst>
+            <pc:docMk/>
+            <pc:sldMk cId="4142039092" sldId="344"/>
+            <ac:spMk id="9" creationId="{8E482A67-6CD8-49D7-9F85-52ECF99152D0}"/>
+          </ac:spMkLst>
+        </pc:spChg>
+        <pc:spChg chg="add">
+          <ac:chgData name="Emily Crose" userId="5a1598ef78992c55" providerId="LiveId" clId="{A4A57C11-9A7E-4A41-804B-997DD43207FE}" dt="2023-05-23T13:43:09.650" v="190" actId="26606"/>
+          <ac:spMkLst>
+            <pc:docMk/>
+            <pc:sldMk cId="4142039092" sldId="344"/>
+            <ac:spMk id="11" creationId="{418F941B-B7E9-44F2-9A2C-5D35ACF9A678}"/>
+          </ac:spMkLst>
+        </pc:spChg>
+        <pc:picChg chg="add mod">
+          <ac:chgData name="Emily Crose" userId="5a1598ef78992c55" providerId="LiveId" clId="{A4A57C11-9A7E-4A41-804B-997DD43207FE}" dt="2023-05-23T13:43:09.650" v="190" actId="26606"/>
+          <ac:picMkLst>
+            <pc:docMk/>
+            <pc:sldMk cId="4142039092" sldId="344"/>
+            <ac:picMk id="4" creationId="{E584D6A3-7DA9-BC46-B30B-1418F063F19C}"/>
+          </ac:picMkLst>
+        </pc:picChg>
+      </pc:sldChg>
+      <pc:sldChg chg="addSp modSp new mod setBg setClrOvrMap">
+        <pc:chgData name="Emily Crose" userId="5a1598ef78992c55" providerId="LiveId" clId="{A4A57C11-9A7E-4A41-804B-997DD43207FE}" dt="2023-05-23T13:44:14.568" v="214" actId="26606"/>
+        <pc:sldMkLst>
+          <pc:docMk/>
+          <pc:sldMk cId="1735613242" sldId="345"/>
+        </pc:sldMkLst>
+        <pc:spChg chg="mod">
+          <ac:chgData name="Emily Crose" userId="5a1598ef78992c55" providerId="LiveId" clId="{A4A57C11-9A7E-4A41-804B-997DD43207FE}" dt="2023-05-23T13:44:14.568" v="214" actId="26606"/>
+          <ac:spMkLst>
+            <pc:docMk/>
+            <pc:sldMk cId="1735613242" sldId="345"/>
+            <ac:spMk id="2" creationId="{00DA1D63-850A-02BA-75E2-D88A090D4596}"/>
+          </ac:spMkLst>
+        </pc:spChg>
+        <pc:spChg chg="add">
+          <ac:chgData name="Emily Crose" userId="5a1598ef78992c55" providerId="LiveId" clId="{A4A57C11-9A7E-4A41-804B-997DD43207FE}" dt="2023-05-23T13:44:14.568" v="214" actId="26606"/>
+          <ac:spMkLst>
+            <pc:docMk/>
+            <pc:sldMk cId="1735613242" sldId="345"/>
+            <ac:spMk id="9" creationId="{8E482A67-6CD8-49D7-9F85-52ECF99152D0}"/>
+          </ac:spMkLst>
+        </pc:spChg>
+        <pc:spChg chg="add">
+          <ac:chgData name="Emily Crose" userId="5a1598ef78992c55" providerId="LiveId" clId="{A4A57C11-9A7E-4A41-804B-997DD43207FE}" dt="2023-05-23T13:44:14.568" v="214" actId="26606"/>
+          <ac:spMkLst>
+            <pc:docMk/>
+            <pc:sldMk cId="1735613242" sldId="345"/>
+            <ac:spMk id="11" creationId="{418F941B-B7E9-44F2-9A2C-5D35ACF9A678}"/>
+          </ac:spMkLst>
+        </pc:spChg>
+        <pc:picChg chg="add mod">
+          <ac:chgData name="Emily Crose" userId="5a1598ef78992c55" providerId="LiveId" clId="{A4A57C11-9A7E-4A41-804B-997DD43207FE}" dt="2023-05-23T13:44:14.568" v="214" actId="26606"/>
+          <ac:picMkLst>
+            <pc:docMk/>
+            <pc:sldMk cId="1735613242" sldId="345"/>
+            <ac:picMk id="4" creationId="{B4703A41-E3E6-B417-3819-A44A34144C84}"/>
+          </ac:picMkLst>
+        </pc:picChg>
+      </pc:sldChg>
+      <pc:sldChg chg="addSp modSp new mod setBg addAnim">
+        <pc:chgData name="Emily Crose" userId="5a1598ef78992c55" providerId="LiveId" clId="{A4A57C11-9A7E-4A41-804B-997DD43207FE}" dt="2023-05-23T13:47:42.383" v="696"/>
+        <pc:sldMkLst>
+          <pc:docMk/>
+          <pc:sldMk cId="2926074542" sldId="346"/>
+        </pc:sldMkLst>
+        <pc:spChg chg="mod">
+          <ac:chgData name="Emily Crose" userId="5a1598ef78992c55" providerId="LiveId" clId="{A4A57C11-9A7E-4A41-804B-997DD43207FE}" dt="2023-05-23T13:47:42.382" v="695" actId="26606"/>
+          <ac:spMkLst>
+            <pc:docMk/>
+            <pc:sldMk cId="2926074542" sldId="346"/>
+            <ac:spMk id="2" creationId="{F3FF7DBB-26AC-8ABB-1CE7-ADD97F0A2D27}"/>
+          </ac:spMkLst>
+        </pc:spChg>
+        <pc:spChg chg="add">
+          <ac:chgData name="Emily Crose" userId="5a1598ef78992c55" providerId="LiveId" clId="{A4A57C11-9A7E-4A41-804B-997DD43207FE}" dt="2023-05-23T13:47:42.382" v="695" actId="26606"/>
+          <ac:spMkLst>
+            <pc:docMk/>
+            <pc:sldMk cId="2926074542" sldId="346"/>
+            <ac:spMk id="9" creationId="{93A46EEB-10AB-4E52-AF22-A848AE9259F9}"/>
+          </ac:spMkLst>
+        </pc:spChg>
+        <pc:picChg chg="add mod">
+          <ac:chgData name="Emily Crose" userId="5a1598ef78992c55" providerId="LiveId" clId="{A4A57C11-9A7E-4A41-804B-997DD43207FE}" dt="2023-05-23T13:47:42.382" v="695" actId="26606"/>
+          <ac:picMkLst>
+            <pc:docMk/>
+            <pc:sldMk cId="2926074542" sldId="346"/>
+            <ac:picMk id="4" creationId="{D17EAB65-BC68-8CBE-1581-A5C90DC8FFA0}"/>
+          </ac:picMkLst>
+        </pc:picChg>
+      </pc:sldChg>
+      <pc:sldChg chg="addSp delSp modSp new mod setBg setClrOvrMap">
+        <pc:chgData name="Emily Crose" userId="5a1598ef78992c55" providerId="LiveId" clId="{A4A57C11-9A7E-4A41-804B-997DD43207FE}" dt="2023-05-23T13:49:05.935" v="726" actId="26606"/>
+        <pc:sldMkLst>
+          <pc:docMk/>
+          <pc:sldMk cId="538408716" sldId="347"/>
+        </pc:sldMkLst>
+        <pc:spChg chg="mod">
+          <ac:chgData name="Emily Crose" userId="5a1598ef78992c55" providerId="LiveId" clId="{A4A57C11-9A7E-4A41-804B-997DD43207FE}" dt="2023-05-23T13:48:17.480" v="721" actId="26606"/>
+          <ac:spMkLst>
+            <pc:docMk/>
+            <pc:sldMk cId="538408716" sldId="347"/>
+            <ac:spMk id="2" creationId="{6B00A1DB-9E5A-D0BE-33CC-6D64BC48F75D}"/>
+          </ac:spMkLst>
+        </pc:spChg>
+        <pc:spChg chg="add del">
+          <ac:chgData name="Emily Crose" userId="5a1598ef78992c55" providerId="LiveId" clId="{A4A57C11-9A7E-4A41-804B-997DD43207FE}" dt="2023-05-23T13:49:05.935" v="726" actId="26606"/>
+          <ac:spMkLst>
+            <pc:docMk/>
+            <pc:sldMk cId="538408716" sldId="347"/>
+            <ac:spMk id="9" creationId="{8E482A67-6CD8-49D7-9F85-52ECF99152D0}"/>
+          </ac:spMkLst>
+        </pc:spChg>
+        <pc:spChg chg="add del">
+          <ac:chgData name="Emily Crose" userId="5a1598ef78992c55" providerId="LiveId" clId="{A4A57C11-9A7E-4A41-804B-997DD43207FE}" dt="2023-05-23T13:49:05.935" v="726" actId="26606"/>
+          <ac:spMkLst>
+            <pc:docMk/>
+            <pc:sldMk cId="538408716" sldId="347"/>
+            <ac:spMk id="11" creationId="{418F941B-B7E9-44F2-9A2C-5D35ACF9A678}"/>
+          </ac:spMkLst>
+        </pc:spChg>
+        <pc:spChg chg="add">
+          <ac:chgData name="Emily Crose" userId="5a1598ef78992c55" providerId="LiveId" clId="{A4A57C11-9A7E-4A41-804B-997DD43207FE}" dt="2023-05-23T13:49:05.935" v="726" actId="26606"/>
+          <ac:spMkLst>
+            <pc:docMk/>
+            <pc:sldMk cId="538408716" sldId="347"/>
+            <ac:spMk id="16" creationId="{8E482A67-6CD8-49D7-9F85-52ECF99152D0}"/>
+          </ac:spMkLst>
+        </pc:spChg>
+        <pc:spChg chg="add">
+          <ac:chgData name="Emily Crose" userId="5a1598ef78992c55" providerId="LiveId" clId="{A4A57C11-9A7E-4A41-804B-997DD43207FE}" dt="2023-05-23T13:49:05.935" v="726" actId="26606"/>
+          <ac:spMkLst>
+            <pc:docMk/>
+            <pc:sldMk cId="538408716" sldId="347"/>
+            <ac:spMk id="18" creationId="{418F941B-B7E9-44F2-9A2C-5D35ACF9A678}"/>
+          </ac:spMkLst>
+        </pc:spChg>
+        <pc:picChg chg="add del mod">
+          <ac:chgData name="Emily Crose" userId="5a1598ef78992c55" providerId="LiveId" clId="{A4A57C11-9A7E-4A41-804B-997DD43207FE}" dt="2023-05-23T13:48:46.749" v="722" actId="478"/>
+          <ac:picMkLst>
+            <pc:docMk/>
+            <pc:sldMk cId="538408716" sldId="347"/>
+            <ac:picMk id="4" creationId="{3710E204-FC7E-7BCC-9223-23B4133F9776}"/>
+          </ac:picMkLst>
+        </pc:picChg>
+        <pc:picChg chg="add mod">
+          <ac:chgData name="Emily Crose" userId="5a1598ef78992c55" providerId="LiveId" clId="{A4A57C11-9A7E-4A41-804B-997DD43207FE}" dt="2023-05-23T13:49:05.935" v="726" actId="26606"/>
+          <ac:picMkLst>
+            <pc:docMk/>
+            <pc:sldMk cId="538408716" sldId="347"/>
+            <ac:picMk id="6" creationId="{0615D1A7-75ED-9E14-74B3-68FD8F2A8C34}"/>
+          </ac:picMkLst>
+        </pc:picChg>
+      </pc:sldChg>
+      <pc:sldChg chg="addSp modSp new mod setBg">
+        <pc:chgData name="Emily Crose" userId="5a1598ef78992c55" providerId="LiveId" clId="{A4A57C11-9A7E-4A41-804B-997DD43207FE}" dt="2023-05-23T15:13:52.693" v="770" actId="26606"/>
+        <pc:sldMkLst>
+          <pc:docMk/>
+          <pc:sldMk cId="1230418756" sldId="348"/>
+        </pc:sldMkLst>
+        <pc:spChg chg="mod">
+          <ac:chgData name="Emily Crose" userId="5a1598ef78992c55" providerId="LiveId" clId="{A4A57C11-9A7E-4A41-804B-997DD43207FE}" dt="2023-05-23T15:13:52.693" v="770" actId="26606"/>
+          <ac:spMkLst>
+            <pc:docMk/>
+            <pc:sldMk cId="1230418756" sldId="348"/>
+            <ac:spMk id="2" creationId="{A3415F6F-07A0-ADA4-55B6-BF930943CA09}"/>
+          </ac:spMkLst>
+        </pc:spChg>
+        <pc:picChg chg="add mod">
+          <ac:chgData name="Emily Crose" userId="5a1598ef78992c55" providerId="LiveId" clId="{A4A57C11-9A7E-4A41-804B-997DD43207FE}" dt="2023-05-23T15:13:52.693" v="770" actId="26606"/>
+          <ac:picMkLst>
+            <pc:docMk/>
+            <pc:sldMk cId="1230418756" sldId="348"/>
+            <ac:picMk id="4" creationId="{429AB054-06C2-7BF6-9A58-9B9B11B6A0AD}"/>
+          </ac:picMkLst>
+        </pc:picChg>
+        <pc:picChg chg="add">
+          <ac:chgData name="Emily Crose" userId="5a1598ef78992c55" providerId="LiveId" clId="{A4A57C11-9A7E-4A41-804B-997DD43207FE}" dt="2023-05-23T15:13:52.693" v="770" actId="26606"/>
+          <ac:picMkLst>
+            <pc:docMk/>
+            <pc:sldMk cId="1230418756" sldId="348"/>
+            <ac:picMk id="9" creationId="{9B0DB875-49E3-4B9D-8AAE-D81A127B6647}"/>
+          </ac:picMkLst>
+        </pc:picChg>
+      </pc:sldChg>
+      <pc:sldChg chg="addSp delSp modSp new mod setBg">
+        <pc:chgData name="Emily Crose" userId="5a1598ef78992c55" providerId="LiveId" clId="{A4A57C11-9A7E-4A41-804B-997DD43207FE}" dt="2023-05-23T15:27:37.445" v="958" actId="26606"/>
+        <pc:sldMkLst>
+          <pc:docMk/>
+          <pc:sldMk cId="531719016" sldId="349"/>
+        </pc:sldMkLst>
+        <pc:spChg chg="mod">
+          <ac:chgData name="Emily Crose" userId="5a1598ef78992c55" providerId="LiveId" clId="{A4A57C11-9A7E-4A41-804B-997DD43207FE}" dt="2023-05-23T15:27:37.445" v="958" actId="26606"/>
+          <ac:spMkLst>
+            <pc:docMk/>
+            <pc:sldMk cId="531719016" sldId="349"/>
+            <ac:spMk id="2" creationId="{3F2EE3E0-8ADA-30BC-0805-F84168D4F00D}"/>
+          </ac:spMkLst>
+        </pc:spChg>
+        <pc:spChg chg="add del">
+          <ac:chgData name="Emily Crose" userId="5a1598ef78992c55" providerId="LiveId" clId="{A4A57C11-9A7E-4A41-804B-997DD43207FE}" dt="2023-05-23T15:27:37.404" v="957" actId="26606"/>
+          <ac:spMkLst>
+            <pc:docMk/>
+            <pc:sldMk cId="531719016" sldId="349"/>
+            <ac:spMk id="7" creationId="{DAB482FD-C684-4DAA-AC4C-1739F51A98A0}"/>
+          </ac:spMkLst>
+        </pc:spChg>
+        <pc:spChg chg="add">
+          <ac:chgData name="Emily Crose" userId="5a1598ef78992c55" providerId="LiveId" clId="{A4A57C11-9A7E-4A41-804B-997DD43207FE}" dt="2023-05-23T15:27:37.445" v="958" actId="26606"/>
+          <ac:spMkLst>
+            <pc:docMk/>
+            <pc:sldMk cId="531719016" sldId="349"/>
+            <ac:spMk id="11" creationId="{F7471772-E57F-4CD9-9241-D264A2F782EC}"/>
+          </ac:spMkLst>
+        </pc:spChg>
+        <pc:cxnChg chg="add del">
+          <ac:chgData name="Emily Crose" userId="5a1598ef78992c55" providerId="LiveId" clId="{A4A57C11-9A7E-4A41-804B-997DD43207FE}" dt="2023-05-23T15:27:37.404" v="957" actId="26606"/>
+          <ac:cxnSpMkLst>
+            <pc:docMk/>
+            <pc:sldMk cId="531719016" sldId="349"/>
+            <ac:cxnSpMk id="9" creationId="{2DAA738B-EDF5-4694-B25A-3488245BC87C}"/>
+          </ac:cxnSpMkLst>
+        </pc:cxnChg>
+        <pc:cxnChg chg="add">
+          <ac:chgData name="Emily Crose" userId="5a1598ef78992c55" providerId="LiveId" clId="{A4A57C11-9A7E-4A41-804B-997DD43207FE}" dt="2023-05-23T15:27:37.445" v="958" actId="26606"/>
+          <ac:cxnSpMkLst>
+            <pc:docMk/>
+            <pc:sldMk cId="531719016" sldId="349"/>
+            <ac:cxnSpMk id="12" creationId="{31CC7E9E-3FF6-4189-9B36-995A779F3C5A}"/>
+          </ac:cxnSpMkLst>
+        </pc:cxnChg>
+      </pc:sldChg>
+      <pc:sldChg chg="addSp delSp modSp new mod setBg addAnim delAnim">
+        <pc:chgData name="Emily Crose" userId="5a1598ef78992c55" providerId="LiveId" clId="{A4A57C11-9A7E-4A41-804B-997DD43207FE}" dt="2023-05-23T15:21:40.353" v="870" actId="26606"/>
+        <pc:sldMkLst>
+          <pc:docMk/>
+          <pc:sldMk cId="3660667821" sldId="350"/>
+        </pc:sldMkLst>
+        <pc:spChg chg="del mod ord">
+          <ac:chgData name="Emily Crose" userId="5a1598ef78992c55" providerId="LiveId" clId="{A4A57C11-9A7E-4A41-804B-997DD43207FE}" dt="2023-05-23T15:21:34.251" v="868" actId="478"/>
+          <ac:spMkLst>
+            <pc:docMk/>
+            <pc:sldMk cId="3660667821" sldId="350"/>
+            <ac:spMk id="2" creationId="{0E43EDDE-CF75-CC4F-F7C8-C04C82BD29E0}"/>
+          </ac:spMkLst>
+        </pc:spChg>
+        <pc:spChg chg="add del mod">
+          <ac:chgData name="Emily Crose" userId="5a1598ef78992c55" providerId="LiveId" clId="{A4A57C11-9A7E-4A41-804B-997DD43207FE}" dt="2023-05-23T15:21:37.937" v="869" actId="478"/>
+          <ac:spMkLst>
+            <pc:docMk/>
+            <pc:sldMk cId="3660667821" sldId="350"/>
+            <ac:spMk id="6" creationId="{D2647218-8E8E-093D-0525-EA6051B9CF74}"/>
+          </ac:spMkLst>
+        </pc:spChg>
+        <pc:picChg chg="add mod">
+          <ac:chgData name="Emily Crose" userId="5a1598ef78992c55" providerId="LiveId" clId="{A4A57C11-9A7E-4A41-804B-997DD43207FE}" dt="2023-05-23T15:21:40.353" v="870" actId="26606"/>
+          <ac:picMkLst>
+            <pc:docMk/>
+            <pc:sldMk cId="3660667821" sldId="350"/>
+            <ac:picMk id="4" creationId="{3B4FE9B7-1332-6316-4CED-48B8A7C69EFE}"/>
+          </ac:picMkLst>
+        </pc:picChg>
+      </pc:sldChg>
+      <pc:sldChg chg="addSp delSp modSp new mod modClrScheme chgLayout">
+        <pc:chgData name="Emily Crose" userId="5a1598ef78992c55" providerId="LiveId" clId="{A4A57C11-9A7E-4A41-804B-997DD43207FE}" dt="2023-05-23T14:00:34.228" v="766" actId="700"/>
+        <pc:sldMkLst>
+          <pc:docMk/>
+          <pc:sldMk cId="724338215" sldId="351"/>
+        </pc:sldMkLst>
+        <pc:spChg chg="del">
+          <ac:chgData name="Emily Crose" userId="5a1598ef78992c55" providerId="LiveId" clId="{A4A57C11-9A7E-4A41-804B-997DD43207FE}" dt="2023-05-23T14:00:34.228" v="766" actId="700"/>
+          <ac:spMkLst>
+            <pc:docMk/>
+            <pc:sldMk cId="724338215" sldId="351"/>
+            <ac:spMk id="2" creationId="{754B6BCE-C345-1C5E-6045-476A5128C9D4}"/>
+          </ac:spMkLst>
+        </pc:spChg>
+        <pc:picChg chg="add mod">
+          <ac:chgData name="Emily Crose" userId="5a1598ef78992c55" providerId="LiveId" clId="{A4A57C11-9A7E-4A41-804B-997DD43207FE}" dt="2023-05-23T14:00:30.450" v="765" actId="27614"/>
+          <ac:picMkLst>
+            <pc:docMk/>
+            <pc:sldMk cId="724338215" sldId="351"/>
+            <ac:picMk id="4" creationId="{E22D8BE2-EFBF-A6DD-B6B7-26D57F1D96B1}"/>
+          </ac:picMkLst>
+        </pc:picChg>
+      </pc:sldChg>
+      <pc:sldChg chg="addSp delSp modSp new mod setBg addAnim delAnim">
+        <pc:chgData name="Emily Crose" userId="5a1598ef78992c55" providerId="LiveId" clId="{A4A57C11-9A7E-4A41-804B-997DD43207FE}" dt="2023-05-23T15:17:10.287" v="793" actId="26606"/>
+        <pc:sldMkLst>
+          <pc:docMk/>
+          <pc:sldMk cId="1524748226" sldId="352"/>
+        </pc:sldMkLst>
+        <pc:spChg chg="mod">
+          <ac:chgData name="Emily Crose" userId="5a1598ef78992c55" providerId="LiveId" clId="{A4A57C11-9A7E-4A41-804B-997DD43207FE}" dt="2023-05-23T15:17:10.287" v="793" actId="26606"/>
+          <ac:spMkLst>
+            <pc:docMk/>
+            <pc:sldMk cId="1524748226" sldId="352"/>
+            <ac:spMk id="2" creationId="{E8364B01-2089-A64F-01C4-3551850C26CC}"/>
+          </ac:spMkLst>
+        </pc:spChg>
+        <pc:picChg chg="add mod">
+          <ac:chgData name="Emily Crose" userId="5a1598ef78992c55" providerId="LiveId" clId="{A4A57C11-9A7E-4A41-804B-997DD43207FE}" dt="2023-05-23T15:17:10.287" v="793" actId="26606"/>
+          <ac:picMkLst>
+            <pc:docMk/>
+            <pc:sldMk cId="1524748226" sldId="352"/>
+            <ac:picMk id="4" creationId="{9856AC08-FC06-9729-BC3B-898F99D4938E}"/>
+          </ac:picMkLst>
+        </pc:picChg>
+        <pc:picChg chg="add del">
+          <ac:chgData name="Emily Crose" userId="5a1598ef78992c55" providerId="LiveId" clId="{A4A57C11-9A7E-4A41-804B-997DD43207FE}" dt="2023-05-23T15:17:10.246" v="792" actId="26606"/>
+          <ac:picMkLst>
+            <pc:docMk/>
+            <pc:sldMk cId="1524748226" sldId="352"/>
+            <ac:picMk id="9" creationId="{9B0DB875-49E3-4B9D-8AAE-D81A127B6647}"/>
+          </ac:picMkLst>
+        </pc:picChg>
+      </pc:sldChg>
+      <pc:sldChg chg="addSp delSp modSp new mod setBg modClrScheme addAnim setClrOvrMap chgLayout">
+        <pc:chgData name="Emily Crose" userId="5a1598ef78992c55" providerId="LiveId" clId="{A4A57C11-9A7E-4A41-804B-997DD43207FE}" dt="2023-05-23T15:20:35.958" v="862" actId="26606"/>
+        <pc:sldMkLst>
+          <pc:docMk/>
+          <pc:sldMk cId="3952445570" sldId="353"/>
+        </pc:sldMkLst>
+        <pc:spChg chg="mod ord">
+          <ac:chgData name="Emily Crose" userId="5a1598ef78992c55" providerId="LiveId" clId="{A4A57C11-9A7E-4A41-804B-997DD43207FE}" dt="2023-05-23T15:20:35.958" v="862" actId="26606"/>
+          <ac:spMkLst>
+            <pc:docMk/>
+            <pc:sldMk cId="3952445570" sldId="353"/>
+            <ac:spMk id="2" creationId="{DEAA334C-D149-3617-B431-80FF439A7465}"/>
+          </ac:spMkLst>
+        </pc:spChg>
+        <pc:spChg chg="add mod ord">
+          <ac:chgData name="Emily Crose" userId="5a1598ef78992c55" providerId="LiveId" clId="{A4A57C11-9A7E-4A41-804B-997DD43207FE}" dt="2023-05-23T15:20:35.958" v="862" actId="26606"/>
+          <ac:spMkLst>
+            <pc:docMk/>
+            <pc:sldMk cId="3952445570" sldId="353"/>
+            <ac:spMk id="3" creationId="{DA56E59E-F08A-8B21-4B4D-F60FDA28AAE8}"/>
+          </ac:spMkLst>
+        </pc:spChg>
+        <pc:spChg chg="add del">
+          <ac:chgData name="Emily Crose" userId="5a1598ef78992c55" providerId="LiveId" clId="{A4A57C11-9A7E-4A41-804B-997DD43207FE}" dt="2023-05-23T15:20:35.282" v="859" actId="26606"/>
+          <ac:spMkLst>
+            <pc:docMk/>
+            <pc:sldMk cId="3952445570" sldId="353"/>
+            <ac:spMk id="12" creationId="{F24F226C-082A-4693-897A-4BA9C64E3EA0}"/>
+          </ac:spMkLst>
+        </pc:spChg>
+        <pc:spChg chg="add del">
+          <ac:chgData name="Emily Crose" userId="5a1598ef78992c55" providerId="LiveId" clId="{A4A57C11-9A7E-4A41-804B-997DD43207FE}" dt="2023-05-23T15:20:35.282" v="859" actId="26606"/>
+          <ac:spMkLst>
+            <pc:docMk/>
+            <pc:sldMk cId="3952445570" sldId="353"/>
+            <ac:spMk id="14" creationId="{835C1724-035A-4285-8A33-FFBF7CCE06A9}"/>
+          </ac:spMkLst>
+        </pc:spChg>
+        <pc:picChg chg="add mod">
+          <ac:chgData name="Emily Crose" userId="5a1598ef78992c55" providerId="LiveId" clId="{A4A57C11-9A7E-4A41-804B-997DD43207FE}" dt="2023-05-23T15:20:35.958" v="862" actId="26606"/>
+          <ac:picMkLst>
+            <pc:docMk/>
+            <pc:sldMk cId="3952445570" sldId="353"/>
+            <ac:picMk id="7" creationId="{269235DE-5326-FB0A-0A9E-47ADA26E6207}"/>
+          </ac:picMkLst>
+        </pc:picChg>
+        <pc:picChg chg="add">
+          <ac:chgData name="Emily Crose" userId="5a1598ef78992c55" providerId="LiveId" clId="{A4A57C11-9A7E-4A41-804B-997DD43207FE}" dt="2023-05-23T15:20:35.958" v="862" actId="26606"/>
+          <ac:picMkLst>
+            <pc:docMk/>
+            <pc:sldMk cId="3952445570" sldId="353"/>
+            <ac:picMk id="9" creationId="{76AAFF90-89E1-46D5-B8B5-3BFDBB92D867}"/>
+          </ac:picMkLst>
+        </pc:picChg>
+      </pc:sldChg>
+      <pc:sldChg chg="addSp delSp modSp new mod setBg modClrScheme setClrOvrMap delDesignElem chgLayout">
+        <pc:chgData name="Emily Crose" userId="5a1598ef78992c55" providerId="LiveId" clId="{A4A57C11-9A7E-4A41-804B-997DD43207FE}" dt="2023-05-23T15:24:10.197" v="955" actId="26606"/>
+        <pc:sldMkLst>
+          <pc:docMk/>
+          <pc:sldMk cId="907170250" sldId="354"/>
+        </pc:sldMkLst>
+        <pc:spChg chg="del mod ord">
+          <ac:chgData name="Emily Crose" userId="5a1598ef78992c55" providerId="LiveId" clId="{A4A57C11-9A7E-4A41-804B-997DD43207FE}" dt="2023-05-23T15:22:18.618" v="905" actId="478"/>
+          <ac:spMkLst>
+            <pc:docMk/>
+            <pc:sldMk cId="907170250" sldId="354"/>
+            <ac:spMk id="2" creationId="{D7F22863-E015-705C-C3D5-6E4B89F936CF}"/>
+          </ac:spMkLst>
+        </pc:spChg>
+        <pc:spChg chg="add del mod">
+          <ac:chgData name="Emily Crose" userId="5a1598ef78992c55" providerId="LiveId" clId="{A4A57C11-9A7E-4A41-804B-997DD43207FE}" dt="2023-05-23T15:22:22.126" v="906" actId="700"/>
+          <ac:spMkLst>
+            <pc:docMk/>
+            <pc:sldMk cId="907170250" sldId="354"/>
+            <ac:spMk id="6" creationId="{0E64247C-98A5-86FB-A5B3-308FF4C7C799}"/>
+          </ac:spMkLst>
+        </pc:spChg>
+        <pc:spChg chg="add del">
+          <ac:chgData name="Emily Crose" userId="5a1598ef78992c55" providerId="LiveId" clId="{A4A57C11-9A7E-4A41-804B-997DD43207FE}" dt="2023-05-23T15:22:27.642" v="908" actId="26606"/>
+          <ac:spMkLst>
+            <pc:docMk/>
+            <pc:sldMk cId="907170250" sldId="354"/>
+            <ac:spMk id="7" creationId="{E24F7045-1B8B-4422-9330-0BC8BF6065E3}"/>
+          </ac:spMkLst>
+        </pc:spChg>
+        <pc:spChg chg="add del">
+          <ac:chgData name="Emily Crose" userId="5a1598ef78992c55" providerId="LiveId" clId="{A4A57C11-9A7E-4A41-804B-997DD43207FE}" dt="2023-05-23T15:22:27.642" v="908" actId="26606"/>
+          <ac:spMkLst>
+            <pc:docMk/>
+            <pc:sldMk cId="907170250" sldId="354"/>
+            <ac:spMk id="8" creationId="{7ED0B3BD-E968-4364-878A-47D3A6AEF099}"/>
+          </ac:spMkLst>
+        </pc:spChg>
+        <pc:spChg chg="add del">
+          <ac:chgData name="Emily Crose" userId="5a1598ef78992c55" providerId="LiveId" clId="{A4A57C11-9A7E-4A41-804B-997DD43207FE}" dt="2023-05-23T15:22:05.861" v="876" actId="26606"/>
+          <ac:spMkLst>
+            <pc:docMk/>
+            <pc:sldMk cId="907170250" sldId="354"/>
+            <ac:spMk id="9" creationId="{608EAA06-5488-416B-B2B2-E55213011012}"/>
+          </ac:spMkLst>
+        </pc:spChg>
+        <pc:spChg chg="add mod ord">
+          <ac:chgData name="Emily Crose" userId="5a1598ef78992c55" providerId="LiveId" clId="{A4A57C11-9A7E-4A41-804B-997DD43207FE}" dt="2023-05-23T15:24:10.197" v="955" actId="26606"/>
+          <ac:spMkLst>
+            <pc:docMk/>
+            <pc:sldMk cId="907170250" sldId="354"/>
+            <ac:spMk id="10" creationId="{F8ADED2D-0D5A-6A00-9FA4-4D608733599F}"/>
+          </ac:spMkLst>
+        </pc:spChg>
+        <pc:spChg chg="add del">
+          <ac:chgData name="Emily Crose" userId="5a1598ef78992c55" providerId="LiveId" clId="{A4A57C11-9A7E-4A41-804B-997DD43207FE}" dt="2023-05-23T15:22:22.126" v="906" actId="700"/>
+          <ac:spMkLst>
+            <pc:docMk/>
+            <pc:sldMk cId="907170250" sldId="354"/>
+            <ac:spMk id="11" creationId="{93A46EEB-10AB-4E52-AF22-A848AE9259F9}"/>
+          </ac:spMkLst>
+        </pc:spChg>
+        <pc:spChg chg="add del">
+          <ac:chgData name="Emily Crose" userId="5a1598ef78992c55" providerId="LiveId" clId="{A4A57C11-9A7E-4A41-804B-997DD43207FE}" dt="2023-05-23T15:22:27.642" v="908" actId="26606"/>
+          <ac:spMkLst>
+            <pc:docMk/>
+            <pc:sldMk cId="907170250" sldId="354"/>
+            <ac:spMk id="13" creationId="{C8E5BCBF-E5D0-444B-A584-4A5FF79F9D7E}"/>
+          </ac:spMkLst>
+        </pc:spChg>
+        <pc:spChg chg="add del">
+          <ac:chgData name="Emily Crose" userId="5a1598ef78992c55" providerId="LiveId" clId="{A4A57C11-9A7E-4A41-804B-997DD43207FE}" dt="2023-05-23T15:22:28.413" v="910" actId="26606"/>
+          <ac:spMkLst>
+            <pc:docMk/>
+            <pc:sldMk cId="907170250" sldId="354"/>
+            <ac:spMk id="15" creationId="{F9CF7650-7342-48D6-999E-174C77B5F52E}"/>
+          </ac:spMkLst>
+        </pc:spChg>
+        <pc:spChg chg="add del">
+          <ac:chgData name="Emily Crose" userId="5a1598ef78992c55" providerId="LiveId" clId="{A4A57C11-9A7E-4A41-804B-997DD43207FE}" dt="2023-05-23T15:22:28.413" v="910" actId="26606"/>
+          <ac:spMkLst>
+            <pc:docMk/>
+            <pc:sldMk cId="907170250" sldId="354"/>
+            <ac:spMk id="16" creationId="{EB2D286E-2458-46AD-B49E-911912F70897}"/>
+          </ac:spMkLst>
+        </pc:spChg>
+        <pc:spChg chg="add del">
+          <ac:chgData name="Emily Crose" userId="5a1598ef78992c55" providerId="LiveId" clId="{A4A57C11-9A7E-4A41-804B-997DD43207FE}" dt="2023-05-23T15:22:31.244" v="912" actId="26606"/>
+          <ac:spMkLst>
+            <pc:docMk/>
+            <pc:sldMk cId="907170250" sldId="354"/>
+            <ac:spMk id="18" creationId="{C2869B52-288D-4851-BEBE-FCF64CB1E481}"/>
+          </ac:spMkLst>
+        </pc:spChg>
+        <pc:spChg chg="add">
+          <ac:chgData name="Emily Crose" userId="5a1598ef78992c55" providerId="LiveId" clId="{A4A57C11-9A7E-4A41-804B-997DD43207FE}" dt="2023-05-23T15:24:10.197" v="955" actId="26606"/>
+          <ac:spMkLst>
+            <pc:docMk/>
+            <pc:sldMk cId="907170250" sldId="354"/>
+            <ac:spMk id="19" creationId="{8E482A67-6CD8-49D7-9F85-52ECF99152D0}"/>
+          </ac:spMkLst>
+        </pc:spChg>
+        <pc:spChg chg="add">
+          <ac:chgData name="Emily Crose" userId="5a1598ef78992c55" providerId="LiveId" clId="{A4A57C11-9A7E-4A41-804B-997DD43207FE}" dt="2023-05-23T15:24:10.197" v="955" actId="26606"/>
+          <ac:spMkLst>
+            <pc:docMk/>
+            <pc:sldMk cId="907170250" sldId="354"/>
+            <ac:spMk id="21" creationId="{418F941B-B7E9-44F2-9A2C-5D35ACF9A678}"/>
+          </ac:spMkLst>
+        </pc:spChg>
+        <pc:picChg chg="add del mod ord">
+          <ac:chgData name="Emily Crose" userId="5a1598ef78992c55" providerId="LiveId" clId="{A4A57C11-9A7E-4A41-804B-997DD43207FE}" dt="2023-05-23T15:23:39.454" v="945" actId="478"/>
+          <ac:picMkLst>
+            <pc:docMk/>
+            <pc:sldMk cId="907170250" sldId="354"/>
+            <ac:picMk id="4" creationId="{D473603B-A98F-810C-F384-DF6C6ECD5118}"/>
+          </ac:picMkLst>
+        </pc:picChg>
+        <pc:picChg chg="add mod">
+          <ac:chgData name="Emily Crose" userId="5a1598ef78992c55" providerId="LiveId" clId="{A4A57C11-9A7E-4A41-804B-997DD43207FE}" dt="2023-05-23T15:24:10.197" v="955" actId="26606"/>
+          <ac:picMkLst>
+            <pc:docMk/>
+            <pc:sldMk cId="907170250" sldId="354"/>
+            <ac:picMk id="14" creationId="{50E7C093-FFA8-1ED0-3D8A-7C195563CE25}"/>
+          </ac:picMkLst>
+        </pc:picChg>
+        <pc:picChg chg="add del">
+          <ac:chgData name="Emily Crose" userId="5a1598ef78992c55" providerId="LiveId" clId="{A4A57C11-9A7E-4A41-804B-997DD43207FE}" dt="2023-05-23T15:23:01.079" v="914" actId="700"/>
+          <ac:picMkLst>
+            <pc:docMk/>
+            <pc:sldMk cId="907170250" sldId="354"/>
+            <ac:picMk id="20" creationId="{88D2FF5B-DD64-4389-8A61-76F48BB08807}"/>
+          </ac:picMkLst>
+        </pc:picChg>
       </pc:sldChg>
     </pc:docChg>
   </pc:docChgLst>
@@ -6480,7 +7167,7 @@
           <a:p>
             <a:fld id="{BE048F1E-0B01-B04D-9371-15538F615E4A}" type="datetimeFigureOut">
               <a:rPr lang="en-US" smtClean="0"/>
-              <a:t>5/19/2023</a:t>
+              <a:t>5/23/2023</a:t>
             </a:fld>
             <a:endParaRPr lang="en-US"/>
           </a:p>
@@ -6915,6 +7602,177 @@
 </p:notes>
 </file>
 
+<file path=ppt/notesSlides/notesSlide3.xml><?xml version="1.0" encoding="utf-8"?>
+<p:notes xmlns:a="http://schemas.openxmlformats.org/drawingml/2006/main" xmlns:r="http://schemas.openxmlformats.org/officeDocument/2006/relationships" xmlns:p="http://schemas.openxmlformats.org/presentationml/2006/main">
+  <p:cSld>
+    <p:spTree>
+      <p:nvGrpSpPr>
+        <p:cNvPr id="1" name=""/>
+        <p:cNvGrpSpPr/>
+        <p:nvPr/>
+      </p:nvGrpSpPr>
+      <p:grpSpPr>
+        <a:xfrm>
+          <a:off x="0" y="0"/>
+          <a:ext cx="0" cy="0"/>
+          <a:chOff x="0" y="0"/>
+          <a:chExt cx="0" cy="0"/>
+        </a:xfrm>
+      </p:grpSpPr>
+      <p:sp>
+        <p:nvSpPr>
+          <p:cNvPr id="2" name="Slide Image Placeholder 1"/>
+          <p:cNvSpPr>
+            <a:spLocks noGrp="1" noRot="1" noChangeAspect="1"/>
+          </p:cNvSpPr>
+          <p:nvPr>
+            <p:ph type="sldImg"/>
+          </p:nvPr>
+        </p:nvSpPr>
+        <p:spPr/>
+      </p:sp>
+      <p:sp>
+        <p:nvSpPr>
+          <p:cNvPr id="3" name="Notes Placeholder 2"/>
+          <p:cNvSpPr>
+            <a:spLocks noGrp="1"/>
+          </p:cNvSpPr>
+          <p:nvPr>
+            <p:ph type="body" idx="1"/>
+          </p:nvPr>
+        </p:nvSpPr>
+        <p:spPr/>
+        <p:txBody>
+          <a:bodyPr/>
+          <a:lstStyle/>
+          <a:p>
+            <a:r>
+              <a:rPr lang="en-US" dirty="0"/>
+              <a:t>The important piece for MAC is that access to a resource is based on the sensitivity label of the information. </a:t>
+            </a:r>
+          </a:p>
+        </p:txBody>
+      </p:sp>
+      <p:sp>
+        <p:nvSpPr>
+          <p:cNvPr id="4" name="Slide Number Placeholder 3"/>
+          <p:cNvSpPr>
+            <a:spLocks noGrp="1"/>
+          </p:cNvSpPr>
+          <p:nvPr>
+            <p:ph type="sldNum" sz="quarter" idx="5"/>
+          </p:nvPr>
+        </p:nvSpPr>
+        <p:spPr/>
+        <p:txBody>
+          <a:bodyPr/>
+          <a:lstStyle/>
+          <a:p>
+            <a:fld id="{10D988CA-5978-2244-BA11-DC1A92DB7F45}" type="slidenum">
+              <a:rPr lang="en-US" smtClean="0"/>
+              <a:t>8</a:t>
+            </a:fld>
+            <a:endParaRPr lang="en-US"/>
+          </a:p>
+        </p:txBody>
+      </p:sp>
+    </p:spTree>
+    <p:extLst>
+      <p:ext uri="{BB962C8B-B14F-4D97-AF65-F5344CB8AC3E}">
+        <p14:creationId xmlns:p14="http://schemas.microsoft.com/office/powerpoint/2010/main" val="1397757166"/>
+      </p:ext>
+    </p:extLst>
+  </p:cSld>
+  <p:clrMapOvr>
+    <a:masterClrMapping/>
+  </p:clrMapOvr>
+</p:notes>
+</file>
+
+<file path=ppt/notesSlides/notesSlide4.xml><?xml version="1.0" encoding="utf-8"?>
+<p:notes xmlns:a="http://schemas.openxmlformats.org/drawingml/2006/main" xmlns:r="http://schemas.openxmlformats.org/officeDocument/2006/relationships" xmlns:p="http://schemas.openxmlformats.org/presentationml/2006/main">
+  <p:cSld>
+    <p:spTree>
+      <p:nvGrpSpPr>
+        <p:cNvPr id="1" name=""/>
+        <p:cNvGrpSpPr/>
+        <p:nvPr/>
+      </p:nvGrpSpPr>
+      <p:grpSpPr>
+        <a:xfrm>
+          <a:off x="0" y="0"/>
+          <a:ext cx="0" cy="0"/>
+          <a:chOff x="0" y="0"/>
+          <a:chExt cx="0" cy="0"/>
+        </a:xfrm>
+      </p:grpSpPr>
+      <p:sp>
+        <p:nvSpPr>
+          <p:cNvPr id="2" name="Slide Image Placeholder 1"/>
+          <p:cNvSpPr>
+            <a:spLocks noGrp="1" noRot="1" noChangeAspect="1"/>
+          </p:cNvSpPr>
+          <p:nvPr>
+            <p:ph type="sldImg"/>
+          </p:nvPr>
+        </p:nvSpPr>
+        <p:spPr/>
+      </p:sp>
+      <p:sp>
+        <p:nvSpPr>
+          <p:cNvPr id="3" name="Notes Placeholder 2"/>
+          <p:cNvSpPr>
+            <a:spLocks noGrp="1"/>
+          </p:cNvSpPr>
+          <p:nvPr>
+            <p:ph type="body" idx="1"/>
+          </p:nvPr>
+        </p:nvSpPr>
+        <p:spPr/>
+        <p:txBody>
+          <a:bodyPr/>
+          <a:lstStyle/>
+          <a:p>
+            <a:endParaRPr lang="en-US" dirty="0"/>
+          </a:p>
+        </p:txBody>
+      </p:sp>
+      <p:sp>
+        <p:nvSpPr>
+          <p:cNvPr id="4" name="Slide Number Placeholder 3"/>
+          <p:cNvSpPr>
+            <a:spLocks noGrp="1"/>
+          </p:cNvSpPr>
+          <p:nvPr>
+            <p:ph type="sldNum" sz="quarter" idx="5"/>
+          </p:nvPr>
+        </p:nvSpPr>
+        <p:spPr/>
+        <p:txBody>
+          <a:bodyPr/>
+          <a:lstStyle/>
+          <a:p>
+            <a:fld id="{10D988CA-5978-2244-BA11-DC1A92DB7F45}" type="slidenum">
+              <a:rPr lang="en-US" smtClean="0"/>
+              <a:t>19</a:t>
+            </a:fld>
+            <a:endParaRPr lang="en-US"/>
+          </a:p>
+        </p:txBody>
+      </p:sp>
+    </p:spTree>
+    <p:extLst>
+      <p:ext uri="{BB962C8B-B14F-4D97-AF65-F5344CB8AC3E}">
+        <p14:creationId xmlns:p14="http://schemas.microsoft.com/office/powerpoint/2010/main" val="3487332199"/>
+      </p:ext>
+    </p:extLst>
+  </p:cSld>
+  <p:clrMapOvr>
+    <a:masterClrMapping/>
+  </p:clrMapOvr>
+</p:notes>
+</file>
+
 <file path=ppt/slideLayouts/slideLayout1.xml><?xml version="1.0" encoding="utf-8"?>
 <p:sldLayout xmlns:a="http://schemas.openxmlformats.org/drawingml/2006/main" xmlns:r="http://schemas.openxmlformats.org/officeDocument/2006/relationships" xmlns:p="http://schemas.openxmlformats.org/presentationml/2006/main" type="title" preserve="1">
   <p:cSld name="Title Slide">
@@ -7100,7 +7958,7 @@
           <a:p>
             <a:fld id="{1160EA64-D806-43AC-9DF2-F8C432F32B4C}" type="datetimeFigureOut">
               <a:rPr lang="en-US" smtClean="0"/>
-              <a:t>5/19/2023</a:t>
+              <a:t>5/23/2023</a:t>
             </a:fld>
             <a:endParaRPr lang="en-US" dirty="0"/>
           </a:p>
@@ -7399,7 +8257,7 @@
           <a:p>
             <a:fld id="{1160EA64-D806-43AC-9DF2-F8C432F32B4C}" type="datetimeFigureOut">
               <a:rPr lang="en-US" smtClean="0"/>
-              <a:t>5/19/2023</a:t>
+              <a:t>5/23/2023</a:t>
             </a:fld>
             <a:endParaRPr lang="en-US" dirty="0"/>
           </a:p>
@@ -7593,7 +8451,7 @@
           <a:p>
             <a:fld id="{1160EA64-D806-43AC-9DF2-F8C432F32B4C}" type="datetimeFigureOut">
               <a:rPr lang="en-US" smtClean="0"/>
-              <a:t>5/19/2023</a:t>
+              <a:t>5/23/2023</a:t>
             </a:fld>
             <a:endParaRPr lang="en-US" dirty="0"/>
           </a:p>
@@ -7856,7 +8714,7 @@
           <a:p>
             <a:fld id="{1160EA64-D806-43AC-9DF2-F8C432F32B4C}" type="datetimeFigureOut">
               <a:rPr lang="en-US" smtClean="0"/>
-              <a:t>5/19/2023</a:t>
+              <a:t>5/23/2023</a:t>
             </a:fld>
             <a:endParaRPr lang="en-US" dirty="0"/>
           </a:p>
@@ -8282,7 +9140,7 @@
           <a:p>
             <a:fld id="{1160EA64-D806-43AC-9DF2-F8C432F32B4C}" type="datetimeFigureOut">
               <a:rPr lang="en-US" smtClean="0"/>
-              <a:t>5/19/2023</a:t>
+              <a:t>5/23/2023</a:t>
             </a:fld>
             <a:endParaRPr lang="en-US" dirty="0"/>
           </a:p>
@@ -8821,7 +9679,7 @@
           <a:p>
             <a:fld id="{1160EA64-D806-43AC-9DF2-F8C432F32B4C}" type="datetimeFigureOut">
               <a:rPr lang="en-US" smtClean="0"/>
-              <a:t>5/19/2023</a:t>
+              <a:t>5/23/2023</a:t>
             </a:fld>
             <a:endParaRPr lang="en-US" dirty="0"/>
           </a:p>
@@ -9687,7 +10545,7 @@
           <a:p>
             <a:fld id="{1160EA64-D806-43AC-9DF2-F8C432F32B4C}" type="datetimeFigureOut">
               <a:rPr lang="en-US" smtClean="0"/>
-              <a:t>5/19/2023</a:t>
+              <a:t>5/23/2023</a:t>
             </a:fld>
             <a:endParaRPr lang="en-US" dirty="0"/>
           </a:p>
@@ -9859,7 +10717,7 @@
           <a:p>
             <a:fld id="{E9F9C37B-1D36-470B-8223-D6C91242EC14}" type="datetimeFigureOut">
               <a:rPr lang="en-US" smtClean="0"/>
-              <a:t>5/19/2023</a:t>
+              <a:t>5/23/2023</a:t>
             </a:fld>
             <a:endParaRPr lang="en-US" dirty="0"/>
           </a:p>
@@ -10043,7 +10901,7 @@
           <a:p>
             <a:fld id="{67C6F52A-A82B-47A2-A83A-8C4C91F2D59F}" type="datetimeFigureOut">
               <a:rPr lang="en-US" smtClean="0"/>
-              <a:t>5/19/2023</a:t>
+              <a:t>5/23/2023</a:t>
             </a:fld>
             <a:endParaRPr lang="en-US" dirty="0"/>
           </a:p>
@@ -10213,7 +11071,7 @@
           <a:p>
             <a:fld id="{F070A7B3-6521-4DCA-87E5-044747A908C1}" type="datetimeFigureOut">
               <a:rPr lang="en-US" smtClean="0"/>
-              <a:t>5/19/2023</a:t>
+              <a:t>5/23/2023</a:t>
             </a:fld>
             <a:endParaRPr lang="en-US" dirty="0"/>
           </a:p>
@@ -10458,7 +11316,7 @@
           <a:p>
             <a:fld id="{1160EA64-D806-43AC-9DF2-F8C432F32B4C}" type="datetimeFigureOut">
               <a:rPr lang="en-US" smtClean="0"/>
-              <a:t>5/19/2023</a:t>
+              <a:t>5/23/2023</a:t>
             </a:fld>
             <a:endParaRPr lang="en-US" dirty="0"/>
           </a:p>
@@ -10695,7 +11553,7 @@
           <a:p>
             <a:fld id="{AB134690-1557-4C89-A502-4959FE7FAD70}" type="datetimeFigureOut">
               <a:rPr lang="en-US" smtClean="0"/>
-              <a:t>5/19/2023</a:t>
+              <a:t>5/23/2023</a:t>
             </a:fld>
             <a:endParaRPr lang="en-US" dirty="0"/>
           </a:p>
@@ -11161,7 +12019,7 @@
           <a:p>
             <a:fld id="{1160EA64-D806-43AC-9DF2-F8C432F32B4C}" type="datetimeFigureOut">
               <a:rPr lang="en-US" smtClean="0"/>
-              <a:t>5/19/2023</a:t>
+              <a:t>5/23/2023</a:t>
             </a:fld>
             <a:endParaRPr lang="en-US" dirty="0"/>
           </a:p>
@@ -11281,7 +12139,7 @@
           <a:p>
             <a:fld id="{E1037C31-9E7A-4F99-8774-A0E530DE1A42}" type="datetimeFigureOut">
               <a:rPr lang="en-US" smtClean="0"/>
-              <a:t>5/19/2023</a:t>
+              <a:t>5/23/2023</a:t>
             </a:fld>
             <a:endParaRPr lang="en-US" dirty="0"/>
           </a:p>
@@ -11376,7 +12234,7 @@
           <a:p>
             <a:fld id="{C278504F-A551-4DE0-9316-4DCD1D8CC752}" type="datetimeFigureOut">
               <a:rPr lang="en-US" smtClean="0"/>
-              <a:t>5/19/2023</a:t>
+              <a:t>5/23/2023</a:t>
             </a:fld>
             <a:endParaRPr lang="en-US" dirty="0"/>
           </a:p>
@@ -11631,7 +12489,7 @@
           <a:p>
             <a:fld id="{D1BE4249-C0D0-4B06-8692-E8BB871AF643}" type="datetimeFigureOut">
               <a:rPr lang="en-US" smtClean="0"/>
-              <a:t>5/19/2023</a:t>
+              <a:t>5/23/2023</a:t>
             </a:fld>
             <a:endParaRPr lang="en-US" dirty="0"/>
           </a:p>
@@ -11931,7 +12789,7 @@
           <a:p>
             <a:fld id="{042B0DB6-F5C7-45FB-8CF3-31B45F9C2DAC}" type="datetimeFigureOut">
               <a:rPr lang="en-US" smtClean="0"/>
-              <a:t>5/19/2023</a:t>
+              <a:t>5/23/2023</a:t>
             </a:fld>
             <a:endParaRPr lang="en-US" dirty="0"/>
           </a:p>
@@ -12165,7 +13023,7 @@
           <a:p>
             <a:fld id="{1160EA64-D806-43AC-9DF2-F8C432F32B4C}" type="datetimeFigureOut">
               <a:rPr lang="en-US" smtClean="0"/>
-              <a:t>5/19/2023</a:t>
+              <a:t>5/23/2023</a:t>
             </a:fld>
             <a:endParaRPr lang="en-US" dirty="0"/>
           </a:p>
@@ -13017,731 +13875,8 @@
   <p:cSld>
     <p:bg>
       <p:bgPr>
-        <a:blipFill rotWithShape="1">
-          <a:blip r:embed="rId2">
-            <a:duotone>
-              <a:schemeClr val="bg1">
-                <a:shade val="80000"/>
-                <a:lumMod val="80000"/>
-              </a:schemeClr>
-              <a:schemeClr val="bg1">
-                <a:tint val="98000"/>
-              </a:schemeClr>
-            </a:duotone>
-          </a:blip>
-          <a:stretch/>
-        </a:blipFill>
-        <a:effectLst/>
-      </p:bgPr>
-    </p:bg>
-    <p:spTree>
-      <p:nvGrpSpPr>
-        <p:cNvPr id="1" name=""/>
-        <p:cNvGrpSpPr/>
-        <p:nvPr/>
-      </p:nvGrpSpPr>
-      <p:grpSpPr>
-        <a:xfrm>
-          <a:off x="0" y="0"/>
-          <a:ext cx="0" cy="0"/>
-          <a:chOff x="0" y="0"/>
-          <a:chExt cx="0" cy="0"/>
-        </a:xfrm>
-      </p:grpSpPr>
-      <p:pic>
-        <p:nvPicPr>
-          <p:cNvPr id="4" name="Picture 3">
-            <a:extLst>
-              <a:ext uri="{FF2B5EF4-FFF2-40B4-BE49-F238E27FC236}">
-                <a16:creationId xmlns:a16="http://schemas.microsoft.com/office/drawing/2014/main" id="{72FB41A9-A395-49B7-67FB-1B721D61D774}"/>
-              </a:ext>
-            </a:extLst>
-          </p:cNvPr>
-          <p:cNvPicPr>
-            <a:picLocks noChangeAspect="1"/>
-          </p:cNvPicPr>
-          <p:nvPr/>
-        </p:nvPicPr>
-        <p:blipFill rotWithShape="1">
-          <a:blip r:embed="rId3">
-            <a:alphaModFix amt="35000"/>
-          </a:blip>
-          <a:srcRect t="22197" b="16328"/>
-          <a:stretch/>
-        </p:blipFill>
-        <p:spPr>
-          <a:xfrm>
-            <a:off x="20" y="10"/>
-            <a:ext cx="12191980" cy="6857990"/>
-          </a:xfrm>
-          <a:prstGeom prst="rect">
-            <a:avLst/>
-          </a:prstGeom>
-        </p:spPr>
-      </p:pic>
-      <p:sp>
-        <p:nvSpPr>
-          <p:cNvPr id="2" name="Title 1">
-            <a:extLst>
-              <a:ext uri="{FF2B5EF4-FFF2-40B4-BE49-F238E27FC236}">
-                <a16:creationId xmlns:a16="http://schemas.microsoft.com/office/drawing/2014/main" id="{1325A63D-9015-F666-B15A-F5E3B102B45E}"/>
-              </a:ext>
-            </a:extLst>
-          </p:cNvPr>
-          <p:cNvSpPr>
-            <a:spLocks noGrp="1"/>
-          </p:cNvSpPr>
-          <p:nvPr>
-            <p:ph type="title"/>
-          </p:nvPr>
-        </p:nvSpPr>
-        <p:spPr>
-          <a:xfrm>
-            <a:off x="1370693" y="1769540"/>
-            <a:ext cx="9440034" cy="1828801"/>
-          </a:xfrm>
-        </p:spPr>
-        <p:txBody>
-          <a:bodyPr vert="horz" lIns="91440" tIns="45720" rIns="91440" bIns="45720" rtlCol="0" anchor="b" anchorCtr="1">
-            <a:normAutofit/>
-          </a:bodyPr>
-          <a:lstStyle/>
-          <a:p>
-            <a:r>
-              <a:rPr lang="en-US" sz="5400" dirty="0"/>
-              <a:t>Review Day 3</a:t>
-            </a:r>
-          </a:p>
-        </p:txBody>
-      </p:sp>
-    </p:spTree>
-    <p:extLst>
-      <p:ext uri="{BB962C8B-B14F-4D97-AF65-F5344CB8AC3E}">
-        <p14:creationId xmlns:p14="http://schemas.microsoft.com/office/powerpoint/2010/main" val="3300517546"/>
-      </p:ext>
-    </p:extLst>
-  </p:cSld>
-  <p:clrMapOvr>
-    <a:masterClrMapping/>
-  </p:clrMapOvr>
-</p:sld>
-</file>
-
-<file path=ppt/slides/slide11.xml><?xml version="1.0" encoding="utf-8"?>
-<p:sld xmlns:a="http://schemas.openxmlformats.org/drawingml/2006/main" xmlns:r="http://schemas.openxmlformats.org/officeDocument/2006/relationships" xmlns:p="http://schemas.openxmlformats.org/presentationml/2006/main">
-  <p:cSld>
-    <p:bg>
-      <p:bgPr>
         <a:solidFill>
-          <a:schemeClr val="bg1">
-            <a:lumMod val="95000"/>
-          </a:schemeClr>
-        </a:solidFill>
-        <a:effectLst/>
-      </p:bgPr>
-    </p:bg>
-    <p:spTree>
-      <p:nvGrpSpPr>
-        <p:cNvPr id="1" name=""/>
-        <p:cNvGrpSpPr/>
-        <p:nvPr/>
-      </p:nvGrpSpPr>
-      <p:grpSpPr>
-        <a:xfrm>
-          <a:off x="0" y="0"/>
-          <a:ext cx="0" cy="0"/>
-          <a:chOff x="0" y="0"/>
-          <a:chExt cx="0" cy="0"/>
-        </a:xfrm>
-      </p:grpSpPr>
-      <p:pic>
-        <p:nvPicPr>
-          <p:cNvPr id="6" name="Picture 3" descr="Background pattern&#10;&#10;Description automatically generated">
-            <a:extLst>
-              <a:ext uri="{FF2B5EF4-FFF2-40B4-BE49-F238E27FC236}">
-                <a16:creationId xmlns:a16="http://schemas.microsoft.com/office/drawing/2014/main" id="{D32171E9-270F-BA0C-17D9-9525FB89BC77}"/>
-              </a:ext>
-            </a:extLst>
-          </p:cNvPr>
-          <p:cNvPicPr>
-            <a:picLocks noChangeAspect="1"/>
-          </p:cNvPicPr>
-          <p:nvPr/>
-        </p:nvPicPr>
-        <p:blipFill rotWithShape="1">
-          <a:blip r:embed="rId2"/>
-          <a:srcRect t="3334" b="12397"/>
-          <a:stretch/>
-        </p:blipFill>
-        <p:spPr>
-          <a:xfrm>
-            <a:off x="20" y="10"/>
-            <a:ext cx="12191980" cy="6857990"/>
-          </a:xfrm>
-          <a:prstGeom prst="rect">
-            <a:avLst/>
-          </a:prstGeom>
-        </p:spPr>
-      </p:pic>
-      <p:sp>
-        <p:nvSpPr>
-          <p:cNvPr id="2" name="Title 1">
-            <a:extLst>
-              <a:ext uri="{FF2B5EF4-FFF2-40B4-BE49-F238E27FC236}">
-                <a16:creationId xmlns:a16="http://schemas.microsoft.com/office/drawing/2014/main" id="{B963730F-E840-E5E0-87C0-65F532F962AC}"/>
-              </a:ext>
-            </a:extLst>
-          </p:cNvPr>
-          <p:cNvSpPr>
-            <a:spLocks noGrp="1"/>
-          </p:cNvSpPr>
-          <p:nvPr>
-            <p:ph type="title"/>
-          </p:nvPr>
-        </p:nvSpPr>
-        <p:spPr>
-          <a:xfrm>
-            <a:off x="1601724" y="2606040"/>
-            <a:ext cx="8988552" cy="1645920"/>
-          </a:xfrm>
-          <a:solidFill>
-            <a:srgbClr val="000000">
-              <a:alpha val="70000"/>
-            </a:srgbClr>
-          </a:solidFill>
-          <a:ln>
-            <a:solidFill>
-              <a:srgbClr val="FFFFFF"/>
-            </a:solidFill>
-          </a:ln>
-        </p:spPr>
-        <p:txBody>
-          <a:bodyPr>
-            <a:normAutofit/>
-          </a:bodyPr>
-          <a:lstStyle/>
-          <a:p>
-            <a:r>
-              <a:rPr lang="en-US" sz="3800" dirty="0">
-                <a:solidFill>
-                  <a:srgbClr val="FFFFFF"/>
-                </a:solidFill>
-              </a:rPr>
-              <a:t>Preview Week 3</a:t>
-            </a:r>
-          </a:p>
-        </p:txBody>
-      </p:sp>
-    </p:spTree>
-    <p:extLst>
-      <p:ext uri="{BB962C8B-B14F-4D97-AF65-F5344CB8AC3E}">
-        <p14:creationId xmlns:p14="http://schemas.microsoft.com/office/powerpoint/2010/main" val="3104054636"/>
-      </p:ext>
-    </p:extLst>
-  </p:cSld>
-  <p:clrMapOvr>
-    <a:masterClrMapping/>
-  </p:clrMapOvr>
-</p:sld>
-</file>
-
-<file path=ppt/slides/slide2.xml><?xml version="1.0" encoding="utf-8"?>
-<p:sld xmlns:a="http://schemas.openxmlformats.org/drawingml/2006/main" xmlns:r="http://schemas.openxmlformats.org/officeDocument/2006/relationships" xmlns:p="http://schemas.openxmlformats.org/presentationml/2006/main">
-  <p:cSld>
-    <p:bg>
-      <p:bgPr>
-        <a:blipFill rotWithShape="1">
-          <a:blip r:embed="rId2">
-            <a:duotone>
-              <a:schemeClr val="bg2">
-                <a:shade val="80000"/>
-                <a:lumMod val="80000"/>
-              </a:schemeClr>
-              <a:schemeClr val="bg2">
-                <a:tint val="98000"/>
-              </a:schemeClr>
-            </a:duotone>
-          </a:blip>
-          <a:stretch/>
-        </a:blipFill>
-        <a:effectLst/>
-      </p:bgPr>
-    </p:bg>
-    <p:spTree>
-      <p:nvGrpSpPr>
-        <p:cNvPr id="1" name=""/>
-        <p:cNvGrpSpPr/>
-        <p:nvPr/>
-      </p:nvGrpSpPr>
-      <p:grpSpPr>
-        <a:xfrm>
-          <a:off x="0" y="0"/>
-          <a:ext cx="0" cy="0"/>
-          <a:chOff x="0" y="0"/>
-          <a:chExt cx="0" cy="0"/>
-        </a:xfrm>
-      </p:grpSpPr>
-      <p:sp useBgFill="1">
-        <p:nvSpPr>
-          <p:cNvPr id="4" name="Rectangle 6">
-            <a:extLst>
-              <a:ext uri="{FF2B5EF4-FFF2-40B4-BE49-F238E27FC236}">
-                <a16:creationId xmlns:a16="http://schemas.microsoft.com/office/drawing/2014/main" id="{DAB482FD-C684-4DAA-AC4C-1739F51A98A0}"/>
-              </a:ext>
-              <a:ext uri="{C183D7F6-B498-43B3-948B-1728B52AA6E4}">
-                <adec:decorative xmlns:adec="http://schemas.microsoft.com/office/drawing/2017/decorative" val="1"/>
-              </a:ext>
-            </a:extLst>
-          </p:cNvPr>
-          <p:cNvSpPr>
-            <a:spLocks noGrp="1" noRot="1" noChangeAspect="1" noMove="1" noResize="1" noEditPoints="1" noAdjustHandles="1" noChangeArrowheads="1" noChangeShapeType="1" noTextEdit="1"/>
-          </p:cNvSpPr>
-          <p:nvPr>
-            <p:extLst>
-              <p:ext uri="{386F3935-93C4-4BCD-93E2-E3B085C9AB24}">
-                <p16:designElem xmlns:p16="http://schemas.microsoft.com/office/powerpoint/2015/main" val="1"/>
-              </p:ext>
-            </p:extLst>
-          </p:nvPr>
-        </p:nvSpPr>
-        <p:spPr>
-          <a:xfrm>
-            <a:off x="0" y="0"/>
-            <a:ext cx="12192000" cy="6858000"/>
-          </a:xfrm>
-          <a:prstGeom prst="rect">
-            <a:avLst/>
-          </a:prstGeom>
-          <a:ln>
-            <a:noFill/>
-          </a:ln>
-        </p:spPr>
-        <p:style>
-          <a:lnRef idx="2">
-            <a:schemeClr val="accent1">
-              <a:shade val="50000"/>
-            </a:schemeClr>
-          </a:lnRef>
-          <a:fillRef idx="1">
-            <a:schemeClr val="accent1"/>
-          </a:fillRef>
-          <a:effectRef idx="0">
-            <a:schemeClr val="accent1"/>
-          </a:effectRef>
-          <a:fontRef idx="minor">
-            <a:schemeClr val="lt1"/>
-          </a:fontRef>
-        </p:style>
-        <p:txBody>
-          <a:bodyPr rtlCol="0" anchor="ctr"/>
-          <a:lstStyle/>
-          <a:p>
-            <a:pPr algn="ctr"/>
-            <a:endParaRPr lang="en-US"/>
-          </a:p>
-        </p:txBody>
-      </p:sp>
-      <p:sp>
-        <p:nvSpPr>
-          <p:cNvPr id="2" name="Title 1">
-            <a:extLst>
-              <a:ext uri="{FF2B5EF4-FFF2-40B4-BE49-F238E27FC236}">
-                <a16:creationId xmlns:a16="http://schemas.microsoft.com/office/drawing/2014/main" id="{4F68AD2C-B46D-FA8F-1E07-13A75AF50670}"/>
-              </a:ext>
-            </a:extLst>
-          </p:cNvPr>
-          <p:cNvSpPr>
-            <a:spLocks noGrp="1"/>
-          </p:cNvSpPr>
-          <p:nvPr>
-            <p:ph type="title"/>
-          </p:nvPr>
-        </p:nvSpPr>
-        <p:spPr>
-          <a:xfrm>
-            <a:off x="5139236" y="1097280"/>
-            <a:ext cx="6043875" cy="4626864"/>
-          </a:xfrm>
-        </p:spPr>
-        <p:txBody>
-          <a:bodyPr vert="horz" lIns="91440" tIns="45720" rIns="91440" bIns="45720" rtlCol="0" anchor="ctr">
-            <a:normAutofit/>
-          </a:bodyPr>
-          <a:lstStyle/>
-          <a:p>
-            <a:pPr algn="l"/>
-            <a:r>
-              <a:rPr lang="en-US" sz="5400" dirty="0"/>
-              <a:t>D</a:t>
-            </a:r>
-            <a:r>
-              <a:rPr lang="en-US" sz="5400" b="0" i="0" dirty="0"/>
-              <a:t>ay 2 Recap</a:t>
-            </a:r>
-          </a:p>
-        </p:txBody>
-      </p:sp>
-      <p:cxnSp>
-        <p:nvCxnSpPr>
-          <p:cNvPr id="5" name="Straight Connector 8">
-            <a:extLst>
-              <a:ext uri="{FF2B5EF4-FFF2-40B4-BE49-F238E27FC236}">
-                <a16:creationId xmlns:a16="http://schemas.microsoft.com/office/drawing/2014/main" id="{2DAA738B-EDF5-4694-B25A-3488245BC87C}"/>
-              </a:ext>
-              <a:ext uri="{C183D7F6-B498-43B3-948B-1728B52AA6E4}">
-                <adec:decorative xmlns:adec="http://schemas.microsoft.com/office/drawing/2017/decorative" val="1"/>
-              </a:ext>
-            </a:extLst>
-          </p:cNvPr>
-          <p:cNvCxnSpPr>
-            <a:cxnSpLocks noGrp="1" noRot="1" noChangeAspect="1" noMove="1" noResize="1" noEditPoints="1" noAdjustHandles="1" noChangeArrowheads="1" noChangeShapeType="1"/>
-          </p:cNvCxnSpPr>
-          <p:nvPr>
-            <p:extLst>
-              <p:ext uri="{386F3935-93C4-4BCD-93E2-E3B085C9AB24}">
-                <p16:designElem xmlns:p16="http://schemas.microsoft.com/office/powerpoint/2015/main" val="1"/>
-              </p:ext>
-            </p:extLst>
-          </p:nvPr>
-        </p:nvCxnSpPr>
-        <p:spPr>
-          <a:xfrm>
-            <a:off x="4654605" y="2057399"/>
-            <a:ext cx="0" cy="2743200"/>
-          </a:xfrm>
-          <a:prstGeom prst="line">
-            <a:avLst/>
-          </a:prstGeom>
-          <a:ln w="19050">
-            <a:solidFill>
-              <a:schemeClr val="tx2"/>
-            </a:solidFill>
-          </a:ln>
-        </p:spPr>
-        <p:style>
-          <a:lnRef idx="1">
-            <a:schemeClr val="accent1"/>
-          </a:lnRef>
-          <a:fillRef idx="0">
-            <a:schemeClr val="accent1"/>
-          </a:fillRef>
-          <a:effectRef idx="0">
-            <a:schemeClr val="accent1"/>
-          </a:effectRef>
-          <a:fontRef idx="minor">
-            <a:schemeClr val="tx1"/>
-          </a:fontRef>
-        </p:style>
-      </p:cxnSp>
-    </p:spTree>
-    <p:extLst>
-      <p:ext uri="{BB962C8B-B14F-4D97-AF65-F5344CB8AC3E}">
-        <p14:creationId xmlns:p14="http://schemas.microsoft.com/office/powerpoint/2010/main" val="3013550915"/>
-      </p:ext>
-    </p:extLst>
-  </p:cSld>
-  <p:clrMapOvr>
-    <a:masterClrMapping/>
-  </p:clrMapOvr>
-</p:sld>
-</file>
-
-<file path=ppt/slides/slide3.xml><?xml version="1.0" encoding="utf-8"?>
-<p:sld xmlns:a="http://schemas.openxmlformats.org/drawingml/2006/main" xmlns:r="http://schemas.openxmlformats.org/officeDocument/2006/relationships" xmlns:p="http://schemas.openxmlformats.org/presentationml/2006/main">
-  <p:cSld>
-    <p:bg>
-      <p:bgPr>
-        <a:blipFill rotWithShape="1">
-          <a:blip r:embed="rId3">
-            <a:duotone>
-              <a:schemeClr val="bg2">
-                <a:shade val="80000"/>
-                <a:lumMod val="80000"/>
-              </a:schemeClr>
-              <a:schemeClr val="bg2">
-                <a:tint val="98000"/>
-              </a:schemeClr>
-            </a:duotone>
-          </a:blip>
-          <a:stretch/>
-        </a:blipFill>
-        <a:effectLst/>
-      </p:bgPr>
-    </p:bg>
-    <p:spTree>
-      <p:nvGrpSpPr>
-        <p:cNvPr id="1" name=""/>
-        <p:cNvGrpSpPr/>
-        <p:nvPr/>
-      </p:nvGrpSpPr>
-      <p:grpSpPr>
-        <a:xfrm>
-          <a:off x="0" y="0"/>
-          <a:ext cx="0" cy="0"/>
-          <a:chOff x="0" y="0"/>
-          <a:chExt cx="0" cy="0"/>
-        </a:xfrm>
-      </p:grpSpPr>
-      <p:pic>
-        <p:nvPicPr>
-          <p:cNvPr id="7" name="Picture 5">
-            <a:extLst>
-              <a:ext uri="{FF2B5EF4-FFF2-40B4-BE49-F238E27FC236}">
-                <a16:creationId xmlns:a16="http://schemas.microsoft.com/office/drawing/2014/main" id="{E9FA19AC-E9CD-85C1-9052-7279C81C0D68}"/>
-              </a:ext>
-            </a:extLst>
-          </p:cNvPr>
-          <p:cNvPicPr>
-            <a:picLocks noChangeAspect="1"/>
-          </p:cNvPicPr>
-          <p:nvPr/>
-        </p:nvPicPr>
-        <p:blipFill rotWithShape="1">
-          <a:blip r:embed="rId4"/>
-          <a:srcRect t="10000"/>
-          <a:stretch/>
-        </p:blipFill>
-        <p:spPr>
-          <a:xfrm>
-            <a:off x="20" y="10"/>
-            <a:ext cx="12191980" cy="6857990"/>
-          </a:xfrm>
-          <a:prstGeom prst="rect">
-            <a:avLst/>
-          </a:prstGeom>
-        </p:spPr>
-      </p:pic>
-      <p:sp useBgFill="1">
-        <p:nvSpPr>
-          <p:cNvPr id="9" name="Freeform 5">
-            <a:extLst>
-              <a:ext uri="{FF2B5EF4-FFF2-40B4-BE49-F238E27FC236}">
-                <a16:creationId xmlns:a16="http://schemas.microsoft.com/office/drawing/2014/main" id="{608EAA06-5488-416B-B2B2-E55213011012}"/>
-              </a:ext>
-              <a:ext uri="{C183D7F6-B498-43B3-948B-1728B52AA6E4}">
-                <adec:decorative xmlns:adec="http://schemas.microsoft.com/office/drawing/2017/decorative" val="1"/>
-              </a:ext>
-            </a:extLst>
-          </p:cNvPr>
-          <p:cNvSpPr>
-            <a:spLocks noGrp="1" noRot="1" noChangeAspect="1" noMove="1" noResize="1" noEditPoints="1" noAdjustHandles="1" noChangeArrowheads="1" noChangeShapeType="1" noTextEdit="1"/>
-          </p:cNvSpPr>
-          <p:nvPr>
-            <p:extLst>
-              <p:ext uri="{386F3935-93C4-4BCD-93E2-E3B085C9AB24}">
-                <p16:designElem xmlns:p16="http://schemas.microsoft.com/office/powerpoint/2015/main" val="1"/>
-              </p:ext>
-            </p:extLst>
-          </p:nvPr>
-        </p:nvSpPr>
-        <p:spPr bwMode="auto">
-          <a:xfrm rot="16200000" flipH="1">
-            <a:off x="7426885" y="445383"/>
-            <a:ext cx="1995577" cy="7534653"/>
-          </a:xfrm>
-          <a:prstGeom prst="round2SameRect">
-            <a:avLst>
-              <a:gd name="adj1" fmla="val 9679"/>
-              <a:gd name="adj2" fmla="val 400"/>
-            </a:avLst>
-          </a:prstGeom>
-          <a:ln>
-            <a:noFill/>
-          </a:ln>
-          <a:effectLst>
-            <a:outerShdw blurRad="50800" dist="38100" dir="5400000" algn="tl" rotWithShape="0">
-              <a:srgbClr val="000000">
-                <a:alpha val="43000"/>
-              </a:srgbClr>
-            </a:outerShdw>
-          </a:effectLst>
-          <a:extLst>
-            <a:ext uri="{91240B29-F687-4f45-9708-019B960494DF}">
-              <a14:hiddenLine xmlns="" xmlns:a14="http://schemas.microsoft.com/office/drawing/2010/main" xmlns:p14="http://schemas.microsoft.com/office/powerpoint/2010/main" xmlns:a16="http://schemas.microsoft.com/office/drawing/2014/main" w="9525">
-                <a:solidFill>
-                  <a:srgbClr val="000000"/>
-                </a:solidFill>
-                <a:round/>
-                <a:headEnd/>
-                <a:tailEnd/>
-              </a14:hiddenLine>
-            </a:ext>
-          </a:extLst>
-        </p:spPr>
-        <p:txBody>
-          <a:bodyPr vert="horz" wrap="square" lIns="91440" tIns="45720" rIns="91440" bIns="45720" numCol="1" anchor="t" anchorCtr="0" compatLnSpc="1">
-            <a:prstTxWarp prst="textNoShape">
-              <a:avLst/>
-            </a:prstTxWarp>
-          </a:bodyPr>
-          <a:lstStyle/>
-          <a:p>
-            <a:endParaRPr lang="en-US"/>
-          </a:p>
-        </p:txBody>
-      </p:sp>
-      <p:sp>
-        <p:nvSpPr>
-          <p:cNvPr id="4" name="Title 3">
-            <a:extLst>
-              <a:ext uri="{FF2B5EF4-FFF2-40B4-BE49-F238E27FC236}">
-                <a16:creationId xmlns:a16="http://schemas.microsoft.com/office/drawing/2014/main" id="{8128039C-0EE4-9C77-38DE-69A5998C5EFF}"/>
-              </a:ext>
-            </a:extLst>
-          </p:cNvPr>
-          <p:cNvSpPr>
-            <a:spLocks noGrp="1"/>
-          </p:cNvSpPr>
-          <p:nvPr>
-            <p:ph type="title"/>
-          </p:nvPr>
-        </p:nvSpPr>
-        <p:spPr>
-          <a:xfrm>
-            <a:off x="5461682" y="3496574"/>
-            <a:ext cx="6436104" cy="1138686"/>
-          </a:xfrm>
-        </p:spPr>
-        <p:txBody>
-          <a:bodyPr vert="horz" lIns="91440" tIns="45720" rIns="91440" bIns="45720" rtlCol="0" anchor="b">
-            <a:normAutofit/>
-          </a:bodyPr>
-          <a:lstStyle/>
-          <a:p>
-            <a:pPr algn="l"/>
-            <a:r>
-              <a:rPr lang="en-US" sz="4400"/>
-              <a:t>Questions From Day 2?</a:t>
-            </a:r>
-          </a:p>
-        </p:txBody>
-      </p:sp>
-    </p:spTree>
-    <p:extLst>
-      <p:ext uri="{BB962C8B-B14F-4D97-AF65-F5344CB8AC3E}">
-        <p14:creationId xmlns:p14="http://schemas.microsoft.com/office/powerpoint/2010/main" val="3519171936"/>
-      </p:ext>
-    </p:extLst>
-  </p:cSld>
-  <p:clrMapOvr>
-    <a:masterClrMapping/>
-  </p:clrMapOvr>
-</p:sld>
-</file>
-
-<file path=ppt/slides/slide4.xml><?xml version="1.0" encoding="utf-8"?>
-<p:sld xmlns:a="http://schemas.openxmlformats.org/drawingml/2006/main" xmlns:r="http://schemas.openxmlformats.org/officeDocument/2006/relationships" xmlns:p="http://schemas.openxmlformats.org/presentationml/2006/main">
-  <p:cSld>
-    <p:spTree>
-      <p:nvGrpSpPr>
-        <p:cNvPr id="1" name=""/>
-        <p:cNvGrpSpPr/>
-        <p:nvPr/>
-      </p:nvGrpSpPr>
-      <p:grpSpPr>
-        <a:xfrm>
-          <a:off x="0" y="0"/>
-          <a:ext cx="0" cy="0"/>
-          <a:chOff x="0" y="0"/>
-          <a:chExt cx="0" cy="0"/>
-        </a:xfrm>
-      </p:grpSpPr>
-      <p:sp>
-        <p:nvSpPr>
-          <p:cNvPr id="2" name="Title 1">
-            <a:extLst>
-              <a:ext uri="{FF2B5EF4-FFF2-40B4-BE49-F238E27FC236}">
-                <a16:creationId xmlns:a16="http://schemas.microsoft.com/office/drawing/2014/main" id="{2863F72C-E34F-ACFC-2C46-F6B2C8C20651}"/>
-              </a:ext>
-            </a:extLst>
-          </p:cNvPr>
-          <p:cNvSpPr>
-            <a:spLocks noGrp="1"/>
-          </p:cNvSpPr>
-          <p:nvPr>
-            <p:ph type="title"/>
-          </p:nvPr>
-        </p:nvSpPr>
-        <p:spPr/>
-        <p:txBody>
-          <a:bodyPr/>
-          <a:lstStyle/>
-          <a:p>
-            <a:r>
-              <a:rPr lang="en-US" dirty="0"/>
-              <a:t>Terms To Listen For</a:t>
-            </a:r>
-          </a:p>
-        </p:txBody>
-      </p:sp>
-      <p:sp>
-        <p:nvSpPr>
-          <p:cNvPr id="3" name="Content Placeholder 2">
-            <a:extLst>
-              <a:ext uri="{FF2B5EF4-FFF2-40B4-BE49-F238E27FC236}">
-                <a16:creationId xmlns:a16="http://schemas.microsoft.com/office/drawing/2014/main" id="{D7AE6683-AEEF-921F-EA2D-6BBA91346062}"/>
-              </a:ext>
-            </a:extLst>
-          </p:cNvPr>
-          <p:cNvSpPr>
-            <a:spLocks noGrp="1"/>
-          </p:cNvSpPr>
-          <p:nvPr>
-            <p:ph idx="1"/>
-          </p:nvPr>
-        </p:nvSpPr>
-        <p:spPr/>
-        <p:txBody>
-          <a:bodyPr/>
-          <a:lstStyle/>
-          <a:p>
-            <a:r>
-              <a:rPr lang="en-US" dirty="0"/>
-              <a:t>Authentication</a:t>
-            </a:r>
-          </a:p>
-          <a:p>
-            <a:pPr lvl="1"/>
-            <a:r>
-              <a:rPr lang="en-US" dirty="0"/>
-              <a:t>Refers to the process of verifying a user’s identity.</a:t>
-            </a:r>
-          </a:p>
-          <a:p>
-            <a:r>
-              <a:rPr lang="en-US" dirty="0"/>
-              <a:t>Denial of Service</a:t>
-            </a:r>
-          </a:p>
-          <a:p>
-            <a:pPr lvl="1"/>
-            <a:r>
-              <a:rPr lang="en-US" dirty="0"/>
-              <a:t>A forced outage of a service based on a misconfiguration or a concerted effort</a:t>
-            </a:r>
-          </a:p>
-        </p:txBody>
-      </p:sp>
-    </p:spTree>
-    <p:extLst>
-      <p:ext uri="{BB962C8B-B14F-4D97-AF65-F5344CB8AC3E}">
-        <p14:creationId xmlns:p14="http://schemas.microsoft.com/office/powerpoint/2010/main" val="1671539891"/>
-      </p:ext>
-    </p:extLst>
-  </p:cSld>
-  <p:clrMapOvr>
-    <a:masterClrMapping/>
-  </p:clrMapOvr>
-</p:sld>
-</file>
-
-<file path=ppt/slides/slide5.xml><?xml version="1.0" encoding="utf-8"?>
-<p:sld xmlns:a="http://schemas.openxmlformats.org/drawingml/2006/main" xmlns:r="http://schemas.openxmlformats.org/officeDocument/2006/relationships" xmlns:p="http://schemas.openxmlformats.org/presentationml/2006/main">
-  <p:cSld>
-    <p:bg>
-      <p:bgPr>
-        <a:solidFill>
-          <a:schemeClr val="bg2"/>
+          <a:schemeClr val="bg1"/>
         </a:solidFill>
         <a:effectLst/>
       </p:bgPr>
@@ -13762,10 +13897,10 @@
       </p:grpSpPr>
       <p:sp>
         <p:nvSpPr>
-          <p:cNvPr id="7" name="Rectangle 6">
+          <p:cNvPr id="9" name="Rectangle 8">
             <a:extLst>
               <a:ext uri="{FF2B5EF4-FFF2-40B4-BE49-F238E27FC236}">
-                <a16:creationId xmlns:a16="http://schemas.microsoft.com/office/drawing/2014/main" id="{2BFC186A-5A9F-4A9A-A72D-DFBBE9934418}"/>
+                <a16:creationId xmlns:a16="http://schemas.microsoft.com/office/drawing/2014/main" id="{8E482A67-6CD8-49D7-9F85-52ECF99152D0}"/>
               </a:ext>
               <a:ext uri="{C183D7F6-B498-43B3-948B-1728B52AA6E4}">
                 <adec:decorative xmlns:adec="http://schemas.microsoft.com/office/drawing/2017/decorative" val="1"/>
@@ -13820,12 +13955,51 @@
           </a:p>
         </p:txBody>
       </p:sp>
-      <p:sp useBgFill="1">
+      <p:sp>
         <p:nvSpPr>
-          <p:cNvPr id="9" name="Rectangle 8">
+          <p:cNvPr id="2" name="Title 1">
             <a:extLst>
               <a:ext uri="{FF2B5EF4-FFF2-40B4-BE49-F238E27FC236}">
-                <a16:creationId xmlns:a16="http://schemas.microsoft.com/office/drawing/2014/main" id="{E8EE1E2B-262B-4EE5-9AB3-125FAB1A8A40}"/>
+                <a16:creationId xmlns:a16="http://schemas.microsoft.com/office/drawing/2014/main" id="{E50C9EC4-6B78-194A-AC32-8C532C85AF6A}"/>
+              </a:ext>
+            </a:extLst>
+          </p:cNvPr>
+          <p:cNvSpPr>
+            <a:spLocks noGrp="1"/>
+          </p:cNvSpPr>
+          <p:nvPr>
+            <p:ph type="title"/>
+          </p:nvPr>
+        </p:nvSpPr>
+        <p:spPr>
+          <a:xfrm>
+            <a:off x="8094617" y="965196"/>
+            <a:ext cx="3137262" cy="2633146"/>
+          </a:xfrm>
+        </p:spPr>
+        <p:txBody>
+          <a:bodyPr vert="horz" lIns="91440" tIns="45720" rIns="91440" bIns="45720" rtlCol="0" anchor="b">
+            <a:normAutofit/>
+          </a:bodyPr>
+          <a:lstStyle/>
+          <a:p>
+            <a:r>
+              <a:rPr lang="en-US">
+                <a:solidFill>
+                  <a:srgbClr val="DADADA"/>
+                </a:solidFill>
+              </a:rPr>
+              <a:t>DAC</a:t>
+            </a:r>
+          </a:p>
+        </p:txBody>
+      </p:sp>
+      <p:sp>
+        <p:nvSpPr>
+          <p:cNvPr id="11" name="Rectangle 10">
+            <a:extLst>
+              <a:ext uri="{FF2B5EF4-FFF2-40B4-BE49-F238E27FC236}">
+                <a16:creationId xmlns:a16="http://schemas.microsoft.com/office/drawing/2014/main" id="{418F941B-B7E9-44F2-9A2C-5D35ACF9A678}"/>
               </a:ext>
               <a:ext uri="{C183D7F6-B498-43B3-948B-1728B52AA6E4}">
                 <adec:decorative xmlns:adec="http://schemas.microsoft.com/office/drawing/2017/decorative" val="1"/>
@@ -13843,17 +14017,23 @@
             </p:extLst>
           </p:nvPr>
         </p:nvSpPr>
-        <p:spPr bwMode="ltGray">
+        <p:spPr>
           <a:xfrm>
-            <a:off x="321564" y="320040"/>
-            <a:ext cx="11548872" cy="6217920"/>
+            <a:off x="950614" y="965196"/>
+            <a:ext cx="6476539" cy="4781641"/>
           </a:xfrm>
           <a:prstGeom prst="rect">
             <a:avLst/>
           </a:prstGeom>
-          <a:ln w="15875" cap="sq" cmpd="sng">
-            <a:noFill/>
-            <a:miter lim="800000"/>
+          <a:solidFill>
+            <a:schemeClr val="bg1"/>
+          </a:solidFill>
+          <a:ln w="190500">
+            <a:solidFill>
+              <a:srgbClr val="FFFFFF">
+                <a:alpha val="7000"/>
+              </a:srgbClr>
+            </a:solidFill>
           </a:ln>
         </p:spPr>
         <p:style>
@@ -13881,12 +14061,140 @@
           </a:p>
         </p:txBody>
       </p:sp>
+      <p:pic>
+        <p:nvPicPr>
+          <p:cNvPr id="4" name="Picture 3" descr="A picture containing text, screenshot, font, diagram&#10;&#10;Description automatically generated">
+            <a:extLst>
+              <a:ext uri="{FF2B5EF4-FFF2-40B4-BE49-F238E27FC236}">
+                <a16:creationId xmlns:a16="http://schemas.microsoft.com/office/drawing/2014/main" id="{E584D6A3-7DA9-BC46-B30B-1418F063F19C}"/>
+              </a:ext>
+            </a:extLst>
+          </p:cNvPr>
+          <p:cNvPicPr>
+            <a:picLocks noChangeAspect="1"/>
+          </p:cNvPicPr>
+          <p:nvPr/>
+        </p:nvPicPr>
+        <p:blipFill>
+          <a:blip r:embed="rId2"/>
+          <a:stretch>
+            <a:fillRect/>
+          </a:stretch>
+        </p:blipFill>
+        <p:spPr>
+          <a:xfrm>
+            <a:off x="1380489" y="1895984"/>
+            <a:ext cx="5562032" cy="2920066"/>
+          </a:xfrm>
+          <a:prstGeom prst="rect">
+            <a:avLst/>
+          </a:prstGeom>
+        </p:spPr>
+      </p:pic>
+    </p:spTree>
+    <p:extLst>
+      <p:ext uri="{BB962C8B-B14F-4D97-AF65-F5344CB8AC3E}">
+        <p14:creationId xmlns:p14="http://schemas.microsoft.com/office/powerpoint/2010/main" val="4142039092"/>
+      </p:ext>
+    </p:extLst>
+  </p:cSld>
+  <p:clrMapOvr>
+    <a:overrideClrMapping bg1="lt1" tx1="dk1" bg2="lt2" tx2="dk2" accent1="accent1" accent2="accent2" accent3="accent3" accent4="accent4" accent5="accent5" accent6="accent6" hlink="hlink" folHlink="folHlink"/>
+  </p:clrMapOvr>
+</p:sld>
+</file>
+
+<file path=ppt/slides/slide11.xml><?xml version="1.0" encoding="utf-8"?>
+<p:sld xmlns:a="http://schemas.openxmlformats.org/drawingml/2006/main" xmlns:r="http://schemas.openxmlformats.org/officeDocument/2006/relationships" xmlns:p="http://schemas.openxmlformats.org/presentationml/2006/main">
+  <p:cSld>
+    <p:bg>
+      <p:bgPr>
+        <a:solidFill>
+          <a:schemeClr val="bg1"/>
+        </a:solidFill>
+        <a:effectLst/>
+      </p:bgPr>
+    </p:bg>
+    <p:spTree>
+      <p:nvGrpSpPr>
+        <p:cNvPr id="1" name=""/>
+        <p:cNvGrpSpPr/>
+        <p:nvPr/>
+      </p:nvGrpSpPr>
+      <p:grpSpPr>
+        <a:xfrm>
+          <a:off x="0" y="0"/>
+          <a:ext cx="0" cy="0"/>
+          <a:chOff x="0" y="0"/>
+          <a:chExt cx="0" cy="0"/>
+        </a:xfrm>
+      </p:grpSpPr>
+      <p:sp>
+        <p:nvSpPr>
+          <p:cNvPr id="9" name="Rectangle 8">
+            <a:extLst>
+              <a:ext uri="{FF2B5EF4-FFF2-40B4-BE49-F238E27FC236}">
+                <a16:creationId xmlns:a16="http://schemas.microsoft.com/office/drawing/2014/main" id="{8E482A67-6CD8-49D7-9F85-52ECF99152D0}"/>
+              </a:ext>
+              <a:ext uri="{C183D7F6-B498-43B3-948B-1728B52AA6E4}">
+                <adec:decorative xmlns:adec="http://schemas.microsoft.com/office/drawing/2017/decorative" val="1"/>
+              </a:ext>
+            </a:extLst>
+          </p:cNvPr>
+          <p:cNvSpPr>
+            <a:spLocks noGrp="1" noRot="1" noChangeAspect="1" noMove="1" noResize="1" noEditPoints="1" noAdjustHandles="1" noChangeArrowheads="1" noChangeShapeType="1" noTextEdit="1"/>
+          </p:cNvSpPr>
+          <p:nvPr>
+            <p:extLst>
+              <p:ext uri="{386F3935-93C4-4BCD-93E2-E3B085C9AB24}">
+                <p16:designElem xmlns:p16="http://schemas.microsoft.com/office/powerpoint/2015/main" val="1"/>
+              </p:ext>
+            </p:extLst>
+          </p:nvPr>
+        </p:nvSpPr>
+        <p:spPr>
+          <a:xfrm>
+            <a:off x="0" y="0"/>
+            <a:ext cx="12192000" cy="6858000"/>
+          </a:xfrm>
+          <a:prstGeom prst="rect">
+            <a:avLst/>
+          </a:prstGeom>
+          <a:ln>
+            <a:noFill/>
+          </a:ln>
+        </p:spPr>
+        <p:style>
+          <a:lnRef idx="2">
+            <a:schemeClr val="accent1">
+              <a:shade val="50000"/>
+            </a:schemeClr>
+          </a:lnRef>
+          <a:fillRef idx="1003">
+            <a:schemeClr val="dk2"/>
+          </a:fillRef>
+          <a:effectRef idx="0">
+            <a:schemeClr val="accent1"/>
+          </a:effectRef>
+          <a:fontRef idx="minor">
+            <a:schemeClr val="lt1"/>
+          </a:fontRef>
+        </p:style>
+        <p:txBody>
+          <a:bodyPr rtlCol="0" anchor="ctr"/>
+          <a:lstStyle/>
+          <a:p>
+            <a:pPr algn="ctr"/>
+            <a:endParaRPr lang="en-US"/>
+          </a:p>
+        </p:txBody>
+      </p:sp>
       <p:sp>
         <p:nvSpPr>
           <p:cNvPr id="2" name="Title 1">
             <a:extLst>
               <a:ext uri="{FF2B5EF4-FFF2-40B4-BE49-F238E27FC236}">
-                <a16:creationId xmlns:a16="http://schemas.microsoft.com/office/drawing/2014/main" id="{7BB611CD-6F74-4320-D3D6-39C5802553E6}"/>
+                <a16:creationId xmlns:a16="http://schemas.microsoft.com/office/drawing/2014/main" id="{00DA1D63-850A-02BA-75E2-D88A090D4596}"/>
               </a:ext>
             </a:extLst>
           </p:cNvPr>
@@ -13899,40 +14207,42 @@
         </p:nvSpPr>
         <p:spPr>
           <a:xfrm>
-            <a:off x="4377626" y="966851"/>
-            <a:ext cx="6889930" cy="4626864"/>
+            <a:off x="8094617" y="965196"/>
+            <a:ext cx="3137262" cy="2633146"/>
           </a:xfrm>
-          <a:effectLst/>
         </p:spPr>
         <p:txBody>
-          <a:bodyPr vert="horz" lIns="91440" tIns="45720" rIns="91440" bIns="45720" rtlCol="0" anchor="ctr">
+          <a:bodyPr vert="horz" lIns="91440" tIns="45720" rIns="91440" bIns="45720" rtlCol="0" anchor="b">
             <a:normAutofit/>
           </a:bodyPr>
           <a:lstStyle/>
           <a:p>
-            <a:pPr algn="l"/>
             <a:r>
-              <a:rPr lang="en-US" sz="5000"/>
-              <a:t>Pentesting Methodology</a:t>
+              <a:rPr lang="en-US">
+                <a:solidFill>
+                  <a:srgbClr val="DADADA"/>
+                </a:solidFill>
+              </a:rPr>
+              <a:t>DAC In Action</a:t>
             </a:r>
           </a:p>
         </p:txBody>
       </p:sp>
-      <p:cxnSp>
-        <p:nvCxnSpPr>
-          <p:cNvPr id="11" name="Straight Connector 10">
+      <p:sp>
+        <p:nvSpPr>
+          <p:cNvPr id="11" name="Rectangle 10">
             <a:extLst>
               <a:ext uri="{FF2B5EF4-FFF2-40B4-BE49-F238E27FC236}">
-                <a16:creationId xmlns:a16="http://schemas.microsoft.com/office/drawing/2014/main" id="{862CADB7-E9BE-4376-8036-0D21CBDC96A7}"/>
+                <a16:creationId xmlns:a16="http://schemas.microsoft.com/office/drawing/2014/main" id="{418F941B-B7E9-44F2-9A2C-5D35ACF9A678}"/>
               </a:ext>
               <a:ext uri="{C183D7F6-B498-43B3-948B-1728B52AA6E4}">
                 <adec:decorative xmlns:adec="http://schemas.microsoft.com/office/drawing/2017/decorative" val="1"/>
               </a:ext>
             </a:extLst>
           </p:cNvPr>
-          <p:cNvCxnSpPr>
-            <a:cxnSpLocks noGrp="1" noRot="1" noChangeAspect="1" noMove="1" noResize="1" noEditPoints="1" noAdjustHandles="1" noChangeArrowheads="1" noChangeShapeType="1"/>
-          </p:cNvCxnSpPr>
+          <p:cNvSpPr>
+            <a:spLocks noGrp="1" noRot="1" noChangeAspect="1" noMove="1" noResize="1" noEditPoints="1" noAdjustHandles="1" noChangeArrowheads="1" noChangeShapeType="1" noTextEdit="1"/>
+          </p:cNvSpPr>
           <p:nvPr>
             <p:extLst>
               <p:ext uri="{386F3935-93C4-4BCD-93E2-E3B085C9AB24}">
@@ -13940,40 +14250,85 @@
               </p:ext>
             </p:extLst>
           </p:nvPr>
-        </p:nvCxnSpPr>
+        </p:nvSpPr>
         <p:spPr>
           <a:xfrm>
-            <a:off x="4055891" y="2057399"/>
-            <a:ext cx="0" cy="2743200"/>
+            <a:off x="950614" y="965196"/>
+            <a:ext cx="6476539" cy="4781641"/>
           </a:xfrm>
-          <a:prstGeom prst="line">
+          <a:prstGeom prst="rect">
             <a:avLst/>
           </a:prstGeom>
-          <a:ln w="19050">
+          <a:solidFill>
+            <a:schemeClr val="bg1"/>
+          </a:solidFill>
+          <a:ln w="190500">
             <a:solidFill>
-              <a:schemeClr val="accent1"/>
+              <a:srgbClr val="FFFFFF">
+                <a:alpha val="7000"/>
+              </a:srgbClr>
             </a:solidFill>
           </a:ln>
         </p:spPr>
         <p:style>
-          <a:lnRef idx="1">
-            <a:schemeClr val="accent1"/>
+          <a:lnRef idx="2">
+            <a:schemeClr val="accent1">
+              <a:shade val="50000"/>
+            </a:schemeClr>
           </a:lnRef>
-          <a:fillRef idx="0">
+          <a:fillRef idx="1">
             <a:schemeClr val="accent1"/>
           </a:fillRef>
           <a:effectRef idx="0">
             <a:schemeClr val="accent1"/>
           </a:effectRef>
           <a:fontRef idx="minor">
-            <a:schemeClr val="tx1"/>
+            <a:schemeClr val="lt1"/>
           </a:fontRef>
         </p:style>
-      </p:cxnSp>
+        <p:txBody>
+          <a:bodyPr rtlCol="0" anchor="ctr"/>
+          <a:lstStyle/>
+          <a:p>
+            <a:pPr algn="ctr"/>
+            <a:endParaRPr lang="en-US"/>
+          </a:p>
+        </p:txBody>
+      </p:sp>
+      <p:pic>
+        <p:nvPicPr>
+          <p:cNvPr id="4" name="Picture 3" descr="A picture containing text, screenshot, clipart, diagram&#10;&#10;Description automatically generated">
+            <a:extLst>
+              <a:ext uri="{FF2B5EF4-FFF2-40B4-BE49-F238E27FC236}">
+                <a16:creationId xmlns:a16="http://schemas.microsoft.com/office/drawing/2014/main" id="{B4703A41-E3E6-B417-3819-A44A34144C84}"/>
+              </a:ext>
+            </a:extLst>
+          </p:cNvPr>
+          <p:cNvPicPr>
+            <a:picLocks noChangeAspect="1"/>
+          </p:cNvPicPr>
+          <p:nvPr/>
+        </p:nvPicPr>
+        <p:blipFill>
+          <a:blip r:embed="rId2"/>
+          <a:stretch>
+            <a:fillRect/>
+          </a:stretch>
+        </p:blipFill>
+        <p:spPr>
+          <a:xfrm>
+            <a:off x="1380489" y="1798648"/>
+            <a:ext cx="5562032" cy="3114737"/>
+          </a:xfrm>
+          <a:prstGeom prst="rect">
+            <a:avLst/>
+          </a:prstGeom>
+        </p:spPr>
+      </p:pic>
     </p:spTree>
     <p:extLst>
       <p:ext uri="{BB962C8B-B14F-4D97-AF65-F5344CB8AC3E}">
-        <p14:creationId xmlns:p14="http://schemas.microsoft.com/office/powerpoint/2010/main" val="2039985044"/>
+        <p14:creationId xmlns:p14="http://schemas.microsoft.com/office/powerpoint/2010/main" val="1735613242"/>
       </p:ext>
     </p:extLst>
   </p:cSld>
@@ -13983,7 +14338,7 @@
 </p:sld>
 </file>
 
-<file path=ppt/slides/slide6.xml><?xml version="1.0" encoding="utf-8"?>
+<file path=ppt/slides/slide12.xml><?xml version="1.0" encoding="utf-8"?>
 <p:sld xmlns:a="http://schemas.openxmlformats.org/drawingml/2006/main" xmlns:r="http://schemas.openxmlformats.org/officeDocument/2006/relationships" xmlns:p="http://schemas.openxmlformats.org/presentationml/2006/main">
   <p:cSld>
     <p:bg>
@@ -13991,11 +14346,11 @@
         <a:blipFill rotWithShape="1">
           <a:blip r:embed="rId2">
             <a:duotone>
-              <a:schemeClr val="bg1">
+              <a:schemeClr val="bg2">
                 <a:shade val="80000"/>
                 <a:lumMod val="80000"/>
               </a:schemeClr>
-              <a:schemeClr val="bg1">
+              <a:schemeClr val="bg2">
                 <a:tint val="98000"/>
               </a:schemeClr>
             </a:duotone>
@@ -14019,43 +14374,12 @@
           <a:chExt cx="0" cy="0"/>
         </a:xfrm>
       </p:grpSpPr>
-      <p:pic>
-        <p:nvPicPr>
-          <p:cNvPr id="12" name="Picture 3" descr="A finger pointing on a tablet with green neon lights">
-            <a:extLst>
-              <a:ext uri="{FF2B5EF4-FFF2-40B4-BE49-F238E27FC236}">
-                <a16:creationId xmlns:a16="http://schemas.microsoft.com/office/drawing/2014/main" id="{85E3BB35-CB53-B751-858E-76622F5A179B}"/>
-              </a:ext>
-            </a:extLst>
-          </p:cNvPr>
-          <p:cNvPicPr>
-            <a:picLocks noChangeAspect="1"/>
-          </p:cNvPicPr>
-          <p:nvPr/>
-        </p:nvPicPr>
-        <p:blipFill rotWithShape="1">
-          <a:blip r:embed="rId3">
-            <a:alphaModFix amt="35000"/>
-          </a:blip>
-          <a:srcRect t="15730"/>
-          <a:stretch/>
-        </p:blipFill>
-        <p:spPr>
-          <a:xfrm>
-            <a:off x="20" y="10"/>
-            <a:ext cx="12191980" cy="6857990"/>
-          </a:xfrm>
-          <a:prstGeom prst="rect">
-            <a:avLst/>
-          </a:prstGeom>
-        </p:spPr>
-      </p:pic>
       <p:sp>
         <p:nvSpPr>
           <p:cNvPr id="2" name="Title 1">
             <a:extLst>
               <a:ext uri="{FF2B5EF4-FFF2-40B4-BE49-F238E27FC236}">
-                <a16:creationId xmlns:a16="http://schemas.microsoft.com/office/drawing/2014/main" id="{33997C07-E5EA-9A8C-7A0B-A855865D99B0}"/>
+                <a16:creationId xmlns:a16="http://schemas.microsoft.com/office/drawing/2014/main" id="{F3FF7DBB-26AC-8ABB-1CE7-ADD97F0A2D27}"/>
               </a:ext>
             </a:extLst>
           </p:cNvPr>
@@ -14068,8 +14392,8 @@
         </p:nvSpPr>
         <p:spPr>
           <a:xfrm>
-            <a:off x="1370693" y="1769540"/>
-            <a:ext cx="9440034" cy="1828801"/>
+            <a:off x="8094617" y="965196"/>
+            <a:ext cx="3137262" cy="2633146"/>
           </a:xfrm>
         </p:spPr>
         <p:txBody>
@@ -14079,16 +14403,112 @@
           <a:lstStyle/>
           <a:p>
             <a:r>
-              <a:rPr lang="en-US" sz="5400"/>
-              <a:t>Access Control</a:t>
+              <a:rPr lang="en-US" dirty="0"/>
+              <a:t>Role Based Access Control (RBAC)</a:t>
             </a:r>
           </a:p>
         </p:txBody>
       </p:sp>
+      <p:sp>
+        <p:nvSpPr>
+          <p:cNvPr id="9" name="Rectangle 8">
+            <a:extLst>
+              <a:ext uri="{FF2B5EF4-FFF2-40B4-BE49-F238E27FC236}">
+                <a16:creationId xmlns:a16="http://schemas.microsoft.com/office/drawing/2014/main" id="{93A46EEB-10AB-4E52-AF22-A848AE9259F9}"/>
+              </a:ext>
+              <a:ext uri="{C183D7F6-B498-43B3-948B-1728B52AA6E4}">
+                <adec:decorative xmlns:adec="http://schemas.microsoft.com/office/drawing/2017/decorative" val="1"/>
+              </a:ext>
+            </a:extLst>
+          </p:cNvPr>
+          <p:cNvSpPr>
+            <a:spLocks noGrp="1" noRot="1" noChangeAspect="1" noMove="1" noResize="1" noEditPoints="1" noAdjustHandles="1" noChangeArrowheads="1" noChangeShapeType="1" noTextEdit="1"/>
+          </p:cNvSpPr>
+          <p:nvPr>
+            <p:extLst>
+              <p:ext uri="{386F3935-93C4-4BCD-93E2-E3B085C9AB24}">
+                <p16:designElem xmlns:p16="http://schemas.microsoft.com/office/powerpoint/2015/main" val="1"/>
+              </p:ext>
+            </p:extLst>
+          </p:nvPr>
+        </p:nvSpPr>
+        <p:spPr>
+          <a:xfrm>
+            <a:off x="950614" y="965196"/>
+            <a:ext cx="6476539" cy="4781641"/>
+          </a:xfrm>
+          <a:prstGeom prst="rect">
+            <a:avLst/>
+          </a:prstGeom>
+          <a:solidFill>
+            <a:schemeClr val="tx1"/>
+          </a:solidFill>
+          <a:ln w="190500">
+            <a:solidFill>
+              <a:schemeClr val="tx1">
+                <a:alpha val="7000"/>
+              </a:schemeClr>
+            </a:solidFill>
+          </a:ln>
+        </p:spPr>
+        <p:style>
+          <a:lnRef idx="2">
+            <a:schemeClr val="accent1">
+              <a:shade val="50000"/>
+            </a:schemeClr>
+          </a:lnRef>
+          <a:fillRef idx="1">
+            <a:schemeClr val="accent1"/>
+          </a:fillRef>
+          <a:effectRef idx="0">
+            <a:schemeClr val="accent1"/>
+          </a:effectRef>
+          <a:fontRef idx="minor">
+            <a:schemeClr val="lt1"/>
+          </a:fontRef>
+        </p:style>
+        <p:txBody>
+          <a:bodyPr rtlCol="0" anchor="ctr"/>
+          <a:lstStyle/>
+          <a:p>
+            <a:pPr algn="ctr"/>
+            <a:endParaRPr lang="en-US"/>
+          </a:p>
+        </p:txBody>
+      </p:sp>
+      <p:pic>
+        <p:nvPicPr>
+          <p:cNvPr id="4" name="Picture 3" descr="A diagram of a role-based access control&#10;&#10;Description automatically generated with low confidence">
+            <a:extLst>
+              <a:ext uri="{FF2B5EF4-FFF2-40B4-BE49-F238E27FC236}">
+                <a16:creationId xmlns:a16="http://schemas.microsoft.com/office/drawing/2014/main" id="{D17EAB65-BC68-8CBE-1581-A5C90DC8FFA0}"/>
+              </a:ext>
+            </a:extLst>
+          </p:cNvPr>
+          <p:cNvPicPr>
+            <a:picLocks noChangeAspect="1"/>
+          </p:cNvPicPr>
+          <p:nvPr/>
+        </p:nvPicPr>
+        <p:blipFill rotWithShape="1">
+          <a:blip r:embed="rId3"/>
+          <a:srcRect l="11611" r="12616" b="1"/>
+          <a:stretch/>
+        </p:blipFill>
+        <p:spPr>
+          <a:xfrm>
+            <a:off x="1380489" y="1438360"/>
+            <a:ext cx="5562032" cy="3835314"/>
+          </a:xfrm>
+          <a:prstGeom prst="rect">
+            <a:avLst/>
+          </a:prstGeom>
+        </p:spPr>
+      </p:pic>
     </p:spTree>
     <p:extLst>
       <p:ext uri="{BB962C8B-B14F-4D97-AF65-F5344CB8AC3E}">
-        <p14:creationId xmlns:p14="http://schemas.microsoft.com/office/powerpoint/2010/main" val="3497694308"/>
+        <p14:creationId xmlns:p14="http://schemas.microsoft.com/office/powerpoint/2010/main" val="2926074542"/>
       </p:ext>
     </p:extLst>
   </p:cSld>
@@ -14190,9 +14610,780 @@
 </p:sld>
 </file>
 
-<file path=ppt/slides/slide7.xml><?xml version="1.0" encoding="utf-8"?>
+<file path=ppt/slides/slide13.xml><?xml version="1.0" encoding="utf-8"?>
 <p:sld xmlns:a="http://schemas.openxmlformats.org/drawingml/2006/main" xmlns:r="http://schemas.openxmlformats.org/officeDocument/2006/relationships" xmlns:p="http://schemas.openxmlformats.org/presentationml/2006/main">
   <p:cSld>
+    <p:bg>
+      <p:bgPr>
+        <a:solidFill>
+          <a:schemeClr val="bg1"/>
+        </a:solidFill>
+        <a:effectLst/>
+      </p:bgPr>
+    </p:bg>
+    <p:spTree>
+      <p:nvGrpSpPr>
+        <p:cNvPr id="1" name=""/>
+        <p:cNvGrpSpPr/>
+        <p:nvPr/>
+      </p:nvGrpSpPr>
+      <p:grpSpPr>
+        <a:xfrm>
+          <a:off x="0" y="0"/>
+          <a:ext cx="0" cy="0"/>
+          <a:chOff x="0" y="0"/>
+          <a:chExt cx="0" cy="0"/>
+        </a:xfrm>
+      </p:grpSpPr>
+      <p:sp>
+        <p:nvSpPr>
+          <p:cNvPr id="16" name="Rectangle 15">
+            <a:extLst>
+              <a:ext uri="{FF2B5EF4-FFF2-40B4-BE49-F238E27FC236}">
+                <a16:creationId xmlns:a16="http://schemas.microsoft.com/office/drawing/2014/main" id="{8E482A67-6CD8-49D7-9F85-52ECF99152D0}"/>
+              </a:ext>
+              <a:ext uri="{C183D7F6-B498-43B3-948B-1728B52AA6E4}">
+                <adec:decorative xmlns:adec="http://schemas.microsoft.com/office/drawing/2017/decorative" val="1"/>
+              </a:ext>
+            </a:extLst>
+          </p:cNvPr>
+          <p:cNvSpPr>
+            <a:spLocks noGrp="1" noRot="1" noChangeAspect="1" noMove="1" noResize="1" noEditPoints="1" noAdjustHandles="1" noChangeArrowheads="1" noChangeShapeType="1" noTextEdit="1"/>
+          </p:cNvSpPr>
+          <p:nvPr>
+            <p:extLst>
+              <p:ext uri="{386F3935-93C4-4BCD-93E2-E3B085C9AB24}">
+                <p16:designElem xmlns:p16="http://schemas.microsoft.com/office/powerpoint/2015/main" val="1"/>
+              </p:ext>
+            </p:extLst>
+          </p:nvPr>
+        </p:nvSpPr>
+        <p:spPr>
+          <a:xfrm>
+            <a:off x="0" y="0"/>
+            <a:ext cx="12192000" cy="6858000"/>
+          </a:xfrm>
+          <a:prstGeom prst="rect">
+            <a:avLst/>
+          </a:prstGeom>
+          <a:ln>
+            <a:noFill/>
+          </a:ln>
+        </p:spPr>
+        <p:style>
+          <a:lnRef idx="2">
+            <a:schemeClr val="accent1">
+              <a:shade val="50000"/>
+            </a:schemeClr>
+          </a:lnRef>
+          <a:fillRef idx="1003">
+            <a:schemeClr val="dk2"/>
+          </a:fillRef>
+          <a:effectRef idx="0">
+            <a:schemeClr val="accent1"/>
+          </a:effectRef>
+          <a:fontRef idx="minor">
+            <a:schemeClr val="lt1"/>
+          </a:fontRef>
+        </p:style>
+        <p:txBody>
+          <a:bodyPr rtlCol="0" anchor="ctr"/>
+          <a:lstStyle/>
+          <a:p>
+            <a:pPr algn="ctr"/>
+            <a:endParaRPr lang="en-US"/>
+          </a:p>
+        </p:txBody>
+      </p:sp>
+      <p:sp>
+        <p:nvSpPr>
+          <p:cNvPr id="2" name="Title 1">
+            <a:extLst>
+              <a:ext uri="{FF2B5EF4-FFF2-40B4-BE49-F238E27FC236}">
+                <a16:creationId xmlns:a16="http://schemas.microsoft.com/office/drawing/2014/main" id="{6B00A1DB-9E5A-D0BE-33CC-6D64BC48F75D}"/>
+              </a:ext>
+            </a:extLst>
+          </p:cNvPr>
+          <p:cNvSpPr>
+            <a:spLocks noGrp="1"/>
+          </p:cNvSpPr>
+          <p:nvPr>
+            <p:ph type="title"/>
+          </p:nvPr>
+        </p:nvSpPr>
+        <p:spPr>
+          <a:xfrm>
+            <a:off x="8094617" y="965196"/>
+            <a:ext cx="3137262" cy="2633146"/>
+          </a:xfrm>
+        </p:spPr>
+        <p:txBody>
+          <a:bodyPr vert="horz" lIns="91440" tIns="45720" rIns="91440" bIns="45720" rtlCol="0" anchor="b">
+            <a:normAutofit/>
+          </a:bodyPr>
+          <a:lstStyle/>
+          <a:p>
+            <a:r>
+              <a:rPr lang="en-US">
+                <a:solidFill>
+                  <a:srgbClr val="DADADA"/>
+                </a:solidFill>
+              </a:rPr>
+              <a:t>RBAC In Action</a:t>
+            </a:r>
+          </a:p>
+        </p:txBody>
+      </p:sp>
+      <p:sp>
+        <p:nvSpPr>
+          <p:cNvPr id="18" name="Rectangle 17">
+            <a:extLst>
+              <a:ext uri="{FF2B5EF4-FFF2-40B4-BE49-F238E27FC236}">
+                <a16:creationId xmlns:a16="http://schemas.microsoft.com/office/drawing/2014/main" id="{418F941B-B7E9-44F2-9A2C-5D35ACF9A678}"/>
+              </a:ext>
+              <a:ext uri="{C183D7F6-B498-43B3-948B-1728B52AA6E4}">
+                <adec:decorative xmlns:adec="http://schemas.microsoft.com/office/drawing/2017/decorative" val="1"/>
+              </a:ext>
+            </a:extLst>
+          </p:cNvPr>
+          <p:cNvSpPr>
+            <a:spLocks noGrp="1" noRot="1" noChangeAspect="1" noMove="1" noResize="1" noEditPoints="1" noAdjustHandles="1" noChangeArrowheads="1" noChangeShapeType="1" noTextEdit="1"/>
+          </p:cNvSpPr>
+          <p:nvPr>
+            <p:extLst>
+              <p:ext uri="{386F3935-93C4-4BCD-93E2-E3B085C9AB24}">
+                <p16:designElem xmlns:p16="http://schemas.microsoft.com/office/powerpoint/2015/main" val="1"/>
+              </p:ext>
+            </p:extLst>
+          </p:nvPr>
+        </p:nvSpPr>
+        <p:spPr>
+          <a:xfrm>
+            <a:off x="950614" y="965196"/>
+            <a:ext cx="6476539" cy="4781641"/>
+          </a:xfrm>
+          <a:prstGeom prst="rect">
+            <a:avLst/>
+          </a:prstGeom>
+          <a:solidFill>
+            <a:schemeClr val="bg1"/>
+          </a:solidFill>
+          <a:ln w="190500">
+            <a:solidFill>
+              <a:srgbClr val="FFFFFF">
+                <a:alpha val="7000"/>
+              </a:srgbClr>
+            </a:solidFill>
+          </a:ln>
+        </p:spPr>
+        <p:style>
+          <a:lnRef idx="2">
+            <a:schemeClr val="accent1">
+              <a:shade val="50000"/>
+            </a:schemeClr>
+          </a:lnRef>
+          <a:fillRef idx="1">
+            <a:schemeClr val="accent1"/>
+          </a:fillRef>
+          <a:effectRef idx="0">
+            <a:schemeClr val="accent1"/>
+          </a:effectRef>
+          <a:fontRef idx="minor">
+            <a:schemeClr val="lt1"/>
+          </a:fontRef>
+        </p:style>
+        <p:txBody>
+          <a:bodyPr rtlCol="0" anchor="ctr"/>
+          <a:lstStyle/>
+          <a:p>
+            <a:pPr algn="ctr"/>
+            <a:endParaRPr lang="en-US"/>
+          </a:p>
+        </p:txBody>
+      </p:sp>
+      <p:pic>
+        <p:nvPicPr>
+          <p:cNvPr id="6" name="Picture 5" descr="A picture containing text, screenshot, diagram&#10;&#10;Description automatically generated">
+            <a:extLst>
+              <a:ext uri="{FF2B5EF4-FFF2-40B4-BE49-F238E27FC236}">
+                <a16:creationId xmlns:a16="http://schemas.microsoft.com/office/drawing/2014/main" id="{0615D1A7-75ED-9E14-74B3-68FD8F2A8C34}"/>
+              </a:ext>
+            </a:extLst>
+          </p:cNvPr>
+          <p:cNvPicPr>
+            <a:picLocks noChangeAspect="1"/>
+          </p:cNvPicPr>
+          <p:nvPr/>
+        </p:nvPicPr>
+        <p:blipFill>
+          <a:blip r:embed="rId2"/>
+          <a:stretch>
+            <a:fillRect/>
+          </a:stretch>
+        </p:blipFill>
+        <p:spPr>
+          <a:xfrm>
+            <a:off x="1380489" y="1506618"/>
+            <a:ext cx="5562032" cy="3698797"/>
+          </a:xfrm>
+          <a:prstGeom prst="rect">
+            <a:avLst/>
+          </a:prstGeom>
+        </p:spPr>
+      </p:pic>
+    </p:spTree>
+    <p:extLst>
+      <p:ext uri="{BB962C8B-B14F-4D97-AF65-F5344CB8AC3E}">
+        <p14:creationId xmlns:p14="http://schemas.microsoft.com/office/powerpoint/2010/main" val="538408716"/>
+      </p:ext>
+    </p:extLst>
+  </p:cSld>
+  <p:clrMapOvr>
+    <a:overrideClrMapping bg1="lt1" tx1="dk1" bg2="lt2" tx2="dk2" accent1="accent1" accent2="accent2" accent3="accent3" accent4="accent4" accent5="accent5" accent6="accent6" hlink="hlink" folHlink="folHlink"/>
+  </p:clrMapOvr>
+</p:sld>
+</file>
+
+<file path=ppt/slides/slide14.xml><?xml version="1.0" encoding="utf-8"?>
+<p:sld xmlns:a="http://schemas.openxmlformats.org/drawingml/2006/main" xmlns:r="http://schemas.openxmlformats.org/officeDocument/2006/relationships" xmlns:p="http://schemas.openxmlformats.org/presentationml/2006/main">
+  <p:cSld>
+    <p:bg>
+      <p:bgPr>
+        <a:solidFill>
+          <a:schemeClr val="bg2"/>
+        </a:solidFill>
+        <a:effectLst/>
+      </p:bgPr>
+    </p:bg>
+    <p:spTree>
+      <p:nvGrpSpPr>
+        <p:cNvPr id="1" name=""/>
+        <p:cNvGrpSpPr/>
+        <p:nvPr/>
+      </p:nvGrpSpPr>
+      <p:grpSpPr>
+        <a:xfrm>
+          <a:off x="0" y="0"/>
+          <a:ext cx="0" cy="0"/>
+          <a:chOff x="0" y="0"/>
+          <a:chExt cx="0" cy="0"/>
+        </a:xfrm>
+      </p:grpSpPr>
+      <p:sp>
+        <p:nvSpPr>
+          <p:cNvPr id="7" name="Rectangle 6">
+            <a:extLst>
+              <a:ext uri="{FF2B5EF4-FFF2-40B4-BE49-F238E27FC236}">
+                <a16:creationId xmlns:a16="http://schemas.microsoft.com/office/drawing/2014/main" id="{2BFC186A-5A9F-4A9A-A72D-DFBBE9934418}"/>
+              </a:ext>
+              <a:ext uri="{C183D7F6-B498-43B3-948B-1728B52AA6E4}">
+                <adec:decorative xmlns:adec="http://schemas.microsoft.com/office/drawing/2017/decorative" val="1"/>
+              </a:ext>
+            </a:extLst>
+          </p:cNvPr>
+          <p:cNvSpPr>
+            <a:spLocks noGrp="1" noRot="1" noChangeAspect="1" noMove="1" noResize="1" noEditPoints="1" noAdjustHandles="1" noChangeArrowheads="1" noChangeShapeType="1" noTextEdit="1"/>
+          </p:cNvSpPr>
+          <p:nvPr>
+            <p:extLst>
+              <p:ext uri="{386F3935-93C4-4BCD-93E2-E3B085C9AB24}">
+                <p16:designElem xmlns:p16="http://schemas.microsoft.com/office/powerpoint/2015/main" val="1"/>
+              </p:ext>
+            </p:extLst>
+          </p:nvPr>
+        </p:nvSpPr>
+        <p:spPr>
+          <a:xfrm>
+            <a:off x="0" y="0"/>
+            <a:ext cx="12192000" cy="6858000"/>
+          </a:xfrm>
+          <a:prstGeom prst="rect">
+            <a:avLst/>
+          </a:prstGeom>
+          <a:ln>
+            <a:noFill/>
+          </a:ln>
+        </p:spPr>
+        <p:style>
+          <a:lnRef idx="2">
+            <a:schemeClr val="accent1">
+              <a:shade val="50000"/>
+            </a:schemeClr>
+          </a:lnRef>
+          <a:fillRef idx="1003">
+            <a:schemeClr val="dk2"/>
+          </a:fillRef>
+          <a:effectRef idx="0">
+            <a:schemeClr val="accent1"/>
+          </a:effectRef>
+          <a:fontRef idx="minor">
+            <a:schemeClr val="lt1"/>
+          </a:fontRef>
+        </p:style>
+        <p:txBody>
+          <a:bodyPr rtlCol="0" anchor="ctr"/>
+          <a:lstStyle/>
+          <a:p>
+            <a:pPr algn="ctr"/>
+            <a:endParaRPr lang="en-US"/>
+          </a:p>
+        </p:txBody>
+      </p:sp>
+      <p:sp useBgFill="1">
+        <p:nvSpPr>
+          <p:cNvPr id="9" name="Rectangle 8">
+            <a:extLst>
+              <a:ext uri="{FF2B5EF4-FFF2-40B4-BE49-F238E27FC236}">
+                <a16:creationId xmlns:a16="http://schemas.microsoft.com/office/drawing/2014/main" id="{E8EE1E2B-262B-4EE5-9AB3-125FAB1A8A40}"/>
+              </a:ext>
+              <a:ext uri="{C183D7F6-B498-43B3-948B-1728B52AA6E4}">
+                <adec:decorative xmlns:adec="http://schemas.microsoft.com/office/drawing/2017/decorative" val="1"/>
+              </a:ext>
+            </a:extLst>
+          </p:cNvPr>
+          <p:cNvSpPr>
+            <a:spLocks noGrp="1" noRot="1" noChangeAspect="1" noMove="1" noResize="1" noEditPoints="1" noAdjustHandles="1" noChangeArrowheads="1" noChangeShapeType="1" noTextEdit="1"/>
+          </p:cNvSpPr>
+          <p:nvPr>
+            <p:extLst>
+              <p:ext uri="{386F3935-93C4-4BCD-93E2-E3B085C9AB24}">
+                <p16:designElem xmlns:p16="http://schemas.microsoft.com/office/powerpoint/2015/main" val="1"/>
+              </p:ext>
+            </p:extLst>
+          </p:nvPr>
+        </p:nvSpPr>
+        <p:spPr bwMode="ltGray">
+          <a:xfrm>
+            <a:off x="321564" y="320040"/>
+            <a:ext cx="11548872" cy="6217920"/>
+          </a:xfrm>
+          <a:prstGeom prst="rect">
+            <a:avLst/>
+          </a:prstGeom>
+          <a:ln w="15875" cap="sq" cmpd="sng">
+            <a:noFill/>
+            <a:miter lim="800000"/>
+          </a:ln>
+        </p:spPr>
+        <p:style>
+          <a:lnRef idx="2">
+            <a:schemeClr val="accent1">
+              <a:shade val="50000"/>
+            </a:schemeClr>
+          </a:lnRef>
+          <a:fillRef idx="1">
+            <a:schemeClr val="accent1"/>
+          </a:fillRef>
+          <a:effectRef idx="0">
+            <a:schemeClr val="accent1"/>
+          </a:effectRef>
+          <a:fontRef idx="minor">
+            <a:schemeClr val="lt1"/>
+          </a:fontRef>
+        </p:style>
+        <p:txBody>
+          <a:bodyPr rtlCol="0" anchor="ctr"/>
+          <a:lstStyle/>
+          <a:p>
+            <a:pPr algn="ctr"/>
+            <a:endParaRPr lang="en-US"/>
+          </a:p>
+        </p:txBody>
+      </p:sp>
+      <p:sp>
+        <p:nvSpPr>
+          <p:cNvPr id="2" name="Title 1">
+            <a:extLst>
+              <a:ext uri="{FF2B5EF4-FFF2-40B4-BE49-F238E27FC236}">
+                <a16:creationId xmlns:a16="http://schemas.microsoft.com/office/drawing/2014/main" id="{7BB611CD-6F74-4320-D3D6-39C5802553E6}"/>
+              </a:ext>
+            </a:extLst>
+          </p:cNvPr>
+          <p:cNvSpPr>
+            <a:spLocks noGrp="1"/>
+          </p:cNvSpPr>
+          <p:nvPr>
+            <p:ph type="title"/>
+          </p:nvPr>
+        </p:nvSpPr>
+        <p:spPr>
+          <a:xfrm>
+            <a:off x="4377626" y="966851"/>
+            <a:ext cx="6889930" cy="4626864"/>
+          </a:xfrm>
+          <a:effectLst/>
+        </p:spPr>
+        <p:txBody>
+          <a:bodyPr vert="horz" lIns="91440" tIns="45720" rIns="91440" bIns="45720" rtlCol="0" anchor="ctr">
+            <a:normAutofit/>
+          </a:bodyPr>
+          <a:lstStyle/>
+          <a:p>
+            <a:pPr algn="l"/>
+            <a:r>
+              <a:rPr lang="en-US" sz="5000"/>
+              <a:t>Pentesting Methodology</a:t>
+            </a:r>
+          </a:p>
+        </p:txBody>
+      </p:sp>
+      <p:cxnSp>
+        <p:nvCxnSpPr>
+          <p:cNvPr id="11" name="Straight Connector 10">
+            <a:extLst>
+              <a:ext uri="{FF2B5EF4-FFF2-40B4-BE49-F238E27FC236}">
+                <a16:creationId xmlns:a16="http://schemas.microsoft.com/office/drawing/2014/main" id="{862CADB7-E9BE-4376-8036-0D21CBDC96A7}"/>
+              </a:ext>
+              <a:ext uri="{C183D7F6-B498-43B3-948B-1728B52AA6E4}">
+                <adec:decorative xmlns:adec="http://schemas.microsoft.com/office/drawing/2017/decorative" val="1"/>
+              </a:ext>
+            </a:extLst>
+          </p:cNvPr>
+          <p:cNvCxnSpPr>
+            <a:cxnSpLocks noGrp="1" noRot="1" noChangeAspect="1" noMove="1" noResize="1" noEditPoints="1" noAdjustHandles="1" noChangeArrowheads="1" noChangeShapeType="1"/>
+          </p:cNvCxnSpPr>
+          <p:nvPr>
+            <p:extLst>
+              <p:ext uri="{386F3935-93C4-4BCD-93E2-E3B085C9AB24}">
+                <p16:designElem xmlns:p16="http://schemas.microsoft.com/office/powerpoint/2015/main" val="1"/>
+              </p:ext>
+            </p:extLst>
+          </p:nvPr>
+        </p:nvCxnSpPr>
+        <p:spPr>
+          <a:xfrm>
+            <a:off x="4055891" y="2057399"/>
+            <a:ext cx="0" cy="2743200"/>
+          </a:xfrm>
+          <a:prstGeom prst="line">
+            <a:avLst/>
+          </a:prstGeom>
+          <a:ln w="19050">
+            <a:solidFill>
+              <a:schemeClr val="accent1"/>
+            </a:solidFill>
+          </a:ln>
+        </p:spPr>
+        <p:style>
+          <a:lnRef idx="1">
+            <a:schemeClr val="accent1"/>
+          </a:lnRef>
+          <a:fillRef idx="0">
+            <a:schemeClr val="accent1"/>
+          </a:fillRef>
+          <a:effectRef idx="0">
+            <a:schemeClr val="accent1"/>
+          </a:effectRef>
+          <a:fontRef idx="minor">
+            <a:schemeClr val="tx1"/>
+          </a:fontRef>
+        </p:style>
+      </p:cxnSp>
+    </p:spTree>
+    <p:extLst>
+      <p:ext uri="{BB962C8B-B14F-4D97-AF65-F5344CB8AC3E}">
+        <p14:creationId xmlns:p14="http://schemas.microsoft.com/office/powerpoint/2010/main" val="2039985044"/>
+      </p:ext>
+    </p:extLst>
+  </p:cSld>
+  <p:clrMapOvr>
+    <a:overrideClrMapping bg1="lt1" tx1="dk1" bg2="lt2" tx2="dk2" accent1="accent1" accent2="accent2" accent3="accent3" accent4="accent4" accent5="accent5" accent6="accent6" hlink="hlink" folHlink="folHlink"/>
+  </p:clrMapOvr>
+</p:sld>
+</file>
+
+<file path=ppt/slides/slide15.xml><?xml version="1.0" encoding="utf-8"?>
+<p:sld xmlns:a="http://schemas.openxmlformats.org/drawingml/2006/main" xmlns:r="http://schemas.openxmlformats.org/officeDocument/2006/relationships" xmlns:p="http://schemas.openxmlformats.org/presentationml/2006/main">
+  <p:cSld>
+    <p:spTree>
+      <p:nvGrpSpPr>
+        <p:cNvPr id="1" name=""/>
+        <p:cNvGrpSpPr/>
+        <p:nvPr/>
+      </p:nvGrpSpPr>
+      <p:grpSpPr>
+        <a:xfrm>
+          <a:off x="0" y="0"/>
+          <a:ext cx="0" cy="0"/>
+          <a:chOff x="0" y="0"/>
+          <a:chExt cx="0" cy="0"/>
+        </a:xfrm>
+      </p:grpSpPr>
+      <p:pic>
+        <p:nvPicPr>
+          <p:cNvPr id="4" name="Picture 3" descr="A picture containing text, screenshot, font, number&#10;&#10;Description automatically generated">
+            <a:extLst>
+              <a:ext uri="{FF2B5EF4-FFF2-40B4-BE49-F238E27FC236}">
+                <a16:creationId xmlns:a16="http://schemas.microsoft.com/office/drawing/2014/main" id="{E22D8BE2-EFBF-A6DD-B6B7-26D57F1D96B1}"/>
+              </a:ext>
+            </a:extLst>
+          </p:cNvPr>
+          <p:cNvPicPr>
+            <a:picLocks noChangeAspect="1"/>
+          </p:cNvPicPr>
+          <p:nvPr/>
+        </p:nvPicPr>
+        <p:blipFill>
+          <a:blip r:embed="rId2"/>
+          <a:stretch>
+            <a:fillRect/>
+          </a:stretch>
+        </p:blipFill>
+        <p:spPr>
+          <a:xfrm>
+            <a:off x="2667000" y="0"/>
+            <a:ext cx="6858000" cy="6858000"/>
+          </a:xfrm>
+          <a:prstGeom prst="rect">
+            <a:avLst/>
+          </a:prstGeom>
+        </p:spPr>
+      </p:pic>
+    </p:spTree>
+    <p:extLst>
+      <p:ext uri="{BB962C8B-B14F-4D97-AF65-F5344CB8AC3E}">
+        <p14:creationId xmlns:p14="http://schemas.microsoft.com/office/powerpoint/2010/main" val="724338215"/>
+      </p:ext>
+    </p:extLst>
+  </p:cSld>
+  <p:clrMapOvr>
+    <a:masterClrMapping/>
+  </p:clrMapOvr>
+</p:sld>
+</file>
+
+<file path=ppt/slides/slide16.xml><?xml version="1.0" encoding="utf-8"?>
+<p:sld xmlns:a="http://schemas.openxmlformats.org/drawingml/2006/main" xmlns:r="http://schemas.openxmlformats.org/officeDocument/2006/relationships" xmlns:p="http://schemas.openxmlformats.org/presentationml/2006/main">
+  <p:cSld>
+    <p:bg>
+      <p:bgPr>
+        <a:blipFill rotWithShape="1">
+          <a:blip r:embed="rId2">
+            <a:duotone>
+              <a:schemeClr val="bg2">
+                <a:shade val="80000"/>
+                <a:lumMod val="80000"/>
+              </a:schemeClr>
+              <a:schemeClr val="bg2">
+                <a:tint val="98000"/>
+              </a:schemeClr>
+            </a:duotone>
+          </a:blip>
+          <a:stretch/>
+        </a:blipFill>
+        <a:effectLst/>
+      </p:bgPr>
+    </p:bg>
+    <p:spTree>
+      <p:nvGrpSpPr>
+        <p:cNvPr id="1" name=""/>
+        <p:cNvGrpSpPr/>
+        <p:nvPr/>
+      </p:nvGrpSpPr>
+      <p:grpSpPr>
+        <a:xfrm>
+          <a:off x="0" y="0"/>
+          <a:ext cx="0" cy="0"/>
+          <a:chOff x="0" y="0"/>
+          <a:chExt cx="0" cy="0"/>
+        </a:xfrm>
+      </p:grpSpPr>
+      <p:sp>
+        <p:nvSpPr>
+          <p:cNvPr id="11" name="Rectangle 6">
+            <a:extLst>
+              <a:ext uri="{FF2B5EF4-FFF2-40B4-BE49-F238E27FC236}">
+                <a16:creationId xmlns:a16="http://schemas.microsoft.com/office/drawing/2014/main" id="{F7471772-E57F-4CD9-9241-D264A2F782EC}"/>
+              </a:ext>
+              <a:ext uri="{C183D7F6-B498-43B3-948B-1728B52AA6E4}">
+                <adec:decorative xmlns:adec="http://schemas.microsoft.com/office/drawing/2017/decorative" val="1"/>
+              </a:ext>
+            </a:extLst>
+          </p:cNvPr>
+          <p:cNvSpPr>
+            <a:spLocks noGrp="1" noRot="1" noChangeAspect="1" noMove="1" noResize="1" noEditPoints="1" noAdjustHandles="1" noChangeArrowheads="1" noChangeShapeType="1" noTextEdit="1"/>
+          </p:cNvSpPr>
+          <p:nvPr>
+            <p:extLst>
+              <p:ext uri="{386F3935-93C4-4BCD-93E2-E3B085C9AB24}">
+                <p16:designElem xmlns:p16="http://schemas.microsoft.com/office/powerpoint/2015/main" val="1"/>
+              </p:ext>
+            </p:extLst>
+          </p:nvPr>
+        </p:nvSpPr>
+        <p:spPr bwMode="ltGray">
+          <a:xfrm>
+            <a:off x="321564" y="320040"/>
+            <a:ext cx="11548872" cy="6217920"/>
+          </a:xfrm>
+          <a:prstGeom prst="rect">
+            <a:avLst/>
+          </a:prstGeom>
+          <a:solidFill>
+            <a:schemeClr val="bg1">
+              <a:lumMod val="75000"/>
+              <a:lumOff val="25000"/>
+            </a:schemeClr>
+          </a:solidFill>
+          <a:ln>
+            <a:noFill/>
+          </a:ln>
+          <a:effectLst>
+            <a:innerShdw blurRad="63500" dist="50800" dir="16200000">
+              <a:prstClr val="black">
+                <a:alpha val="50000"/>
+              </a:prstClr>
+            </a:innerShdw>
+          </a:effectLst>
+        </p:spPr>
+        <p:style>
+          <a:lnRef idx="2">
+            <a:schemeClr val="accent1">
+              <a:shade val="50000"/>
+            </a:schemeClr>
+          </a:lnRef>
+          <a:fillRef idx="1">
+            <a:schemeClr val="accent1"/>
+          </a:fillRef>
+          <a:effectRef idx="0">
+            <a:schemeClr val="accent1"/>
+          </a:effectRef>
+          <a:fontRef idx="minor">
+            <a:schemeClr val="lt1"/>
+          </a:fontRef>
+        </p:style>
+        <p:txBody>
+          <a:bodyPr rtlCol="0" anchor="ctr"/>
+          <a:lstStyle/>
+          <a:p>
+            <a:pPr algn="ctr"/>
+            <a:endParaRPr lang="en-US"/>
+          </a:p>
+        </p:txBody>
+      </p:sp>
+      <p:sp>
+        <p:nvSpPr>
+          <p:cNvPr id="2" name="Title 1">
+            <a:extLst>
+              <a:ext uri="{FF2B5EF4-FFF2-40B4-BE49-F238E27FC236}">
+                <a16:creationId xmlns:a16="http://schemas.microsoft.com/office/drawing/2014/main" id="{3F2EE3E0-8ADA-30BC-0805-F84168D4F00D}"/>
+              </a:ext>
+            </a:extLst>
+          </p:cNvPr>
+          <p:cNvSpPr>
+            <a:spLocks noGrp="1"/>
+          </p:cNvSpPr>
+          <p:nvPr>
+            <p:ph type="title"/>
+          </p:nvPr>
+        </p:nvSpPr>
+        <p:spPr>
+          <a:xfrm>
+            <a:off x="4377625" y="963507"/>
+            <a:ext cx="6849344" cy="4995027"/>
+          </a:xfrm>
+        </p:spPr>
+        <p:txBody>
+          <a:bodyPr vert="horz" lIns="91440" tIns="45720" rIns="91440" bIns="45720" rtlCol="0" anchor="ctr">
+            <a:normAutofit/>
+          </a:bodyPr>
+          <a:lstStyle/>
+          <a:p>
+            <a:pPr algn="l"/>
+            <a:r>
+              <a:rPr lang="en-US" sz="5200"/>
+              <a:t>Standards</a:t>
+            </a:r>
+          </a:p>
+        </p:txBody>
+      </p:sp>
+      <p:cxnSp>
+        <p:nvCxnSpPr>
+          <p:cNvPr id="12" name="Straight Connector 8">
+            <a:extLst>
+              <a:ext uri="{FF2B5EF4-FFF2-40B4-BE49-F238E27FC236}">
+                <a16:creationId xmlns:a16="http://schemas.microsoft.com/office/drawing/2014/main" id="{31CC7E9E-3FF6-4189-9B36-995A779F3C5A}"/>
+              </a:ext>
+              <a:ext uri="{C183D7F6-B498-43B3-948B-1728B52AA6E4}">
+                <adec:decorative xmlns:adec="http://schemas.microsoft.com/office/drawing/2017/decorative" val="1"/>
+              </a:ext>
+            </a:extLst>
+          </p:cNvPr>
+          <p:cNvCxnSpPr>
+            <a:cxnSpLocks noGrp="1" noRot="1" noChangeAspect="1" noMove="1" noResize="1" noEditPoints="1" noAdjustHandles="1" noChangeArrowheads="1" noChangeShapeType="1"/>
+          </p:cNvCxnSpPr>
+          <p:nvPr>
+            <p:extLst>
+              <p:ext uri="{386F3935-93C4-4BCD-93E2-E3B085C9AB24}">
+                <p16:designElem xmlns:p16="http://schemas.microsoft.com/office/powerpoint/2015/main" val="1"/>
+              </p:ext>
+            </p:extLst>
+          </p:nvPr>
+        </p:nvCxnSpPr>
+        <p:spPr>
+          <a:xfrm>
+            <a:off x="4055891" y="2057399"/>
+            <a:ext cx="0" cy="2743200"/>
+          </a:xfrm>
+          <a:prstGeom prst="line">
+            <a:avLst/>
+          </a:prstGeom>
+          <a:ln w="19050">
+            <a:solidFill>
+              <a:schemeClr val="accent2"/>
+            </a:solidFill>
+          </a:ln>
+        </p:spPr>
+        <p:style>
+          <a:lnRef idx="1">
+            <a:schemeClr val="accent1"/>
+          </a:lnRef>
+          <a:fillRef idx="0">
+            <a:schemeClr val="accent1"/>
+          </a:fillRef>
+          <a:effectRef idx="0">
+            <a:schemeClr val="accent1"/>
+          </a:effectRef>
+          <a:fontRef idx="minor">
+            <a:schemeClr val="tx1"/>
+          </a:fontRef>
+        </p:style>
+      </p:cxnSp>
+    </p:spTree>
+    <p:extLst>
+      <p:ext uri="{BB962C8B-B14F-4D97-AF65-F5344CB8AC3E}">
+        <p14:creationId xmlns:p14="http://schemas.microsoft.com/office/powerpoint/2010/main" val="531719016"/>
+      </p:ext>
+    </p:extLst>
+  </p:cSld>
+  <p:clrMapOvr>
+    <a:masterClrMapping/>
+  </p:clrMapOvr>
+</p:sld>
+</file>
+
+<file path=ppt/slides/slide17.xml><?xml version="1.0" encoding="utf-8"?>
+<p:sld xmlns:a="http://schemas.openxmlformats.org/drawingml/2006/main" xmlns:r="http://schemas.openxmlformats.org/officeDocument/2006/relationships" xmlns:p="http://schemas.openxmlformats.org/presentationml/2006/main">
+  <p:cSld>
+    <p:bg>
+      <p:bgPr>
+        <a:blipFill rotWithShape="1">
+          <a:blip r:embed="rId2">
+            <a:duotone>
+              <a:schemeClr val="bg2">
+                <a:shade val="80000"/>
+                <a:lumMod val="80000"/>
+              </a:schemeClr>
+              <a:schemeClr val="bg2">
+                <a:tint val="98000"/>
+              </a:schemeClr>
+            </a:duotone>
+          </a:blip>
+          <a:stretch/>
+        </a:blipFill>
+        <a:effectLst/>
+      </p:bgPr>
+    </p:bg>
     <p:spTree>
       <p:nvGrpSpPr>
         <p:cNvPr id="1" name=""/>
@@ -14212,7 +15403,7 @@
           <p:cNvPr id="2" name="Title 1">
             <a:extLst>
               <a:ext uri="{FF2B5EF4-FFF2-40B4-BE49-F238E27FC236}">
-                <a16:creationId xmlns:a16="http://schemas.microsoft.com/office/drawing/2014/main" id="{AD06704D-8F75-ABF6-5FFB-A6A624C9BEDF}"/>
+                <a16:creationId xmlns:a16="http://schemas.microsoft.com/office/drawing/2014/main" id="{A3415F6F-07A0-ADA4-55B6-BF930943CA09}"/>
               </a:ext>
             </a:extLst>
           </p:cNvPr>
@@ -14223,14 +15414,298 @@
             <p:ph type="title"/>
           </p:nvPr>
         </p:nvSpPr>
-        <p:spPr/>
+        <p:spPr>
+          <a:xfrm>
+            <a:off x="1370693" y="4435229"/>
+            <a:ext cx="9440034" cy="1059644"/>
+          </a:xfrm>
+        </p:spPr>
         <p:txBody>
-          <a:bodyPr/>
+          <a:bodyPr vert="horz" lIns="91440" tIns="45720" rIns="91440" bIns="45720" rtlCol="0" anchor="b">
+            <a:normAutofit/>
+          </a:bodyPr>
           <a:lstStyle/>
           <a:p>
             <a:r>
-              <a:rPr lang="en-US" dirty="0"/>
-              <a:t>Mandatory Access Control</a:t>
+              <a:rPr lang="en-US" sz="4800"/>
+              <a:t>OWASP</a:t>
+            </a:r>
+          </a:p>
+        </p:txBody>
+      </p:sp>
+      <p:pic>
+        <p:nvPicPr>
+          <p:cNvPr id="9" name="Picture 8">
+            <a:extLst>
+              <a:ext uri="{FF2B5EF4-FFF2-40B4-BE49-F238E27FC236}">
+                <a16:creationId xmlns:a16="http://schemas.microsoft.com/office/drawing/2014/main" id="{9B0DB875-49E3-4B9D-8AAE-D81A127B6647}"/>
+              </a:ext>
+              <a:ext uri="{C183D7F6-B498-43B3-948B-1728B52AA6E4}">
+                <adec:decorative xmlns:adec="http://schemas.microsoft.com/office/drawing/2017/decorative" val="1"/>
+              </a:ext>
+            </a:extLst>
+          </p:cNvPr>
+          <p:cNvPicPr>
+            <a:picLocks noGrp="1" noRot="1" noChangeAspect="1" noMove="1" noResize="1" noEditPoints="1" noAdjustHandles="1" noChangeArrowheads="1" noChangeShapeType="1" noCrop="1"/>
+          </p:cNvPicPr>
+          <p:nvPr>
+            <p:extLst>
+              <p:ext uri="{386F3935-93C4-4BCD-93E2-E3B085C9AB24}">
+                <p16:designElem xmlns:p16="http://schemas.microsoft.com/office/powerpoint/2015/main" val="1"/>
+              </p:ext>
+            </p:extLst>
+          </p:nvPr>
+        </p:nvPicPr>
+        <p:blipFill>
+          <a:blip r:embed="rId3">
+            <a:extLst>
+              <a:ext uri="{28A0092B-C50C-407E-A947-70E740481C1C}">
+                <a14:useLocalDpi xmlns:a14="http://schemas.microsoft.com/office/drawing/2010/main" val="0"/>
+              </a:ext>
+            </a:extLst>
+          </a:blip>
+          <a:stretch>
+            <a:fillRect/>
+          </a:stretch>
+        </p:blipFill>
+        <p:spPr>
+          <a:xfrm>
+            <a:off x="1013883" y="547807"/>
+            <a:ext cx="10141799" cy="3816806"/>
+          </a:xfrm>
+          <a:prstGeom prst="rect">
+            <a:avLst/>
+          </a:prstGeom>
+        </p:spPr>
+      </p:pic>
+      <p:pic>
+        <p:nvPicPr>
+          <p:cNvPr id="4" name="Picture 3" descr="A close-up of a logo&#10;&#10;Description automatically generated with medium confidence">
+            <a:extLst>
+              <a:ext uri="{FF2B5EF4-FFF2-40B4-BE49-F238E27FC236}">
+                <a16:creationId xmlns:a16="http://schemas.microsoft.com/office/drawing/2014/main" id="{429AB054-06C2-7BF6-9A58-9B9B11B6A0AD}"/>
+              </a:ext>
+            </a:extLst>
+          </p:cNvPr>
+          <p:cNvPicPr>
+            <a:picLocks noChangeAspect="1"/>
+          </p:cNvPicPr>
+          <p:nvPr/>
+        </p:nvPicPr>
+        <p:blipFill rotWithShape="1">
+          <a:blip r:embed="rId4"/>
+          <a:srcRect l="867" r="1" b="1"/>
+          <a:stretch/>
+        </p:blipFill>
+        <p:spPr>
+          <a:xfrm>
+            <a:off x="1169349" y="695008"/>
+            <a:ext cx="9845346" cy="3525671"/>
+          </a:xfrm>
+          <a:prstGeom prst="rect">
+            <a:avLst/>
+          </a:prstGeom>
+        </p:spPr>
+      </p:pic>
+    </p:spTree>
+    <p:extLst>
+      <p:ext uri="{BB962C8B-B14F-4D97-AF65-F5344CB8AC3E}">
+        <p14:creationId xmlns:p14="http://schemas.microsoft.com/office/powerpoint/2010/main" val="1230418756"/>
+      </p:ext>
+    </p:extLst>
+  </p:cSld>
+  <p:clrMapOvr>
+    <a:masterClrMapping/>
+  </p:clrMapOvr>
+</p:sld>
+</file>
+
+<file path=ppt/slides/slide18.xml><?xml version="1.0" encoding="utf-8"?>
+<p:sld xmlns:a="http://schemas.openxmlformats.org/drawingml/2006/main" xmlns:r="http://schemas.openxmlformats.org/officeDocument/2006/relationships" xmlns:p="http://schemas.openxmlformats.org/presentationml/2006/main">
+  <p:cSld>
+    <p:bg>
+      <p:bgPr>
+        <a:blipFill rotWithShape="1">
+          <a:blip r:embed="rId2">
+            <a:duotone>
+              <a:schemeClr val="bg2">
+                <a:shade val="80000"/>
+                <a:lumMod val="80000"/>
+              </a:schemeClr>
+              <a:schemeClr val="bg2">
+                <a:tint val="98000"/>
+              </a:schemeClr>
+            </a:duotone>
+          </a:blip>
+          <a:stretch/>
+        </a:blipFill>
+        <a:effectLst/>
+      </p:bgPr>
+    </p:bg>
+    <p:spTree>
+      <p:nvGrpSpPr>
+        <p:cNvPr id="1" name=""/>
+        <p:cNvGrpSpPr/>
+        <p:nvPr/>
+      </p:nvGrpSpPr>
+      <p:grpSpPr>
+        <a:xfrm>
+          <a:off x="0" y="0"/>
+          <a:ext cx="0" cy="0"/>
+          <a:chOff x="0" y="0"/>
+          <a:chExt cx="0" cy="0"/>
+        </a:xfrm>
+      </p:grpSpPr>
+      <p:sp>
+        <p:nvSpPr>
+          <p:cNvPr id="2" name="Title 1">
+            <a:extLst>
+              <a:ext uri="{FF2B5EF4-FFF2-40B4-BE49-F238E27FC236}">
+                <a16:creationId xmlns:a16="http://schemas.microsoft.com/office/drawing/2014/main" id="{E8364B01-2089-A64F-01C4-3551850C26CC}"/>
+              </a:ext>
+            </a:extLst>
+          </p:cNvPr>
+          <p:cNvSpPr>
+            <a:spLocks noGrp="1"/>
+          </p:cNvSpPr>
+          <p:nvPr>
+            <p:ph type="title"/>
+          </p:nvPr>
+        </p:nvSpPr>
+        <p:spPr>
+          <a:xfrm>
+            <a:off x="1370693" y="4477814"/>
+            <a:ext cx="9440034" cy="1017059"/>
+          </a:xfrm>
+        </p:spPr>
+        <p:txBody>
+          <a:bodyPr vert="horz" lIns="91440" tIns="45720" rIns="91440" bIns="45720" rtlCol="0" anchor="b">
+            <a:normAutofit/>
+          </a:bodyPr>
+          <a:lstStyle/>
+          <a:p>
+            <a:r>
+              <a:rPr lang="en-US" sz="4800"/>
+              <a:t>OWASP Top 10 </a:t>
+            </a:r>
+          </a:p>
+        </p:txBody>
+      </p:sp>
+      <p:pic>
+        <p:nvPicPr>
+          <p:cNvPr id="4" name="Picture 3" descr="A picture containing text, screenshot, font, line&#10;&#10;Description automatically generated">
+            <a:extLst>
+              <a:ext uri="{FF2B5EF4-FFF2-40B4-BE49-F238E27FC236}">
+                <a16:creationId xmlns:a16="http://schemas.microsoft.com/office/drawing/2014/main" id="{9856AC08-FC06-9729-BC3B-898F99D4938E}"/>
+              </a:ext>
+            </a:extLst>
+          </p:cNvPr>
+          <p:cNvPicPr>
+            <a:picLocks noChangeAspect="1"/>
+          </p:cNvPicPr>
+          <p:nvPr/>
+        </p:nvPicPr>
+        <p:blipFill>
+          <a:blip r:embed="rId3"/>
+          <a:stretch>
+            <a:fillRect/>
+          </a:stretch>
+        </p:blipFill>
+        <p:spPr>
+          <a:xfrm>
+            <a:off x="1509806" y="1198092"/>
+            <a:ext cx="9149952" cy="2516236"/>
+          </a:xfrm>
+          <a:prstGeom prst="rect">
+            <a:avLst/>
+          </a:prstGeom>
+        </p:spPr>
+      </p:pic>
+    </p:spTree>
+    <p:extLst>
+      <p:ext uri="{BB962C8B-B14F-4D97-AF65-F5344CB8AC3E}">
+        <p14:creationId xmlns:p14="http://schemas.microsoft.com/office/powerpoint/2010/main" val="1524748226"/>
+      </p:ext>
+    </p:extLst>
+  </p:cSld>
+  <p:clrMapOvr>
+    <a:masterClrMapping/>
+  </p:clrMapOvr>
+</p:sld>
+</file>
+
+<file path=ppt/slides/slide19.xml><?xml version="1.0" encoding="utf-8"?>
+<p:sld xmlns:a="http://schemas.openxmlformats.org/drawingml/2006/main" xmlns:r="http://schemas.openxmlformats.org/officeDocument/2006/relationships" xmlns:p="http://schemas.openxmlformats.org/presentationml/2006/main">
+  <p:cSld>
+    <p:bg>
+      <p:bgPr>
+        <a:blipFill rotWithShape="1">
+          <a:blip r:embed="rId3">
+            <a:duotone>
+              <a:schemeClr val="bg2">
+                <a:shade val="80000"/>
+                <a:lumMod val="80000"/>
+              </a:schemeClr>
+              <a:schemeClr val="bg2">
+                <a:tint val="98000"/>
+              </a:schemeClr>
+            </a:duotone>
+          </a:blip>
+          <a:stretch/>
+        </a:blipFill>
+        <a:effectLst/>
+      </p:bgPr>
+    </p:bg>
+    <p:spTree>
+      <p:nvGrpSpPr>
+        <p:cNvPr id="1" name=""/>
+        <p:cNvGrpSpPr/>
+        <p:nvPr/>
+      </p:nvGrpSpPr>
+      <p:grpSpPr>
+        <a:xfrm>
+          <a:off x="0" y="0"/>
+          <a:ext cx="0" cy="0"/>
+          <a:chOff x="0" y="0"/>
+          <a:chExt cx="0" cy="0"/>
+        </a:xfrm>
+      </p:grpSpPr>
+      <p:sp>
+        <p:nvSpPr>
+          <p:cNvPr id="2" name="Title 1">
+            <a:extLst>
+              <a:ext uri="{FF2B5EF4-FFF2-40B4-BE49-F238E27FC236}">
+                <a16:creationId xmlns:a16="http://schemas.microsoft.com/office/drawing/2014/main" id="{DEAA334C-D149-3617-B431-80FF439A7465}"/>
+              </a:ext>
+            </a:extLst>
+          </p:cNvPr>
+          <p:cNvSpPr>
+            <a:spLocks noGrp="1"/>
+          </p:cNvSpPr>
+          <p:nvPr>
+            <p:ph type="title"/>
+          </p:nvPr>
+        </p:nvSpPr>
+        <p:spPr>
+          <a:xfrm>
+            <a:off x="5369441" y="1233378"/>
+            <a:ext cx="5441285" cy="2364964"/>
+          </a:xfrm>
+        </p:spPr>
+        <p:txBody>
+          <a:bodyPr vert="horz" lIns="91440" tIns="45720" rIns="91440" bIns="45720" rtlCol="0" anchor="b">
+            <a:normAutofit/>
+          </a:bodyPr>
+          <a:lstStyle/>
+          <a:p>
+            <a:pPr>
+              <a:lnSpc>
+                <a:spcPct val="90000"/>
+              </a:lnSpc>
+            </a:pPr>
+            <a:r>
+              <a:rPr lang="en-US" sz="4600"/>
+              <a:t>Mobile Application Security Verification Standard (MASVS)</a:t>
             </a:r>
           </a:p>
         </p:txBody>
@@ -14240,7 +15715,7 @@
           <p:cNvPr id="3" name="Content Placeholder 2">
             <a:extLst>
               <a:ext uri="{FF2B5EF4-FFF2-40B4-BE49-F238E27FC236}">
-                <a16:creationId xmlns:a16="http://schemas.microsoft.com/office/drawing/2014/main" id="{68D22013-4ED7-5744-02F6-BC9DB440A42C}"/>
+                <a16:creationId xmlns:a16="http://schemas.microsoft.com/office/drawing/2014/main" id="{DA56E59E-F08A-8B21-4B4D-F60FDA28AAE8}"/>
               </a:ext>
             </a:extLst>
           </p:cNvPr>
@@ -14251,19 +15726,456 @@
             <p:ph idx="1"/>
           </p:nvPr>
         </p:nvSpPr>
-        <p:spPr/>
+        <p:spPr>
+          <a:xfrm>
+            <a:off x="5369441" y="3598339"/>
+            <a:ext cx="5441286" cy="1675335"/>
+          </a:xfrm>
+        </p:spPr>
         <p:txBody>
-          <a:bodyPr/>
+          <a:bodyPr vert="horz" lIns="91440" tIns="45720" rIns="91440" bIns="45720" rtlCol="0" anchor="t">
+            <a:normAutofit/>
+          </a:bodyPr>
           <a:lstStyle/>
           <a:p>
-            <a:endParaRPr lang="en-US"/>
+            <a:pPr marL="0" indent="0" algn="ctr">
+              <a:buNone/>
+            </a:pPr>
+            <a:r>
+              <a:rPr lang="en-US">
+                <a:solidFill>
+                  <a:schemeClr val="tx1"/>
+                </a:solidFill>
+                <a:hlinkClick r:id="rId4"/>
+              </a:rPr>
+              <a:t>https://github.com/OWASP/owasp-masvs/</a:t>
+            </a:r>
+            <a:endParaRPr lang="en-US" dirty="0">
+              <a:solidFill>
+                <a:schemeClr val="tx1"/>
+              </a:solidFill>
+            </a:endParaRPr>
           </a:p>
         </p:txBody>
       </p:sp>
+      <p:pic>
+        <p:nvPicPr>
+          <p:cNvPr id="9" name="Picture 11">
+            <a:extLst>
+              <a:ext uri="{FF2B5EF4-FFF2-40B4-BE49-F238E27FC236}">
+                <a16:creationId xmlns:a16="http://schemas.microsoft.com/office/drawing/2014/main" id="{76AAFF90-89E1-46D5-B8B5-3BFDBB92D867}"/>
+              </a:ext>
+              <a:ext uri="{C183D7F6-B498-43B3-948B-1728B52AA6E4}">
+                <adec:decorative xmlns:adec="http://schemas.microsoft.com/office/drawing/2017/decorative" val="1"/>
+              </a:ext>
+            </a:extLst>
+          </p:cNvPr>
+          <p:cNvPicPr>
+            <a:picLocks noGrp="1" noRot="1" noChangeAspect="1" noMove="1" noResize="1" noEditPoints="1" noAdjustHandles="1" noChangeArrowheads="1" noChangeShapeType="1" noCrop="1"/>
+          </p:cNvPicPr>
+          <p:nvPr>
+            <p:extLst>
+              <p:ext uri="{386F3935-93C4-4BCD-93E2-E3B085C9AB24}">
+                <p16:designElem xmlns:p16="http://schemas.microsoft.com/office/powerpoint/2015/main" val="1"/>
+              </p:ext>
+            </p:extLst>
+          </p:nvPr>
+        </p:nvPicPr>
+        <p:blipFill rotWithShape="1">
+          <a:blip r:embed="rId5">
+            <a:extLst>
+              <a:ext uri="{28A0092B-C50C-407E-A947-70E740481C1C}">
+                <a14:useLocalDpi xmlns:a14="http://schemas.microsoft.com/office/drawing/2010/main" val="0"/>
+              </a:ext>
+            </a:extLst>
+          </a:blip>
+          <a:srcRect t="964" r="2807" b="1446"/>
+          <a:stretch/>
+        </p:blipFill>
+        <p:spPr>
+          <a:xfrm>
+            <a:off x="-10649" y="1"/>
+            <a:ext cx="4690532" cy="6858000"/>
+          </a:xfrm>
+          <a:prstGeom prst="rect">
+            <a:avLst/>
+          </a:prstGeom>
+        </p:spPr>
+      </p:pic>
+      <p:pic>
+        <p:nvPicPr>
+          <p:cNvPr id="7" name="Graphic 6" descr="Direction">
+            <a:extLst>
+              <a:ext uri="{FF2B5EF4-FFF2-40B4-BE49-F238E27FC236}">
+                <a16:creationId xmlns:a16="http://schemas.microsoft.com/office/drawing/2014/main" id="{269235DE-5326-FB0A-0A9E-47ADA26E6207}"/>
+              </a:ext>
+            </a:extLst>
+          </p:cNvPr>
+          <p:cNvPicPr>
+            <a:picLocks noChangeAspect="1"/>
+          </p:cNvPicPr>
+          <p:nvPr/>
+        </p:nvPicPr>
+        <p:blipFill>
+          <a:blip r:embed="rId6">
+            <a:extLst>
+              <a:ext uri="{28A0092B-C50C-407E-A947-70E740481C1C}">
+                <a14:useLocalDpi xmlns:a14="http://schemas.microsoft.com/office/drawing/2010/main" val="0"/>
+              </a:ext>
+              <a:ext uri="{96DAC541-7B7A-43D3-8B79-37D633B846F1}">
+                <asvg:svgBlip xmlns:asvg="http://schemas.microsoft.com/office/drawing/2016/SVG/main" r:embed="rId7"/>
+              </a:ext>
+            </a:extLst>
+          </a:blip>
+          <a:stretch>
+            <a:fillRect/>
+          </a:stretch>
+        </p:blipFill>
+        <p:spPr>
+          <a:xfrm>
+            <a:off x="643339" y="1427660"/>
+            <a:ext cx="3551912" cy="3551912"/>
+          </a:xfrm>
+          <a:prstGeom prst="rect">
+            <a:avLst/>
+          </a:prstGeom>
+        </p:spPr>
+      </p:pic>
     </p:spTree>
     <p:extLst>
       <p:ext uri="{BB962C8B-B14F-4D97-AF65-F5344CB8AC3E}">
-        <p14:creationId xmlns:p14="http://schemas.microsoft.com/office/powerpoint/2010/main" val="1621511944"/>
+        <p14:creationId xmlns:p14="http://schemas.microsoft.com/office/powerpoint/2010/main" val="3952445570"/>
+      </p:ext>
+    </p:extLst>
+  </p:cSld>
+  <p:clrMapOvr>
+    <a:masterClrMapping/>
+  </p:clrMapOvr>
+  <p:timing>
+    <p:tnLst>
+      <p:par>
+        <p:cTn id="1" dur="indefinite" restart="never" nodeType="tmRoot">
+          <p:childTnLst>
+            <p:seq concurrent="1" nextAc="seek">
+              <p:cTn id="2" dur="indefinite" nodeType="mainSeq">
+                <p:childTnLst>
+                  <p:par>
+                    <p:cTn id="3" fill="hold">
+                      <p:stCondLst>
+                        <p:cond delay="indefinite"/>
+                        <p:cond evt="onBegin" delay="0">
+                          <p:tn val="2"/>
+                        </p:cond>
+                      </p:stCondLst>
+                      <p:childTnLst>
+                        <p:par>
+                          <p:cTn id="4" fill="hold">
+                            <p:stCondLst>
+                              <p:cond delay="0"/>
+                            </p:stCondLst>
+                            <p:childTnLst>
+                              <p:par>
+                                <p:cTn id="5" presetID="10" presetClass="entr" presetSubtype="0" fill="hold" nodeType="withEffect">
+                                  <p:stCondLst>
+                                    <p:cond delay="500"/>
+                                  </p:stCondLst>
+                                  <p:iterate>
+                                    <p:tmPct val="10000"/>
+                                  </p:iterate>
+                                  <p:childTnLst>
+                                    <p:set>
+                                      <p:cBhvr>
+                                        <p:cTn id="6" dur="1" fill="hold">
+                                          <p:stCondLst>
+                                            <p:cond delay="0"/>
+                                          </p:stCondLst>
+                                        </p:cTn>
+                                        <p:tgtEl>
+                                          <p:spTgt spid="7"/>
+                                        </p:tgtEl>
+                                        <p:attrNameLst>
+                                          <p:attrName>style.visibility</p:attrName>
+                                        </p:attrNameLst>
+                                      </p:cBhvr>
+                                      <p:to>
+                                        <p:strVal val="visible"/>
+                                      </p:to>
+                                    </p:set>
+                                    <p:animEffect transition="in" filter="fade">
+                                      <p:cBhvr>
+                                        <p:cTn id="7" dur="700"/>
+                                        <p:tgtEl>
+                                          <p:spTgt spid="7"/>
+                                        </p:tgtEl>
+                                      </p:cBhvr>
+                                    </p:animEffect>
+                                  </p:childTnLst>
+                                </p:cTn>
+                              </p:par>
+                              <p:par>
+                                <p:cTn id="8" presetID="10" presetClass="entr" presetSubtype="0" fill="hold" grpId="0" nodeType="withEffect">
+                                  <p:stCondLst>
+                                    <p:cond delay="1000"/>
+                                  </p:stCondLst>
+                                  <p:iterate>
+                                    <p:tmPct val="10000"/>
+                                  </p:iterate>
+                                  <p:childTnLst>
+                                    <p:set>
+                                      <p:cBhvr>
+                                        <p:cTn id="9" dur="1" fill="hold">
+                                          <p:stCondLst>
+                                            <p:cond delay="0"/>
+                                          </p:stCondLst>
+                                        </p:cTn>
+                                        <p:tgtEl>
+                                          <p:spTgt spid="2"/>
+                                        </p:tgtEl>
+                                        <p:attrNameLst>
+                                          <p:attrName>style.visibility</p:attrName>
+                                        </p:attrNameLst>
+                                      </p:cBhvr>
+                                      <p:to>
+                                        <p:strVal val="visible"/>
+                                      </p:to>
+                                    </p:set>
+                                    <p:animEffect transition="in" filter="fade">
+                                      <p:cBhvr>
+                                        <p:cTn id="10" dur="700"/>
+                                        <p:tgtEl>
+                                          <p:spTgt spid="2"/>
+                                        </p:tgtEl>
+                                      </p:cBhvr>
+                                    </p:animEffect>
+                                  </p:childTnLst>
+                                </p:cTn>
+                              </p:par>
+                            </p:childTnLst>
+                          </p:cTn>
+                        </p:par>
+                      </p:childTnLst>
+                    </p:cTn>
+                  </p:par>
+                </p:childTnLst>
+              </p:cTn>
+              <p:prevCondLst>
+                <p:cond evt="onPrev" delay="0">
+                  <p:tgtEl>
+                    <p:sldTgt/>
+                  </p:tgtEl>
+                </p:cond>
+              </p:prevCondLst>
+              <p:nextCondLst>
+                <p:cond evt="onNext" delay="0">
+                  <p:tgtEl>
+                    <p:sldTgt/>
+                  </p:tgtEl>
+                </p:cond>
+              </p:nextCondLst>
+            </p:seq>
+          </p:childTnLst>
+        </p:cTn>
+      </p:par>
+    </p:tnLst>
+    <p:bldLst>
+      <p:bldP spid="2" grpId="0"/>
+    </p:bldLst>
+  </p:timing>
+</p:sld>
+</file>
+
+<file path=ppt/slides/slide2.xml><?xml version="1.0" encoding="utf-8"?>
+<p:sld xmlns:a="http://schemas.openxmlformats.org/drawingml/2006/main" xmlns:r="http://schemas.openxmlformats.org/officeDocument/2006/relationships" xmlns:p="http://schemas.openxmlformats.org/presentationml/2006/main">
+  <p:cSld>
+    <p:bg>
+      <p:bgPr>
+        <a:blipFill rotWithShape="1">
+          <a:blip r:embed="rId2">
+            <a:duotone>
+              <a:schemeClr val="bg2">
+                <a:shade val="80000"/>
+                <a:lumMod val="80000"/>
+              </a:schemeClr>
+              <a:schemeClr val="bg2">
+                <a:tint val="98000"/>
+              </a:schemeClr>
+            </a:duotone>
+          </a:blip>
+          <a:stretch/>
+        </a:blipFill>
+        <a:effectLst/>
+      </p:bgPr>
+    </p:bg>
+    <p:spTree>
+      <p:nvGrpSpPr>
+        <p:cNvPr id="1" name=""/>
+        <p:cNvGrpSpPr/>
+        <p:nvPr/>
+      </p:nvGrpSpPr>
+      <p:grpSpPr>
+        <a:xfrm>
+          <a:off x="0" y="0"/>
+          <a:ext cx="0" cy="0"/>
+          <a:chOff x="0" y="0"/>
+          <a:chExt cx="0" cy="0"/>
+        </a:xfrm>
+      </p:grpSpPr>
+      <p:sp useBgFill="1">
+        <p:nvSpPr>
+          <p:cNvPr id="4" name="Rectangle 6">
+            <a:extLst>
+              <a:ext uri="{FF2B5EF4-FFF2-40B4-BE49-F238E27FC236}">
+                <a16:creationId xmlns:a16="http://schemas.microsoft.com/office/drawing/2014/main" id="{DAB482FD-C684-4DAA-AC4C-1739F51A98A0}"/>
+              </a:ext>
+              <a:ext uri="{C183D7F6-B498-43B3-948B-1728B52AA6E4}">
+                <adec:decorative xmlns:adec="http://schemas.microsoft.com/office/drawing/2017/decorative" val="1"/>
+              </a:ext>
+            </a:extLst>
+          </p:cNvPr>
+          <p:cNvSpPr>
+            <a:spLocks noGrp="1" noRot="1" noChangeAspect="1" noMove="1" noResize="1" noEditPoints="1" noAdjustHandles="1" noChangeArrowheads="1" noChangeShapeType="1" noTextEdit="1"/>
+          </p:cNvSpPr>
+          <p:nvPr>
+            <p:extLst>
+              <p:ext uri="{386F3935-93C4-4BCD-93E2-E3B085C9AB24}">
+                <p16:designElem xmlns:p16="http://schemas.microsoft.com/office/powerpoint/2015/main" val="1"/>
+              </p:ext>
+            </p:extLst>
+          </p:nvPr>
+        </p:nvSpPr>
+        <p:spPr>
+          <a:xfrm>
+            <a:off x="0" y="0"/>
+            <a:ext cx="12192000" cy="6858000"/>
+          </a:xfrm>
+          <a:prstGeom prst="rect">
+            <a:avLst/>
+          </a:prstGeom>
+          <a:ln>
+            <a:noFill/>
+          </a:ln>
+        </p:spPr>
+        <p:style>
+          <a:lnRef idx="2">
+            <a:schemeClr val="accent1">
+              <a:shade val="50000"/>
+            </a:schemeClr>
+          </a:lnRef>
+          <a:fillRef idx="1">
+            <a:schemeClr val="accent1"/>
+          </a:fillRef>
+          <a:effectRef idx="0">
+            <a:schemeClr val="accent1"/>
+          </a:effectRef>
+          <a:fontRef idx="minor">
+            <a:schemeClr val="lt1"/>
+          </a:fontRef>
+        </p:style>
+        <p:txBody>
+          <a:bodyPr rtlCol="0" anchor="ctr"/>
+          <a:lstStyle/>
+          <a:p>
+            <a:pPr algn="ctr"/>
+            <a:endParaRPr lang="en-US"/>
+          </a:p>
+        </p:txBody>
+      </p:sp>
+      <p:sp>
+        <p:nvSpPr>
+          <p:cNvPr id="2" name="Title 1">
+            <a:extLst>
+              <a:ext uri="{FF2B5EF4-FFF2-40B4-BE49-F238E27FC236}">
+                <a16:creationId xmlns:a16="http://schemas.microsoft.com/office/drawing/2014/main" id="{4F68AD2C-B46D-FA8F-1E07-13A75AF50670}"/>
+              </a:ext>
+            </a:extLst>
+          </p:cNvPr>
+          <p:cNvSpPr>
+            <a:spLocks noGrp="1"/>
+          </p:cNvSpPr>
+          <p:nvPr>
+            <p:ph type="title"/>
+          </p:nvPr>
+        </p:nvSpPr>
+        <p:spPr>
+          <a:xfrm>
+            <a:off x="5139236" y="1097280"/>
+            <a:ext cx="6043875" cy="4626864"/>
+          </a:xfrm>
+        </p:spPr>
+        <p:txBody>
+          <a:bodyPr vert="horz" lIns="91440" tIns="45720" rIns="91440" bIns="45720" rtlCol="0" anchor="ctr">
+            <a:normAutofit/>
+          </a:bodyPr>
+          <a:lstStyle/>
+          <a:p>
+            <a:pPr algn="l"/>
+            <a:r>
+              <a:rPr lang="en-US" sz="5400" dirty="0"/>
+              <a:t>D</a:t>
+            </a:r>
+            <a:r>
+              <a:rPr lang="en-US" sz="5400" b="0" i="0" dirty="0"/>
+              <a:t>ay 2 Recap</a:t>
+            </a:r>
+          </a:p>
+        </p:txBody>
+      </p:sp>
+      <p:cxnSp>
+        <p:nvCxnSpPr>
+          <p:cNvPr id="5" name="Straight Connector 8">
+            <a:extLst>
+              <a:ext uri="{FF2B5EF4-FFF2-40B4-BE49-F238E27FC236}">
+                <a16:creationId xmlns:a16="http://schemas.microsoft.com/office/drawing/2014/main" id="{2DAA738B-EDF5-4694-B25A-3488245BC87C}"/>
+              </a:ext>
+              <a:ext uri="{C183D7F6-B498-43B3-948B-1728B52AA6E4}">
+                <adec:decorative xmlns:adec="http://schemas.microsoft.com/office/drawing/2017/decorative" val="1"/>
+              </a:ext>
+            </a:extLst>
+          </p:cNvPr>
+          <p:cNvCxnSpPr>
+            <a:cxnSpLocks noGrp="1" noRot="1" noChangeAspect="1" noMove="1" noResize="1" noEditPoints="1" noAdjustHandles="1" noChangeArrowheads="1" noChangeShapeType="1"/>
+          </p:cNvCxnSpPr>
+          <p:nvPr>
+            <p:extLst>
+              <p:ext uri="{386F3935-93C4-4BCD-93E2-E3B085C9AB24}">
+                <p16:designElem xmlns:p16="http://schemas.microsoft.com/office/powerpoint/2015/main" val="1"/>
+              </p:ext>
+            </p:extLst>
+          </p:nvPr>
+        </p:nvCxnSpPr>
+        <p:spPr>
+          <a:xfrm>
+            <a:off x="4654605" y="2057399"/>
+            <a:ext cx="0" cy="2743200"/>
+          </a:xfrm>
+          <a:prstGeom prst="line">
+            <a:avLst/>
+          </a:prstGeom>
+          <a:ln w="19050">
+            <a:solidFill>
+              <a:schemeClr val="tx2"/>
+            </a:solidFill>
+          </a:ln>
+        </p:spPr>
+        <p:style>
+          <a:lnRef idx="1">
+            <a:schemeClr val="accent1"/>
+          </a:lnRef>
+          <a:fillRef idx="0">
+            <a:schemeClr val="accent1"/>
+          </a:fillRef>
+          <a:effectRef idx="0">
+            <a:schemeClr val="accent1"/>
+          </a:effectRef>
+          <a:fontRef idx="minor">
+            <a:schemeClr val="tx1"/>
+          </a:fontRef>
+        </p:style>
+      </p:cxnSp>
+    </p:spTree>
+    <p:extLst>
+      <p:ext uri="{BB962C8B-B14F-4D97-AF65-F5344CB8AC3E}">
+        <p14:creationId xmlns:p14="http://schemas.microsoft.com/office/powerpoint/2010/main" val="3013550915"/>
       </p:ext>
     </p:extLst>
   </p:cSld>
@@ -14273,7 +16185,319 @@
 </p:sld>
 </file>
 
-<file path=ppt/slides/slide8.xml><?xml version="1.0" encoding="utf-8"?>
+<file path=ppt/slides/slide20.xml><?xml version="1.0" encoding="utf-8"?>
+<p:sld xmlns:a="http://schemas.openxmlformats.org/drawingml/2006/main" xmlns:r="http://schemas.openxmlformats.org/officeDocument/2006/relationships" xmlns:p="http://schemas.openxmlformats.org/presentationml/2006/main">
+  <p:cSld>
+    <p:bg>
+      <p:bgPr>
+        <a:blipFill rotWithShape="1">
+          <a:blip r:embed="rId2">
+            <a:duotone>
+              <a:schemeClr val="bg2">
+                <a:shade val="80000"/>
+                <a:lumMod val="80000"/>
+              </a:schemeClr>
+              <a:schemeClr val="bg2">
+                <a:tint val="98000"/>
+              </a:schemeClr>
+            </a:duotone>
+          </a:blip>
+          <a:stretch/>
+        </a:blipFill>
+        <a:effectLst/>
+      </p:bgPr>
+    </p:bg>
+    <p:spTree>
+      <p:nvGrpSpPr>
+        <p:cNvPr id="1" name=""/>
+        <p:cNvGrpSpPr/>
+        <p:nvPr/>
+      </p:nvGrpSpPr>
+      <p:grpSpPr>
+        <a:xfrm>
+          <a:off x="0" y="0"/>
+          <a:ext cx="0" cy="0"/>
+          <a:chOff x="0" y="0"/>
+          <a:chExt cx="0" cy="0"/>
+        </a:xfrm>
+      </p:grpSpPr>
+      <p:pic>
+        <p:nvPicPr>
+          <p:cNvPr id="4" name="Picture 3" descr="A black text on a white background&#10;&#10;Description automatically generated with low confidence">
+            <a:extLst>
+              <a:ext uri="{FF2B5EF4-FFF2-40B4-BE49-F238E27FC236}">
+                <a16:creationId xmlns:a16="http://schemas.microsoft.com/office/drawing/2014/main" id="{3B4FE9B7-1332-6316-4CED-48B8A7C69EFE}"/>
+              </a:ext>
+            </a:extLst>
+          </p:cNvPr>
+          <p:cNvPicPr>
+            <a:picLocks noChangeAspect="1"/>
+          </p:cNvPicPr>
+          <p:nvPr/>
+        </p:nvPicPr>
+        <p:blipFill rotWithShape="1">
+          <a:blip r:embed="rId3"/>
+          <a:srcRect l="2035" r="5075" b="-1"/>
+          <a:stretch/>
+        </p:blipFill>
+        <p:spPr>
+          <a:xfrm>
+            <a:off x="20" y="10"/>
+            <a:ext cx="12191980" cy="6857990"/>
+          </a:xfrm>
+          <a:prstGeom prst="rect">
+            <a:avLst/>
+          </a:prstGeom>
+        </p:spPr>
+      </p:pic>
+    </p:spTree>
+    <p:extLst>
+      <p:ext uri="{BB962C8B-B14F-4D97-AF65-F5344CB8AC3E}">
+        <p14:creationId xmlns:p14="http://schemas.microsoft.com/office/powerpoint/2010/main" val="3660667821"/>
+      </p:ext>
+    </p:extLst>
+  </p:cSld>
+  <p:clrMapOvr>
+    <a:masterClrMapping/>
+  </p:clrMapOvr>
+</p:sld>
+</file>
+
+<file path=ppt/slides/slide21.xml><?xml version="1.0" encoding="utf-8"?>
+<p:sld xmlns:a="http://schemas.openxmlformats.org/drawingml/2006/main" xmlns:r="http://schemas.openxmlformats.org/officeDocument/2006/relationships" xmlns:p="http://schemas.openxmlformats.org/presentationml/2006/main">
+  <p:cSld>
+    <p:bg>
+      <p:bgPr>
+        <a:solidFill>
+          <a:schemeClr val="bg1"/>
+        </a:solidFill>
+        <a:effectLst/>
+      </p:bgPr>
+    </p:bg>
+    <p:spTree>
+      <p:nvGrpSpPr>
+        <p:cNvPr id="1" name=""/>
+        <p:cNvGrpSpPr/>
+        <p:nvPr/>
+      </p:nvGrpSpPr>
+      <p:grpSpPr>
+        <a:xfrm>
+          <a:off x="0" y="0"/>
+          <a:ext cx="0" cy="0"/>
+          <a:chOff x="0" y="0"/>
+          <a:chExt cx="0" cy="0"/>
+        </a:xfrm>
+      </p:grpSpPr>
+      <p:sp>
+        <p:nvSpPr>
+          <p:cNvPr id="19" name="Rectangle 18">
+            <a:extLst>
+              <a:ext uri="{FF2B5EF4-FFF2-40B4-BE49-F238E27FC236}">
+                <a16:creationId xmlns:a16="http://schemas.microsoft.com/office/drawing/2014/main" id="{8E482A67-6CD8-49D7-9F85-52ECF99152D0}"/>
+              </a:ext>
+              <a:ext uri="{C183D7F6-B498-43B3-948B-1728B52AA6E4}">
+                <adec:decorative xmlns:adec="http://schemas.microsoft.com/office/drawing/2017/decorative" val="1"/>
+              </a:ext>
+            </a:extLst>
+          </p:cNvPr>
+          <p:cNvSpPr>
+            <a:spLocks noGrp="1" noRot="1" noChangeAspect="1" noMove="1" noResize="1" noEditPoints="1" noAdjustHandles="1" noChangeArrowheads="1" noChangeShapeType="1" noTextEdit="1"/>
+          </p:cNvSpPr>
+          <p:nvPr>
+            <p:extLst>
+              <p:ext uri="{386F3935-93C4-4BCD-93E2-E3B085C9AB24}">
+                <p16:designElem xmlns:p16="http://schemas.microsoft.com/office/powerpoint/2015/main" val="1"/>
+              </p:ext>
+            </p:extLst>
+          </p:nvPr>
+        </p:nvSpPr>
+        <p:spPr>
+          <a:xfrm>
+            <a:off x="0" y="0"/>
+            <a:ext cx="12192000" cy="6858000"/>
+          </a:xfrm>
+          <a:prstGeom prst="rect">
+            <a:avLst/>
+          </a:prstGeom>
+          <a:ln>
+            <a:noFill/>
+          </a:ln>
+        </p:spPr>
+        <p:style>
+          <a:lnRef idx="2">
+            <a:schemeClr val="accent1">
+              <a:shade val="50000"/>
+            </a:schemeClr>
+          </a:lnRef>
+          <a:fillRef idx="1003">
+            <a:schemeClr val="dk2"/>
+          </a:fillRef>
+          <a:effectRef idx="0">
+            <a:schemeClr val="accent1"/>
+          </a:effectRef>
+          <a:fontRef idx="minor">
+            <a:schemeClr val="lt1"/>
+          </a:fontRef>
+        </p:style>
+        <p:txBody>
+          <a:bodyPr rtlCol="0" anchor="ctr"/>
+          <a:lstStyle/>
+          <a:p>
+            <a:pPr algn="ctr"/>
+            <a:endParaRPr lang="en-US"/>
+          </a:p>
+        </p:txBody>
+      </p:sp>
+      <p:sp>
+        <p:nvSpPr>
+          <p:cNvPr id="10" name="Title 9">
+            <a:extLst>
+              <a:ext uri="{FF2B5EF4-FFF2-40B4-BE49-F238E27FC236}">
+                <a16:creationId xmlns:a16="http://schemas.microsoft.com/office/drawing/2014/main" id="{F8ADED2D-0D5A-6A00-9FA4-4D608733599F}"/>
+              </a:ext>
+            </a:extLst>
+          </p:cNvPr>
+          <p:cNvSpPr>
+            <a:spLocks noGrp="1"/>
+          </p:cNvSpPr>
+          <p:nvPr>
+            <p:ph type="title"/>
+          </p:nvPr>
+        </p:nvSpPr>
+        <p:spPr>
+          <a:xfrm>
+            <a:off x="8094617" y="965196"/>
+            <a:ext cx="3137262" cy="2633146"/>
+          </a:xfrm>
+        </p:spPr>
+        <p:txBody>
+          <a:bodyPr vert="horz" lIns="91440" tIns="45720" rIns="91440" bIns="45720" rtlCol="0" anchor="b">
+            <a:normAutofit/>
+          </a:bodyPr>
+          <a:lstStyle/>
+          <a:p>
+            <a:r>
+              <a:rPr lang="en-US" sz="3700">
+                <a:solidFill>
+                  <a:srgbClr val="DADADA"/>
+                </a:solidFill>
+              </a:rPr>
+              <a:t>NIST Cybersecurity Framework</a:t>
+            </a:r>
+          </a:p>
+        </p:txBody>
+      </p:sp>
+      <p:sp>
+        <p:nvSpPr>
+          <p:cNvPr id="21" name="Rectangle 20">
+            <a:extLst>
+              <a:ext uri="{FF2B5EF4-FFF2-40B4-BE49-F238E27FC236}">
+                <a16:creationId xmlns:a16="http://schemas.microsoft.com/office/drawing/2014/main" id="{418F941B-B7E9-44F2-9A2C-5D35ACF9A678}"/>
+              </a:ext>
+              <a:ext uri="{C183D7F6-B498-43B3-948B-1728B52AA6E4}">
+                <adec:decorative xmlns:adec="http://schemas.microsoft.com/office/drawing/2017/decorative" val="1"/>
+              </a:ext>
+            </a:extLst>
+          </p:cNvPr>
+          <p:cNvSpPr>
+            <a:spLocks noGrp="1" noRot="1" noChangeAspect="1" noMove="1" noResize="1" noEditPoints="1" noAdjustHandles="1" noChangeArrowheads="1" noChangeShapeType="1" noTextEdit="1"/>
+          </p:cNvSpPr>
+          <p:nvPr>
+            <p:extLst>
+              <p:ext uri="{386F3935-93C4-4BCD-93E2-E3B085C9AB24}">
+                <p16:designElem xmlns:p16="http://schemas.microsoft.com/office/powerpoint/2015/main" val="1"/>
+              </p:ext>
+            </p:extLst>
+          </p:nvPr>
+        </p:nvSpPr>
+        <p:spPr>
+          <a:xfrm>
+            <a:off x="950614" y="965196"/>
+            <a:ext cx="6476539" cy="4781641"/>
+          </a:xfrm>
+          <a:prstGeom prst="rect">
+            <a:avLst/>
+          </a:prstGeom>
+          <a:solidFill>
+            <a:schemeClr val="bg1"/>
+          </a:solidFill>
+          <a:ln w="190500">
+            <a:solidFill>
+              <a:srgbClr val="FFFFFF">
+                <a:alpha val="7000"/>
+              </a:srgbClr>
+            </a:solidFill>
+          </a:ln>
+        </p:spPr>
+        <p:style>
+          <a:lnRef idx="2">
+            <a:schemeClr val="accent1">
+              <a:shade val="50000"/>
+            </a:schemeClr>
+          </a:lnRef>
+          <a:fillRef idx="1">
+            <a:schemeClr val="accent1"/>
+          </a:fillRef>
+          <a:effectRef idx="0">
+            <a:schemeClr val="accent1"/>
+          </a:effectRef>
+          <a:fontRef idx="minor">
+            <a:schemeClr val="lt1"/>
+          </a:fontRef>
+        </p:style>
+        <p:txBody>
+          <a:bodyPr rtlCol="0" anchor="ctr"/>
+          <a:lstStyle/>
+          <a:p>
+            <a:pPr algn="ctr"/>
+            <a:endParaRPr lang="en-US"/>
+          </a:p>
+        </p:txBody>
+      </p:sp>
+      <p:pic>
+        <p:nvPicPr>
+          <p:cNvPr id="14" name="Picture 13" descr="A picture containing text, screenshot, font, design&#10;&#10;Description automatically generated">
+            <a:extLst>
+              <a:ext uri="{FF2B5EF4-FFF2-40B4-BE49-F238E27FC236}">
+                <a16:creationId xmlns:a16="http://schemas.microsoft.com/office/drawing/2014/main" id="{50E7C093-FFA8-1ED0-3D8A-7C195563CE25}"/>
+              </a:ext>
+            </a:extLst>
+          </p:cNvPr>
+          <p:cNvPicPr>
+            <a:picLocks noChangeAspect="1"/>
+          </p:cNvPicPr>
+          <p:nvPr/>
+        </p:nvPicPr>
+        <p:blipFill>
+          <a:blip r:embed="rId2"/>
+          <a:stretch>
+            <a:fillRect/>
+          </a:stretch>
+        </p:blipFill>
+        <p:spPr>
+          <a:xfrm>
+            <a:off x="1771901" y="1438360"/>
+            <a:ext cx="4779207" cy="3835314"/>
+          </a:xfrm>
+          <a:prstGeom prst="rect">
+            <a:avLst/>
+          </a:prstGeom>
+        </p:spPr>
+      </p:pic>
+    </p:spTree>
+    <p:extLst>
+      <p:ext uri="{BB962C8B-B14F-4D97-AF65-F5344CB8AC3E}">
+        <p14:creationId xmlns:p14="http://schemas.microsoft.com/office/powerpoint/2010/main" val="907170250"/>
+      </p:ext>
+    </p:extLst>
+  </p:cSld>
+  <p:clrMapOvr>
+    <a:overrideClrMapping bg1="lt1" tx1="dk1" bg2="lt2" tx2="dk2" accent1="accent1" accent2="accent2" accent3="accent3" accent4="accent4" accent5="accent5" accent6="accent6" hlink="hlink" folHlink="folHlink"/>
+  </p:clrMapOvr>
+</p:sld>
+</file>
+
+<file path=ppt/slides/slide22.xml><?xml version="1.0" encoding="utf-8"?>
 <p:sld xmlns:a="http://schemas.openxmlformats.org/drawingml/2006/main" xmlns:r="http://schemas.openxmlformats.org/officeDocument/2006/relationships" xmlns:p="http://schemas.openxmlformats.org/presentationml/2006/main">
   <p:cSld>
     <p:bg>
@@ -14339,8 +16563,8 @@
           <a:p>
             <a:pPr algn="l"/>
             <a:r>
-              <a:rPr lang="en-US" sz="4200"/>
-              <a:t>10 minute break</a:t>
+              <a:rPr lang="en-US" sz="4200" dirty="0"/>
+              <a:t>10-minute break</a:t>
             </a:r>
           </a:p>
         </p:txBody>
@@ -14475,7 +16699,7 @@
 </p:sld>
 </file>
 
-<file path=ppt/slides/slide9.xml><?xml version="1.0" encoding="utf-8"?>
+<file path=ppt/slides/slide23.xml><?xml version="1.0" encoding="utf-8"?>
 <p:sld xmlns:a="http://schemas.openxmlformats.org/drawingml/2006/main" xmlns:r="http://schemas.openxmlformats.org/officeDocument/2006/relationships" xmlns:p="http://schemas.openxmlformats.org/presentationml/2006/main">
   <p:cSld>
     <p:bg>
@@ -14585,6 +16809,1405 @@
     <p:extLst>
       <p:ext uri="{BB962C8B-B14F-4D97-AF65-F5344CB8AC3E}">
         <p14:creationId xmlns:p14="http://schemas.microsoft.com/office/powerpoint/2010/main" val="370590328"/>
+      </p:ext>
+    </p:extLst>
+  </p:cSld>
+  <p:clrMapOvr>
+    <a:masterClrMapping/>
+  </p:clrMapOvr>
+</p:sld>
+</file>
+
+<file path=ppt/slides/slide24.xml><?xml version="1.0" encoding="utf-8"?>
+<p:sld xmlns:a="http://schemas.openxmlformats.org/drawingml/2006/main" xmlns:r="http://schemas.openxmlformats.org/officeDocument/2006/relationships" xmlns:p="http://schemas.openxmlformats.org/presentationml/2006/main">
+  <p:cSld>
+    <p:bg>
+      <p:bgPr>
+        <a:blipFill rotWithShape="1">
+          <a:blip r:embed="rId2">
+            <a:duotone>
+              <a:schemeClr val="bg1">
+                <a:shade val="80000"/>
+                <a:lumMod val="80000"/>
+              </a:schemeClr>
+              <a:schemeClr val="bg1">
+                <a:tint val="98000"/>
+              </a:schemeClr>
+            </a:duotone>
+          </a:blip>
+          <a:stretch/>
+        </a:blipFill>
+        <a:effectLst/>
+      </p:bgPr>
+    </p:bg>
+    <p:spTree>
+      <p:nvGrpSpPr>
+        <p:cNvPr id="1" name=""/>
+        <p:cNvGrpSpPr/>
+        <p:nvPr/>
+      </p:nvGrpSpPr>
+      <p:grpSpPr>
+        <a:xfrm>
+          <a:off x="0" y="0"/>
+          <a:ext cx="0" cy="0"/>
+          <a:chOff x="0" y="0"/>
+          <a:chExt cx="0" cy="0"/>
+        </a:xfrm>
+      </p:grpSpPr>
+      <p:pic>
+        <p:nvPicPr>
+          <p:cNvPr id="4" name="Picture 3">
+            <a:extLst>
+              <a:ext uri="{FF2B5EF4-FFF2-40B4-BE49-F238E27FC236}">
+                <a16:creationId xmlns:a16="http://schemas.microsoft.com/office/drawing/2014/main" id="{72FB41A9-A395-49B7-67FB-1B721D61D774}"/>
+              </a:ext>
+            </a:extLst>
+          </p:cNvPr>
+          <p:cNvPicPr>
+            <a:picLocks noChangeAspect="1"/>
+          </p:cNvPicPr>
+          <p:nvPr/>
+        </p:nvPicPr>
+        <p:blipFill rotWithShape="1">
+          <a:blip r:embed="rId3">
+            <a:alphaModFix amt="35000"/>
+          </a:blip>
+          <a:srcRect t="22197" b="16328"/>
+          <a:stretch/>
+        </p:blipFill>
+        <p:spPr>
+          <a:xfrm>
+            <a:off x="20" y="10"/>
+            <a:ext cx="12191980" cy="6857990"/>
+          </a:xfrm>
+          <a:prstGeom prst="rect">
+            <a:avLst/>
+          </a:prstGeom>
+        </p:spPr>
+      </p:pic>
+      <p:sp>
+        <p:nvSpPr>
+          <p:cNvPr id="2" name="Title 1">
+            <a:extLst>
+              <a:ext uri="{FF2B5EF4-FFF2-40B4-BE49-F238E27FC236}">
+                <a16:creationId xmlns:a16="http://schemas.microsoft.com/office/drawing/2014/main" id="{1325A63D-9015-F666-B15A-F5E3B102B45E}"/>
+              </a:ext>
+            </a:extLst>
+          </p:cNvPr>
+          <p:cNvSpPr>
+            <a:spLocks noGrp="1"/>
+          </p:cNvSpPr>
+          <p:nvPr>
+            <p:ph type="title"/>
+          </p:nvPr>
+        </p:nvSpPr>
+        <p:spPr>
+          <a:xfrm>
+            <a:off x="1370693" y="1769540"/>
+            <a:ext cx="9440034" cy="1828801"/>
+          </a:xfrm>
+        </p:spPr>
+        <p:txBody>
+          <a:bodyPr vert="horz" lIns="91440" tIns="45720" rIns="91440" bIns="45720" rtlCol="0" anchor="b" anchorCtr="1">
+            <a:normAutofit/>
+          </a:bodyPr>
+          <a:lstStyle/>
+          <a:p>
+            <a:r>
+              <a:rPr lang="en-US" sz="5400" dirty="0"/>
+              <a:t>Review Day 3</a:t>
+            </a:r>
+          </a:p>
+        </p:txBody>
+      </p:sp>
+    </p:spTree>
+    <p:extLst>
+      <p:ext uri="{BB962C8B-B14F-4D97-AF65-F5344CB8AC3E}">
+        <p14:creationId xmlns:p14="http://schemas.microsoft.com/office/powerpoint/2010/main" val="3300517546"/>
+      </p:ext>
+    </p:extLst>
+  </p:cSld>
+  <p:clrMapOvr>
+    <a:masterClrMapping/>
+  </p:clrMapOvr>
+</p:sld>
+</file>
+
+<file path=ppt/slides/slide25.xml><?xml version="1.0" encoding="utf-8"?>
+<p:sld xmlns:a="http://schemas.openxmlformats.org/drawingml/2006/main" xmlns:r="http://schemas.openxmlformats.org/officeDocument/2006/relationships" xmlns:p="http://schemas.openxmlformats.org/presentationml/2006/main">
+  <p:cSld>
+    <p:bg>
+      <p:bgPr>
+        <a:solidFill>
+          <a:schemeClr val="bg1">
+            <a:lumMod val="95000"/>
+          </a:schemeClr>
+        </a:solidFill>
+        <a:effectLst/>
+      </p:bgPr>
+    </p:bg>
+    <p:spTree>
+      <p:nvGrpSpPr>
+        <p:cNvPr id="1" name=""/>
+        <p:cNvGrpSpPr/>
+        <p:nvPr/>
+      </p:nvGrpSpPr>
+      <p:grpSpPr>
+        <a:xfrm>
+          <a:off x="0" y="0"/>
+          <a:ext cx="0" cy="0"/>
+          <a:chOff x="0" y="0"/>
+          <a:chExt cx="0" cy="0"/>
+        </a:xfrm>
+      </p:grpSpPr>
+      <p:pic>
+        <p:nvPicPr>
+          <p:cNvPr id="6" name="Picture 3" descr="Background pattern&#10;&#10;Description automatically generated">
+            <a:extLst>
+              <a:ext uri="{FF2B5EF4-FFF2-40B4-BE49-F238E27FC236}">
+                <a16:creationId xmlns:a16="http://schemas.microsoft.com/office/drawing/2014/main" id="{D32171E9-270F-BA0C-17D9-9525FB89BC77}"/>
+              </a:ext>
+            </a:extLst>
+          </p:cNvPr>
+          <p:cNvPicPr>
+            <a:picLocks noChangeAspect="1"/>
+          </p:cNvPicPr>
+          <p:nvPr/>
+        </p:nvPicPr>
+        <p:blipFill rotWithShape="1">
+          <a:blip r:embed="rId2"/>
+          <a:srcRect t="3334" b="12397"/>
+          <a:stretch/>
+        </p:blipFill>
+        <p:spPr>
+          <a:xfrm>
+            <a:off x="20" y="10"/>
+            <a:ext cx="12191980" cy="6857990"/>
+          </a:xfrm>
+          <a:prstGeom prst="rect">
+            <a:avLst/>
+          </a:prstGeom>
+        </p:spPr>
+      </p:pic>
+      <p:sp>
+        <p:nvSpPr>
+          <p:cNvPr id="2" name="Title 1">
+            <a:extLst>
+              <a:ext uri="{FF2B5EF4-FFF2-40B4-BE49-F238E27FC236}">
+                <a16:creationId xmlns:a16="http://schemas.microsoft.com/office/drawing/2014/main" id="{B963730F-E840-E5E0-87C0-65F532F962AC}"/>
+              </a:ext>
+            </a:extLst>
+          </p:cNvPr>
+          <p:cNvSpPr>
+            <a:spLocks noGrp="1"/>
+          </p:cNvSpPr>
+          <p:nvPr>
+            <p:ph type="title"/>
+          </p:nvPr>
+        </p:nvSpPr>
+        <p:spPr>
+          <a:xfrm>
+            <a:off x="1601724" y="2606040"/>
+            <a:ext cx="8988552" cy="1645920"/>
+          </a:xfrm>
+          <a:solidFill>
+            <a:srgbClr val="000000">
+              <a:alpha val="70000"/>
+            </a:srgbClr>
+          </a:solidFill>
+          <a:ln>
+            <a:solidFill>
+              <a:srgbClr val="FFFFFF"/>
+            </a:solidFill>
+          </a:ln>
+        </p:spPr>
+        <p:txBody>
+          <a:bodyPr>
+            <a:normAutofit/>
+          </a:bodyPr>
+          <a:lstStyle/>
+          <a:p>
+            <a:r>
+              <a:rPr lang="en-US" sz="3800" dirty="0">
+                <a:solidFill>
+                  <a:srgbClr val="FFFFFF"/>
+                </a:solidFill>
+              </a:rPr>
+              <a:t>Preview Week 3</a:t>
+            </a:r>
+          </a:p>
+        </p:txBody>
+      </p:sp>
+    </p:spTree>
+    <p:extLst>
+      <p:ext uri="{BB962C8B-B14F-4D97-AF65-F5344CB8AC3E}">
+        <p14:creationId xmlns:p14="http://schemas.microsoft.com/office/powerpoint/2010/main" val="3104054636"/>
+      </p:ext>
+    </p:extLst>
+  </p:cSld>
+  <p:clrMapOvr>
+    <a:masterClrMapping/>
+  </p:clrMapOvr>
+</p:sld>
+</file>
+
+<file path=ppt/slides/slide3.xml><?xml version="1.0" encoding="utf-8"?>
+<p:sld xmlns:a="http://schemas.openxmlformats.org/drawingml/2006/main" xmlns:r="http://schemas.openxmlformats.org/officeDocument/2006/relationships" xmlns:p="http://schemas.openxmlformats.org/presentationml/2006/main">
+  <p:cSld>
+    <p:bg>
+      <p:bgPr>
+        <a:blipFill rotWithShape="1">
+          <a:blip r:embed="rId3">
+            <a:duotone>
+              <a:schemeClr val="bg2">
+                <a:shade val="80000"/>
+                <a:lumMod val="80000"/>
+              </a:schemeClr>
+              <a:schemeClr val="bg2">
+                <a:tint val="98000"/>
+              </a:schemeClr>
+            </a:duotone>
+          </a:blip>
+          <a:stretch/>
+        </a:blipFill>
+        <a:effectLst/>
+      </p:bgPr>
+    </p:bg>
+    <p:spTree>
+      <p:nvGrpSpPr>
+        <p:cNvPr id="1" name=""/>
+        <p:cNvGrpSpPr/>
+        <p:nvPr/>
+      </p:nvGrpSpPr>
+      <p:grpSpPr>
+        <a:xfrm>
+          <a:off x="0" y="0"/>
+          <a:ext cx="0" cy="0"/>
+          <a:chOff x="0" y="0"/>
+          <a:chExt cx="0" cy="0"/>
+        </a:xfrm>
+      </p:grpSpPr>
+      <p:pic>
+        <p:nvPicPr>
+          <p:cNvPr id="7" name="Picture 5">
+            <a:extLst>
+              <a:ext uri="{FF2B5EF4-FFF2-40B4-BE49-F238E27FC236}">
+                <a16:creationId xmlns:a16="http://schemas.microsoft.com/office/drawing/2014/main" id="{E9FA19AC-E9CD-85C1-9052-7279C81C0D68}"/>
+              </a:ext>
+            </a:extLst>
+          </p:cNvPr>
+          <p:cNvPicPr>
+            <a:picLocks noChangeAspect="1"/>
+          </p:cNvPicPr>
+          <p:nvPr/>
+        </p:nvPicPr>
+        <p:blipFill rotWithShape="1">
+          <a:blip r:embed="rId4"/>
+          <a:srcRect t="10000"/>
+          <a:stretch/>
+        </p:blipFill>
+        <p:spPr>
+          <a:xfrm>
+            <a:off x="20" y="10"/>
+            <a:ext cx="12191980" cy="6857990"/>
+          </a:xfrm>
+          <a:prstGeom prst="rect">
+            <a:avLst/>
+          </a:prstGeom>
+        </p:spPr>
+      </p:pic>
+      <p:sp useBgFill="1">
+        <p:nvSpPr>
+          <p:cNvPr id="9" name="Freeform 5">
+            <a:extLst>
+              <a:ext uri="{FF2B5EF4-FFF2-40B4-BE49-F238E27FC236}">
+                <a16:creationId xmlns:a16="http://schemas.microsoft.com/office/drawing/2014/main" id="{608EAA06-5488-416B-B2B2-E55213011012}"/>
+              </a:ext>
+              <a:ext uri="{C183D7F6-B498-43B3-948B-1728B52AA6E4}">
+                <adec:decorative xmlns:adec="http://schemas.microsoft.com/office/drawing/2017/decorative" val="1"/>
+              </a:ext>
+            </a:extLst>
+          </p:cNvPr>
+          <p:cNvSpPr>
+            <a:spLocks noGrp="1" noRot="1" noChangeAspect="1" noMove="1" noResize="1" noEditPoints="1" noAdjustHandles="1" noChangeArrowheads="1" noChangeShapeType="1" noTextEdit="1"/>
+          </p:cNvSpPr>
+          <p:nvPr>
+            <p:extLst>
+              <p:ext uri="{386F3935-93C4-4BCD-93E2-E3B085C9AB24}">
+                <p16:designElem xmlns:p16="http://schemas.microsoft.com/office/powerpoint/2015/main" val="1"/>
+              </p:ext>
+            </p:extLst>
+          </p:nvPr>
+        </p:nvSpPr>
+        <p:spPr bwMode="auto">
+          <a:xfrm rot="16200000" flipH="1">
+            <a:off x="7426885" y="445383"/>
+            <a:ext cx="1995577" cy="7534653"/>
+          </a:xfrm>
+          <a:prstGeom prst="round2SameRect">
+            <a:avLst>
+              <a:gd name="adj1" fmla="val 9679"/>
+              <a:gd name="adj2" fmla="val 400"/>
+            </a:avLst>
+          </a:prstGeom>
+          <a:ln>
+            <a:noFill/>
+          </a:ln>
+          <a:effectLst>
+            <a:outerShdw blurRad="50800" dist="38100" dir="5400000" algn="tl" rotWithShape="0">
+              <a:srgbClr val="000000">
+                <a:alpha val="43000"/>
+              </a:srgbClr>
+            </a:outerShdw>
+          </a:effectLst>
+          <a:extLst>
+            <a:ext uri="{91240B29-F687-4f45-9708-019B960494DF}">
+              <a14:hiddenLine xmlns:a16="http://schemas.microsoft.com/office/drawing/2014/main" xmlns:p14="http://schemas.microsoft.com/office/powerpoint/2010/main" xmlns:a14="http://schemas.microsoft.com/office/drawing/2010/main" xmlns="" w="9525">
+                <a:solidFill>
+                  <a:srgbClr val="000000"/>
+                </a:solidFill>
+                <a:round/>
+                <a:headEnd/>
+                <a:tailEnd/>
+              </a14:hiddenLine>
+            </a:ext>
+          </a:extLst>
+        </p:spPr>
+        <p:txBody>
+          <a:bodyPr vert="horz" wrap="square" lIns="91440" tIns="45720" rIns="91440" bIns="45720" numCol="1" anchor="t" anchorCtr="0" compatLnSpc="1">
+            <a:prstTxWarp prst="textNoShape">
+              <a:avLst/>
+            </a:prstTxWarp>
+          </a:bodyPr>
+          <a:lstStyle/>
+          <a:p>
+            <a:endParaRPr lang="en-US"/>
+          </a:p>
+        </p:txBody>
+      </p:sp>
+      <p:sp>
+        <p:nvSpPr>
+          <p:cNvPr id="4" name="Title 3">
+            <a:extLst>
+              <a:ext uri="{FF2B5EF4-FFF2-40B4-BE49-F238E27FC236}">
+                <a16:creationId xmlns:a16="http://schemas.microsoft.com/office/drawing/2014/main" id="{8128039C-0EE4-9C77-38DE-69A5998C5EFF}"/>
+              </a:ext>
+            </a:extLst>
+          </p:cNvPr>
+          <p:cNvSpPr>
+            <a:spLocks noGrp="1"/>
+          </p:cNvSpPr>
+          <p:nvPr>
+            <p:ph type="title"/>
+          </p:nvPr>
+        </p:nvSpPr>
+        <p:spPr>
+          <a:xfrm>
+            <a:off x="5461682" y="3496574"/>
+            <a:ext cx="6436104" cy="1138686"/>
+          </a:xfrm>
+        </p:spPr>
+        <p:txBody>
+          <a:bodyPr vert="horz" lIns="91440" tIns="45720" rIns="91440" bIns="45720" rtlCol="0" anchor="b">
+            <a:normAutofit/>
+          </a:bodyPr>
+          <a:lstStyle/>
+          <a:p>
+            <a:pPr algn="l"/>
+            <a:r>
+              <a:rPr lang="en-US" sz="4400"/>
+              <a:t>Questions From Day 2?</a:t>
+            </a:r>
+          </a:p>
+        </p:txBody>
+      </p:sp>
+    </p:spTree>
+    <p:extLst>
+      <p:ext uri="{BB962C8B-B14F-4D97-AF65-F5344CB8AC3E}">
+        <p14:creationId xmlns:p14="http://schemas.microsoft.com/office/powerpoint/2010/main" val="3519171936"/>
+      </p:ext>
+    </p:extLst>
+  </p:cSld>
+  <p:clrMapOvr>
+    <a:masterClrMapping/>
+  </p:clrMapOvr>
+</p:sld>
+</file>
+
+<file path=ppt/slides/slide4.xml><?xml version="1.0" encoding="utf-8"?>
+<p:sld xmlns:a="http://schemas.openxmlformats.org/drawingml/2006/main" xmlns:r="http://schemas.openxmlformats.org/officeDocument/2006/relationships" xmlns:p="http://schemas.openxmlformats.org/presentationml/2006/main">
+  <p:cSld>
+    <p:spTree>
+      <p:nvGrpSpPr>
+        <p:cNvPr id="1" name=""/>
+        <p:cNvGrpSpPr/>
+        <p:nvPr/>
+      </p:nvGrpSpPr>
+      <p:grpSpPr>
+        <a:xfrm>
+          <a:off x="0" y="0"/>
+          <a:ext cx="0" cy="0"/>
+          <a:chOff x="0" y="0"/>
+          <a:chExt cx="0" cy="0"/>
+        </a:xfrm>
+      </p:grpSpPr>
+      <p:sp>
+        <p:nvSpPr>
+          <p:cNvPr id="2" name="Title 1">
+            <a:extLst>
+              <a:ext uri="{FF2B5EF4-FFF2-40B4-BE49-F238E27FC236}">
+                <a16:creationId xmlns:a16="http://schemas.microsoft.com/office/drawing/2014/main" id="{2863F72C-E34F-ACFC-2C46-F6B2C8C20651}"/>
+              </a:ext>
+            </a:extLst>
+          </p:cNvPr>
+          <p:cNvSpPr>
+            <a:spLocks noGrp="1"/>
+          </p:cNvSpPr>
+          <p:nvPr>
+            <p:ph type="title"/>
+          </p:nvPr>
+        </p:nvSpPr>
+        <p:spPr/>
+        <p:txBody>
+          <a:bodyPr/>
+          <a:lstStyle/>
+          <a:p>
+            <a:r>
+              <a:rPr lang="en-US" dirty="0"/>
+              <a:t>Terms To Listen For</a:t>
+            </a:r>
+          </a:p>
+        </p:txBody>
+      </p:sp>
+      <p:sp>
+        <p:nvSpPr>
+          <p:cNvPr id="3" name="Content Placeholder 2">
+            <a:extLst>
+              <a:ext uri="{FF2B5EF4-FFF2-40B4-BE49-F238E27FC236}">
+                <a16:creationId xmlns:a16="http://schemas.microsoft.com/office/drawing/2014/main" id="{D7AE6683-AEEF-921F-EA2D-6BBA91346062}"/>
+              </a:ext>
+            </a:extLst>
+          </p:cNvPr>
+          <p:cNvSpPr>
+            <a:spLocks noGrp="1"/>
+          </p:cNvSpPr>
+          <p:nvPr>
+            <p:ph idx="1"/>
+          </p:nvPr>
+        </p:nvSpPr>
+        <p:spPr/>
+        <p:txBody>
+          <a:bodyPr/>
+          <a:lstStyle/>
+          <a:p>
+            <a:r>
+              <a:rPr lang="en-US" dirty="0"/>
+              <a:t>Discretionary Access Control (DAC)</a:t>
+            </a:r>
+          </a:p>
+          <a:p>
+            <a:pPr lvl="1"/>
+            <a:r>
+              <a:rPr lang="en-US" dirty="0"/>
+              <a:t>A method of access control provisioned by an administrator</a:t>
+            </a:r>
+          </a:p>
+          <a:p>
+            <a:r>
+              <a:rPr lang="en-US" dirty="0"/>
+              <a:t>Mandatory Access Control (MAC)</a:t>
+            </a:r>
+          </a:p>
+          <a:p>
+            <a:pPr lvl="1"/>
+            <a:r>
+              <a:rPr lang="en-US" dirty="0"/>
+              <a:t>Access control provisioned by data labeling</a:t>
+            </a:r>
+          </a:p>
+          <a:p>
+            <a:r>
+              <a:rPr lang="en-US" dirty="0"/>
+              <a:t>Authentication</a:t>
+            </a:r>
+          </a:p>
+          <a:p>
+            <a:pPr lvl="1"/>
+            <a:r>
+              <a:rPr lang="en-US" dirty="0"/>
+              <a:t>Refers to the process of verifying a user’s identity.</a:t>
+            </a:r>
+          </a:p>
+          <a:p>
+            <a:r>
+              <a:rPr lang="en-US" dirty="0"/>
+              <a:t>Denial of Service</a:t>
+            </a:r>
+          </a:p>
+          <a:p>
+            <a:pPr lvl="1"/>
+            <a:r>
+              <a:rPr lang="en-US" dirty="0"/>
+              <a:t>A forced outage of a service based on a misconfiguration or a concerted effort</a:t>
+            </a:r>
+          </a:p>
+        </p:txBody>
+      </p:sp>
+    </p:spTree>
+    <p:extLst>
+      <p:ext uri="{BB962C8B-B14F-4D97-AF65-F5344CB8AC3E}">
+        <p14:creationId xmlns:p14="http://schemas.microsoft.com/office/powerpoint/2010/main" val="1671539891"/>
+      </p:ext>
+    </p:extLst>
+  </p:cSld>
+  <p:clrMapOvr>
+    <a:masterClrMapping/>
+  </p:clrMapOvr>
+</p:sld>
+</file>
+
+<file path=ppt/slides/slide5.xml><?xml version="1.0" encoding="utf-8"?>
+<p:sld xmlns:a="http://schemas.openxmlformats.org/drawingml/2006/main" xmlns:r="http://schemas.openxmlformats.org/officeDocument/2006/relationships" xmlns:p="http://schemas.openxmlformats.org/presentationml/2006/main">
+  <p:cSld>
+    <p:bg>
+      <p:bgPr>
+        <a:blipFill rotWithShape="1">
+          <a:blip r:embed="rId2">
+            <a:duotone>
+              <a:schemeClr val="bg1">
+                <a:shade val="80000"/>
+                <a:lumMod val="80000"/>
+              </a:schemeClr>
+              <a:schemeClr val="bg1">
+                <a:tint val="98000"/>
+              </a:schemeClr>
+            </a:duotone>
+          </a:blip>
+          <a:stretch/>
+        </a:blipFill>
+        <a:effectLst/>
+      </p:bgPr>
+    </p:bg>
+    <p:spTree>
+      <p:nvGrpSpPr>
+        <p:cNvPr id="1" name=""/>
+        <p:cNvGrpSpPr/>
+        <p:nvPr/>
+      </p:nvGrpSpPr>
+      <p:grpSpPr>
+        <a:xfrm>
+          <a:off x="0" y="0"/>
+          <a:ext cx="0" cy="0"/>
+          <a:chOff x="0" y="0"/>
+          <a:chExt cx="0" cy="0"/>
+        </a:xfrm>
+      </p:grpSpPr>
+      <p:pic>
+        <p:nvPicPr>
+          <p:cNvPr id="12" name="Picture 3" descr="A finger pointing on a tablet with green neon lights">
+            <a:extLst>
+              <a:ext uri="{FF2B5EF4-FFF2-40B4-BE49-F238E27FC236}">
+                <a16:creationId xmlns:a16="http://schemas.microsoft.com/office/drawing/2014/main" id="{85E3BB35-CB53-B751-858E-76622F5A179B}"/>
+              </a:ext>
+            </a:extLst>
+          </p:cNvPr>
+          <p:cNvPicPr>
+            <a:picLocks noChangeAspect="1"/>
+          </p:cNvPicPr>
+          <p:nvPr/>
+        </p:nvPicPr>
+        <p:blipFill rotWithShape="1">
+          <a:blip r:embed="rId3">
+            <a:alphaModFix amt="35000"/>
+          </a:blip>
+          <a:srcRect t="15730"/>
+          <a:stretch/>
+        </p:blipFill>
+        <p:spPr>
+          <a:xfrm>
+            <a:off x="20" y="10"/>
+            <a:ext cx="12191980" cy="6857990"/>
+          </a:xfrm>
+          <a:prstGeom prst="rect">
+            <a:avLst/>
+          </a:prstGeom>
+        </p:spPr>
+      </p:pic>
+      <p:sp>
+        <p:nvSpPr>
+          <p:cNvPr id="2" name="Title 1">
+            <a:extLst>
+              <a:ext uri="{FF2B5EF4-FFF2-40B4-BE49-F238E27FC236}">
+                <a16:creationId xmlns:a16="http://schemas.microsoft.com/office/drawing/2014/main" id="{33997C07-E5EA-9A8C-7A0B-A855865D99B0}"/>
+              </a:ext>
+            </a:extLst>
+          </p:cNvPr>
+          <p:cNvSpPr>
+            <a:spLocks noGrp="1"/>
+          </p:cNvSpPr>
+          <p:nvPr>
+            <p:ph type="title"/>
+          </p:nvPr>
+        </p:nvSpPr>
+        <p:spPr>
+          <a:xfrm>
+            <a:off x="1370693" y="1769540"/>
+            <a:ext cx="9440034" cy="1828801"/>
+          </a:xfrm>
+        </p:spPr>
+        <p:txBody>
+          <a:bodyPr vert="horz" lIns="91440" tIns="45720" rIns="91440" bIns="45720" rtlCol="0" anchor="b">
+            <a:normAutofit/>
+          </a:bodyPr>
+          <a:lstStyle/>
+          <a:p>
+            <a:r>
+              <a:rPr lang="en-US" sz="5400"/>
+              <a:t>Access Control</a:t>
+            </a:r>
+          </a:p>
+        </p:txBody>
+      </p:sp>
+    </p:spTree>
+    <p:extLst>
+      <p:ext uri="{BB962C8B-B14F-4D97-AF65-F5344CB8AC3E}">
+        <p14:creationId xmlns:p14="http://schemas.microsoft.com/office/powerpoint/2010/main" val="3497694308"/>
+      </p:ext>
+    </p:extLst>
+  </p:cSld>
+  <p:clrMapOvr>
+    <a:masterClrMapping/>
+  </p:clrMapOvr>
+  <p:timing>
+    <p:tnLst>
+      <p:par>
+        <p:cTn id="1" dur="indefinite" restart="never" nodeType="tmRoot">
+          <p:childTnLst>
+            <p:seq concurrent="1" nextAc="seek">
+              <p:cTn id="2" dur="indefinite" nodeType="mainSeq">
+                <p:childTnLst>
+                  <p:par>
+                    <p:cTn id="3" fill="hold">
+                      <p:stCondLst>
+                        <p:cond delay="indefinite"/>
+                        <p:cond evt="onBegin" delay="0">
+                          <p:tn val="2"/>
+                        </p:cond>
+                      </p:stCondLst>
+                      <p:childTnLst>
+                        <p:par>
+                          <p:cTn id="4" fill="hold">
+                            <p:stCondLst>
+                              <p:cond delay="0"/>
+                            </p:stCondLst>
+                            <p:childTnLst>
+                              <p:par>
+                                <p:cTn id="5" presetID="10" presetClass="entr" presetSubtype="0" fill="hold" grpId="0" nodeType="withEffect">
+                                  <p:stCondLst>
+                                    <p:cond delay="1000"/>
+                                  </p:stCondLst>
+                                  <p:iterate>
+                                    <p:tmPct val="10000"/>
+                                  </p:iterate>
+                                  <p:childTnLst>
+                                    <p:set>
+                                      <p:cBhvr>
+                                        <p:cTn id="6" dur="1" fill="hold">
+                                          <p:stCondLst>
+                                            <p:cond delay="0"/>
+                                          </p:stCondLst>
+                                        </p:cTn>
+                                        <p:tgtEl>
+                                          <p:spTgt spid="2"/>
+                                        </p:tgtEl>
+                                        <p:attrNameLst>
+                                          <p:attrName>style.visibility</p:attrName>
+                                        </p:attrNameLst>
+                                      </p:cBhvr>
+                                      <p:to>
+                                        <p:strVal val="visible"/>
+                                      </p:to>
+                                    </p:set>
+                                    <p:animEffect transition="in" filter="fade">
+                                      <p:cBhvr>
+                                        <p:cTn id="7" dur="700"/>
+                                        <p:tgtEl>
+                                          <p:spTgt spid="2"/>
+                                        </p:tgtEl>
+                                      </p:cBhvr>
+                                    </p:animEffect>
+                                  </p:childTnLst>
+                                </p:cTn>
+                              </p:par>
+                            </p:childTnLst>
+                          </p:cTn>
+                        </p:par>
+                      </p:childTnLst>
+                    </p:cTn>
+                  </p:par>
+                </p:childTnLst>
+              </p:cTn>
+              <p:prevCondLst>
+                <p:cond evt="onPrev" delay="0">
+                  <p:tgtEl>
+                    <p:sldTgt/>
+                  </p:tgtEl>
+                </p:cond>
+              </p:prevCondLst>
+              <p:nextCondLst>
+                <p:cond evt="onNext" delay="0">
+                  <p:tgtEl>
+                    <p:sldTgt/>
+                  </p:tgtEl>
+                </p:cond>
+              </p:nextCondLst>
+            </p:seq>
+          </p:childTnLst>
+        </p:cTn>
+      </p:par>
+    </p:tnLst>
+    <p:bldLst>
+      <p:bldP spid="2" grpId="0"/>
+    </p:bldLst>
+  </p:timing>
+</p:sld>
+</file>
+
+<file path=ppt/slides/slide6.xml><?xml version="1.0" encoding="utf-8"?>
+<p:sld xmlns:a="http://schemas.openxmlformats.org/drawingml/2006/main" xmlns:r="http://schemas.openxmlformats.org/officeDocument/2006/relationships" xmlns:p="http://schemas.openxmlformats.org/presentationml/2006/main">
+  <p:cSld>
+    <p:bg>
+      <p:bgPr>
+        <a:blipFill rotWithShape="1">
+          <a:blip r:embed="rId2">
+            <a:duotone>
+              <a:schemeClr val="bg1">
+                <a:shade val="80000"/>
+                <a:lumMod val="80000"/>
+              </a:schemeClr>
+              <a:schemeClr val="bg1">
+                <a:tint val="98000"/>
+              </a:schemeClr>
+            </a:duotone>
+          </a:blip>
+          <a:stretch/>
+        </a:blipFill>
+        <a:effectLst/>
+      </p:bgPr>
+    </p:bg>
+    <p:spTree>
+      <p:nvGrpSpPr>
+        <p:cNvPr id="1" name=""/>
+        <p:cNvGrpSpPr/>
+        <p:nvPr/>
+      </p:nvGrpSpPr>
+      <p:grpSpPr>
+        <a:xfrm>
+          <a:off x="0" y="0"/>
+          <a:ext cx="0" cy="0"/>
+          <a:chOff x="0" y="0"/>
+          <a:chExt cx="0" cy="0"/>
+        </a:xfrm>
+      </p:grpSpPr>
+      <p:pic>
+        <p:nvPicPr>
+          <p:cNvPr id="4" name="Picture 3">
+            <a:extLst>
+              <a:ext uri="{FF2B5EF4-FFF2-40B4-BE49-F238E27FC236}">
+                <a16:creationId xmlns:a16="http://schemas.microsoft.com/office/drawing/2014/main" id="{173AC626-3770-0B15-733B-1BC48FD1AF06}"/>
+              </a:ext>
+            </a:extLst>
+          </p:cNvPr>
+          <p:cNvPicPr>
+            <a:picLocks noChangeAspect="1"/>
+          </p:cNvPicPr>
+          <p:nvPr/>
+        </p:nvPicPr>
+        <p:blipFill rotWithShape="1">
+          <a:blip r:embed="rId3">
+            <a:alphaModFix amt="35000"/>
+          </a:blip>
+          <a:srcRect t="8194" b="7536"/>
+          <a:stretch/>
+        </p:blipFill>
+        <p:spPr>
+          <a:xfrm>
+            <a:off x="20" y="10"/>
+            <a:ext cx="12191980" cy="6857990"/>
+          </a:xfrm>
+          <a:prstGeom prst="rect">
+            <a:avLst/>
+          </a:prstGeom>
+        </p:spPr>
+      </p:pic>
+      <p:sp>
+        <p:nvSpPr>
+          <p:cNvPr id="2" name="Title 1">
+            <a:extLst>
+              <a:ext uri="{FF2B5EF4-FFF2-40B4-BE49-F238E27FC236}">
+                <a16:creationId xmlns:a16="http://schemas.microsoft.com/office/drawing/2014/main" id="{F22B400F-18D8-282E-A803-7D792B8556EF}"/>
+              </a:ext>
+            </a:extLst>
+          </p:cNvPr>
+          <p:cNvSpPr>
+            <a:spLocks noGrp="1"/>
+          </p:cNvSpPr>
+          <p:nvPr>
+            <p:ph type="title"/>
+          </p:nvPr>
+        </p:nvSpPr>
+        <p:spPr>
+          <a:xfrm>
+            <a:off x="1370693" y="1769540"/>
+            <a:ext cx="9440034" cy="1828801"/>
+          </a:xfrm>
+        </p:spPr>
+        <p:txBody>
+          <a:bodyPr vert="horz" lIns="91440" tIns="45720" rIns="91440" bIns="45720" rtlCol="0" anchor="b">
+            <a:normAutofit/>
+          </a:bodyPr>
+          <a:lstStyle/>
+          <a:p>
+            <a:r>
+              <a:rPr lang="en-US" sz="5400" dirty="0"/>
+              <a:t>MAC, DAC, and RBAC</a:t>
+            </a:r>
+          </a:p>
+        </p:txBody>
+      </p:sp>
+    </p:spTree>
+    <p:extLst>
+      <p:ext uri="{BB962C8B-B14F-4D97-AF65-F5344CB8AC3E}">
+        <p14:creationId xmlns:p14="http://schemas.microsoft.com/office/powerpoint/2010/main" val="2371962728"/>
+      </p:ext>
+    </p:extLst>
+  </p:cSld>
+  <p:clrMapOvr>
+    <a:masterClrMapping/>
+  </p:clrMapOvr>
+</p:sld>
+</file>
+
+<file path=ppt/slides/slide7.xml><?xml version="1.0" encoding="utf-8"?>
+<p:sld xmlns:a="http://schemas.openxmlformats.org/drawingml/2006/main" xmlns:r="http://schemas.openxmlformats.org/officeDocument/2006/relationships" xmlns:p="http://schemas.openxmlformats.org/presentationml/2006/main">
+  <p:cSld>
+    <p:bg>
+      <p:bgPr>
+        <a:blipFill rotWithShape="1">
+          <a:blip r:embed="rId2">
+            <a:duotone>
+              <a:schemeClr val="bg2">
+                <a:shade val="80000"/>
+                <a:lumMod val="80000"/>
+              </a:schemeClr>
+              <a:schemeClr val="bg2">
+                <a:tint val="98000"/>
+              </a:schemeClr>
+            </a:duotone>
+          </a:blip>
+          <a:stretch/>
+        </a:blipFill>
+        <a:effectLst/>
+      </p:bgPr>
+    </p:bg>
+    <p:spTree>
+      <p:nvGrpSpPr>
+        <p:cNvPr id="1" name=""/>
+        <p:cNvGrpSpPr/>
+        <p:nvPr/>
+      </p:nvGrpSpPr>
+      <p:grpSpPr>
+        <a:xfrm>
+          <a:off x="0" y="0"/>
+          <a:ext cx="0" cy="0"/>
+          <a:chOff x="0" y="0"/>
+          <a:chExt cx="0" cy="0"/>
+        </a:xfrm>
+      </p:grpSpPr>
+      <p:sp>
+        <p:nvSpPr>
+          <p:cNvPr id="3" name="Title 2">
+            <a:extLst>
+              <a:ext uri="{FF2B5EF4-FFF2-40B4-BE49-F238E27FC236}">
+                <a16:creationId xmlns:a16="http://schemas.microsoft.com/office/drawing/2014/main" id="{CFCEC179-4E23-6FF4-634D-63477BEC1FA6}"/>
+              </a:ext>
+            </a:extLst>
+          </p:cNvPr>
+          <p:cNvSpPr>
+            <a:spLocks noGrp="1"/>
+          </p:cNvSpPr>
+          <p:nvPr>
+            <p:ph type="title"/>
+          </p:nvPr>
+        </p:nvSpPr>
+        <p:spPr>
+          <a:xfrm>
+            <a:off x="1370693" y="4406537"/>
+            <a:ext cx="9440034" cy="1088336"/>
+          </a:xfrm>
+        </p:spPr>
+        <p:txBody>
+          <a:bodyPr vert="horz" lIns="91440" tIns="45720" rIns="91440" bIns="45720" rtlCol="0" anchor="b">
+            <a:normAutofit/>
+          </a:bodyPr>
+          <a:lstStyle/>
+          <a:p>
+            <a:r>
+              <a:rPr lang="en-US" sz="4800"/>
+              <a:t>Mandatory Access Control</a:t>
+            </a:r>
+          </a:p>
+        </p:txBody>
+      </p:sp>
+      <p:pic>
+        <p:nvPicPr>
+          <p:cNvPr id="7" name="Graphic 6" descr="Lock">
+            <a:extLst>
+              <a:ext uri="{FF2B5EF4-FFF2-40B4-BE49-F238E27FC236}">
+                <a16:creationId xmlns:a16="http://schemas.microsoft.com/office/drawing/2014/main" id="{B40C12C9-51FA-66C8-3AF6-09B9D23DA89C}"/>
+              </a:ext>
+            </a:extLst>
+          </p:cNvPr>
+          <p:cNvPicPr>
+            <a:picLocks noChangeAspect="1"/>
+          </p:cNvPicPr>
+          <p:nvPr/>
+        </p:nvPicPr>
+        <p:blipFill>
+          <a:blip r:embed="rId3">
+            <a:extLst>
+              <a:ext uri="{28A0092B-C50C-407E-A947-70E740481C1C}">
+                <a14:useLocalDpi xmlns:a14="http://schemas.microsoft.com/office/drawing/2010/main" val="0"/>
+              </a:ext>
+              <a:ext uri="{96DAC541-7B7A-43D3-8B79-37D633B846F1}">
+                <asvg:svgBlip xmlns:asvg="http://schemas.microsoft.com/office/drawing/2016/SVG/main" r:embed="rId4"/>
+              </a:ext>
+            </a:extLst>
+          </a:blip>
+          <a:stretch>
+            <a:fillRect/>
+          </a:stretch>
+        </p:blipFill>
+        <p:spPr>
+          <a:xfrm>
+            <a:off x="4474617" y="643463"/>
+            <a:ext cx="3249553" cy="3249553"/>
+          </a:xfrm>
+          <a:prstGeom prst="rect">
+            <a:avLst/>
+          </a:prstGeom>
+        </p:spPr>
+      </p:pic>
+    </p:spTree>
+    <p:extLst>
+      <p:ext uri="{BB962C8B-B14F-4D97-AF65-F5344CB8AC3E}">
+        <p14:creationId xmlns:p14="http://schemas.microsoft.com/office/powerpoint/2010/main" val="4196407505"/>
+      </p:ext>
+    </p:extLst>
+  </p:cSld>
+  <p:clrMapOvr>
+    <a:masterClrMapping/>
+  </p:clrMapOvr>
+  <p:timing>
+    <p:tnLst>
+      <p:par>
+        <p:cTn id="1" dur="indefinite" restart="never" nodeType="tmRoot">
+          <p:childTnLst>
+            <p:seq concurrent="1" nextAc="seek">
+              <p:cTn id="2" dur="indefinite" nodeType="mainSeq">
+                <p:childTnLst>
+                  <p:par>
+                    <p:cTn id="3" fill="hold">
+                      <p:stCondLst>
+                        <p:cond delay="indefinite"/>
+                        <p:cond evt="onBegin" delay="0">
+                          <p:tn val="2"/>
+                        </p:cond>
+                      </p:stCondLst>
+                      <p:childTnLst>
+                        <p:par>
+                          <p:cTn id="4" fill="hold">
+                            <p:stCondLst>
+                              <p:cond delay="0"/>
+                            </p:stCondLst>
+                            <p:childTnLst>
+                              <p:par>
+                                <p:cTn id="5" presetID="10" presetClass="entr" presetSubtype="0" fill="hold" nodeType="withEffect">
+                                  <p:stCondLst>
+                                    <p:cond delay="500"/>
+                                  </p:stCondLst>
+                                  <p:iterate>
+                                    <p:tmPct val="10000"/>
+                                  </p:iterate>
+                                  <p:childTnLst>
+                                    <p:set>
+                                      <p:cBhvr>
+                                        <p:cTn id="6" dur="1" fill="hold">
+                                          <p:stCondLst>
+                                            <p:cond delay="0"/>
+                                          </p:stCondLst>
+                                        </p:cTn>
+                                        <p:tgtEl>
+                                          <p:spTgt spid="7"/>
+                                        </p:tgtEl>
+                                        <p:attrNameLst>
+                                          <p:attrName>style.visibility</p:attrName>
+                                        </p:attrNameLst>
+                                      </p:cBhvr>
+                                      <p:to>
+                                        <p:strVal val="visible"/>
+                                      </p:to>
+                                    </p:set>
+                                    <p:animEffect transition="in" filter="fade">
+                                      <p:cBhvr>
+                                        <p:cTn id="7" dur="700"/>
+                                        <p:tgtEl>
+                                          <p:spTgt spid="7"/>
+                                        </p:tgtEl>
+                                      </p:cBhvr>
+                                    </p:animEffect>
+                                  </p:childTnLst>
+                                </p:cTn>
+                              </p:par>
+                              <p:par>
+                                <p:cTn id="8" presetID="10" presetClass="entr" presetSubtype="0" fill="hold" grpId="0" nodeType="withEffect">
+                                  <p:stCondLst>
+                                    <p:cond delay="1000"/>
+                                  </p:stCondLst>
+                                  <p:iterate>
+                                    <p:tmPct val="10000"/>
+                                  </p:iterate>
+                                  <p:childTnLst>
+                                    <p:set>
+                                      <p:cBhvr>
+                                        <p:cTn id="9" dur="1" fill="hold">
+                                          <p:stCondLst>
+                                            <p:cond delay="0"/>
+                                          </p:stCondLst>
+                                        </p:cTn>
+                                        <p:tgtEl>
+                                          <p:spTgt spid="3"/>
+                                        </p:tgtEl>
+                                        <p:attrNameLst>
+                                          <p:attrName>style.visibility</p:attrName>
+                                        </p:attrNameLst>
+                                      </p:cBhvr>
+                                      <p:to>
+                                        <p:strVal val="visible"/>
+                                      </p:to>
+                                    </p:set>
+                                    <p:animEffect transition="in" filter="fade">
+                                      <p:cBhvr>
+                                        <p:cTn id="10" dur="700"/>
+                                        <p:tgtEl>
+                                          <p:spTgt spid="3"/>
+                                        </p:tgtEl>
+                                      </p:cBhvr>
+                                    </p:animEffect>
+                                  </p:childTnLst>
+                                </p:cTn>
+                              </p:par>
+                            </p:childTnLst>
+                          </p:cTn>
+                        </p:par>
+                      </p:childTnLst>
+                    </p:cTn>
+                  </p:par>
+                </p:childTnLst>
+              </p:cTn>
+              <p:prevCondLst>
+                <p:cond evt="onPrev" delay="0">
+                  <p:tgtEl>
+                    <p:sldTgt/>
+                  </p:tgtEl>
+                </p:cond>
+              </p:prevCondLst>
+              <p:nextCondLst>
+                <p:cond evt="onNext" delay="0">
+                  <p:tgtEl>
+                    <p:sldTgt/>
+                  </p:tgtEl>
+                </p:cond>
+              </p:nextCondLst>
+            </p:seq>
+          </p:childTnLst>
+        </p:cTn>
+      </p:par>
+    </p:tnLst>
+    <p:bldLst>
+      <p:bldP spid="3" grpId="0"/>
+    </p:bldLst>
+  </p:timing>
+</p:sld>
+</file>
+
+<file path=ppt/slides/slide8.xml><?xml version="1.0" encoding="utf-8"?>
+<p:sld xmlns:a="http://schemas.openxmlformats.org/drawingml/2006/main" xmlns:r="http://schemas.openxmlformats.org/officeDocument/2006/relationships" xmlns:p="http://schemas.openxmlformats.org/presentationml/2006/main">
+  <p:cSld>
+    <p:bg>
+      <p:bgPr>
+        <a:blipFill rotWithShape="1">
+          <a:blip r:embed="rId3">
+            <a:duotone>
+              <a:schemeClr val="bg2">
+                <a:shade val="80000"/>
+                <a:lumMod val="80000"/>
+              </a:schemeClr>
+              <a:schemeClr val="bg2">
+                <a:tint val="98000"/>
+              </a:schemeClr>
+            </a:duotone>
+          </a:blip>
+          <a:stretch/>
+        </a:blipFill>
+        <a:effectLst/>
+      </p:bgPr>
+    </p:bg>
+    <p:spTree>
+      <p:nvGrpSpPr>
+        <p:cNvPr id="1" name=""/>
+        <p:cNvGrpSpPr/>
+        <p:nvPr/>
+      </p:nvGrpSpPr>
+      <p:grpSpPr>
+        <a:xfrm>
+          <a:off x="0" y="0"/>
+          <a:ext cx="0" cy="0"/>
+          <a:chOff x="0" y="0"/>
+          <a:chExt cx="0" cy="0"/>
+        </a:xfrm>
+      </p:grpSpPr>
+      <p:sp>
+        <p:nvSpPr>
+          <p:cNvPr id="2" name="Title 1">
+            <a:extLst>
+              <a:ext uri="{FF2B5EF4-FFF2-40B4-BE49-F238E27FC236}">
+                <a16:creationId xmlns:a16="http://schemas.microsoft.com/office/drawing/2014/main" id="{AD06704D-8F75-ABF6-5FFB-A6A624C9BEDF}"/>
+              </a:ext>
+            </a:extLst>
+          </p:cNvPr>
+          <p:cNvSpPr>
+            <a:spLocks noGrp="1"/>
+          </p:cNvSpPr>
+          <p:nvPr>
+            <p:ph type="title"/>
+          </p:nvPr>
+        </p:nvSpPr>
+        <p:spPr>
+          <a:xfrm>
+            <a:off x="1370693" y="4406537"/>
+            <a:ext cx="9440034" cy="1088336"/>
+          </a:xfrm>
+        </p:spPr>
+        <p:txBody>
+          <a:bodyPr vert="horz" lIns="91440" tIns="45720" rIns="91440" bIns="45720" rtlCol="0" anchor="b">
+            <a:normAutofit/>
+          </a:bodyPr>
+          <a:lstStyle/>
+          <a:p>
+            <a:r>
+              <a:rPr lang="en-US" sz="4800" dirty="0"/>
+              <a:t>Mandatory Access Control (MAC)</a:t>
+            </a:r>
+          </a:p>
+        </p:txBody>
+      </p:sp>
+      <p:pic>
+        <p:nvPicPr>
+          <p:cNvPr id="5" name="Picture 4" descr="A picture containing text, font, screenshot, logo&#10;&#10;Description automatically generated">
+            <a:extLst>
+              <a:ext uri="{FF2B5EF4-FFF2-40B4-BE49-F238E27FC236}">
+                <a16:creationId xmlns:a16="http://schemas.microsoft.com/office/drawing/2014/main" id="{76625A65-A796-B482-1C4E-8F471E35F2A2}"/>
+              </a:ext>
+            </a:extLst>
+          </p:cNvPr>
+          <p:cNvPicPr>
+            <a:picLocks noChangeAspect="1"/>
+          </p:cNvPicPr>
+          <p:nvPr/>
+        </p:nvPicPr>
+        <p:blipFill>
+          <a:blip r:embed="rId4"/>
+          <a:stretch>
+            <a:fillRect/>
+          </a:stretch>
+        </p:blipFill>
+        <p:spPr>
+          <a:xfrm>
+            <a:off x="2660714" y="643463"/>
+            <a:ext cx="6877360" cy="3249553"/>
+          </a:xfrm>
+          <a:prstGeom prst="rect">
+            <a:avLst/>
+          </a:prstGeom>
+        </p:spPr>
+      </p:pic>
+    </p:spTree>
+    <p:extLst>
+      <p:ext uri="{BB962C8B-B14F-4D97-AF65-F5344CB8AC3E}">
+        <p14:creationId xmlns:p14="http://schemas.microsoft.com/office/powerpoint/2010/main" val="1621511944"/>
+      </p:ext>
+    </p:extLst>
+  </p:cSld>
+  <p:clrMapOvr>
+    <a:masterClrMapping/>
+  </p:clrMapOvr>
+</p:sld>
+</file>
+
+<file path=ppt/slides/slide9.xml><?xml version="1.0" encoding="utf-8"?>
+<p:sld xmlns:a="http://schemas.openxmlformats.org/drawingml/2006/main" xmlns:r="http://schemas.openxmlformats.org/officeDocument/2006/relationships" xmlns:p="http://schemas.openxmlformats.org/presentationml/2006/main">
+  <p:cSld>
+    <p:bg>
+      <p:bgPr>
+        <a:blipFill rotWithShape="1">
+          <a:blip r:embed="rId2">
+            <a:duotone>
+              <a:schemeClr val="bg2">
+                <a:shade val="80000"/>
+                <a:lumMod val="80000"/>
+              </a:schemeClr>
+              <a:schemeClr val="bg2">
+                <a:tint val="98000"/>
+              </a:schemeClr>
+            </a:duotone>
+          </a:blip>
+          <a:stretch/>
+        </a:blipFill>
+        <a:effectLst/>
+      </p:bgPr>
+    </p:bg>
+    <p:spTree>
+      <p:nvGrpSpPr>
+        <p:cNvPr id="1" name=""/>
+        <p:cNvGrpSpPr/>
+        <p:nvPr/>
+      </p:nvGrpSpPr>
+      <p:grpSpPr>
+        <a:xfrm>
+          <a:off x="0" y="0"/>
+          <a:ext cx="0" cy="0"/>
+          <a:chOff x="0" y="0"/>
+          <a:chExt cx="0" cy="0"/>
+        </a:xfrm>
+      </p:grpSpPr>
+      <p:sp>
+        <p:nvSpPr>
+          <p:cNvPr id="2" name="Title 1">
+            <a:extLst>
+              <a:ext uri="{FF2B5EF4-FFF2-40B4-BE49-F238E27FC236}">
+                <a16:creationId xmlns:a16="http://schemas.microsoft.com/office/drawing/2014/main" id="{86021596-DB26-700F-9D7B-6A66AD7E1720}"/>
+              </a:ext>
+            </a:extLst>
+          </p:cNvPr>
+          <p:cNvSpPr>
+            <a:spLocks noGrp="1"/>
+          </p:cNvSpPr>
+          <p:nvPr>
+            <p:ph type="title"/>
+          </p:nvPr>
+        </p:nvSpPr>
+        <p:spPr>
+          <a:xfrm>
+            <a:off x="5369441" y="1233378"/>
+            <a:ext cx="5441285" cy="2364964"/>
+          </a:xfrm>
+        </p:spPr>
+        <p:txBody>
+          <a:bodyPr vert="horz" lIns="91440" tIns="45720" rIns="91440" bIns="45720" rtlCol="0" anchor="b">
+            <a:normAutofit/>
+          </a:bodyPr>
+          <a:lstStyle/>
+          <a:p>
+            <a:pPr>
+              <a:lnSpc>
+                <a:spcPct val="90000"/>
+              </a:lnSpc>
+            </a:pPr>
+            <a:r>
+              <a:rPr lang="en-US" sz="5400" dirty="0"/>
+              <a:t>Discretionary Access Control (DAC)</a:t>
+            </a:r>
+          </a:p>
+        </p:txBody>
+      </p:sp>
+      <p:pic>
+        <p:nvPicPr>
+          <p:cNvPr id="8" name="Picture 7">
+            <a:extLst>
+              <a:ext uri="{FF2B5EF4-FFF2-40B4-BE49-F238E27FC236}">
+                <a16:creationId xmlns:a16="http://schemas.microsoft.com/office/drawing/2014/main" id="{DBF7BBCC-A085-493E-83D9-01D4F8E88929}"/>
+              </a:ext>
+              <a:ext uri="{C183D7F6-B498-43B3-948B-1728B52AA6E4}">
+                <adec:decorative xmlns:adec="http://schemas.microsoft.com/office/drawing/2017/decorative" val="1"/>
+              </a:ext>
+            </a:extLst>
+          </p:cNvPr>
+          <p:cNvPicPr>
+            <a:picLocks noGrp="1" noRot="1" noChangeAspect="1" noMove="1" noResize="1" noEditPoints="1" noAdjustHandles="1" noChangeArrowheads="1" noChangeShapeType="1" noCrop="1"/>
+          </p:cNvPicPr>
+          <p:nvPr>
+            <p:extLst>
+              <p:ext uri="{386F3935-93C4-4BCD-93E2-E3B085C9AB24}">
+                <p16:designElem xmlns:p16="http://schemas.microsoft.com/office/powerpoint/2015/main" val="1"/>
+              </p:ext>
+            </p:extLst>
+          </p:nvPr>
+        </p:nvPicPr>
+        <p:blipFill rotWithShape="1">
+          <a:blip r:embed="rId3">
+            <a:extLst>
+              <a:ext uri="{28A0092B-C50C-407E-A947-70E740481C1C}">
+                <a14:useLocalDpi xmlns:a14="http://schemas.microsoft.com/office/drawing/2010/main" val="0"/>
+              </a:ext>
+            </a:extLst>
+          </a:blip>
+          <a:srcRect t="964" r="2807" b="1446"/>
+          <a:stretch/>
+        </p:blipFill>
+        <p:spPr>
+          <a:xfrm>
+            <a:off x="-10649" y="1"/>
+            <a:ext cx="4690532" cy="6858000"/>
+          </a:xfrm>
+          <a:prstGeom prst="rect">
+            <a:avLst/>
+          </a:prstGeom>
+        </p:spPr>
+      </p:pic>
+      <p:pic>
+        <p:nvPicPr>
+          <p:cNvPr id="4" name="Picture 3" descr="A blurry image of a purple hexagon&#10;&#10;Description automatically generated with low confidence">
+            <a:extLst>
+              <a:ext uri="{FF2B5EF4-FFF2-40B4-BE49-F238E27FC236}">
+                <a16:creationId xmlns:a16="http://schemas.microsoft.com/office/drawing/2014/main" id="{82908600-DC60-AAAF-D25D-5D3C8C4324B8}"/>
+              </a:ext>
+            </a:extLst>
+          </p:cNvPr>
+          <p:cNvPicPr>
+            <a:picLocks noChangeAspect="1"/>
+          </p:cNvPicPr>
+          <p:nvPr/>
+        </p:nvPicPr>
+        <p:blipFill rotWithShape="1">
+          <a:blip r:embed="rId4"/>
+          <a:srcRect l="33281" r="33388"/>
+          <a:stretch/>
+        </p:blipFill>
+        <p:spPr>
+          <a:xfrm>
+            <a:off x="20" y="10"/>
+            <a:ext cx="4571629" cy="6857990"/>
+          </a:xfrm>
+          <a:prstGeom prst="rect">
+            <a:avLst/>
+          </a:prstGeom>
+        </p:spPr>
+      </p:pic>
+    </p:spTree>
+    <p:extLst>
+      <p:ext uri="{BB962C8B-B14F-4D97-AF65-F5344CB8AC3E}">
+        <p14:creationId xmlns:p14="http://schemas.microsoft.com/office/powerpoint/2010/main" val="1913000843"/>
       </p:ext>
     </p:extLst>
   </p:cSld>
